--- a/Initial Workshop.pptx
+++ b/Initial Workshop.pptx
@@ -5,17 +5,18 @@
     <p:sldMasterId id="2147483648" r:id="rId4"/>
   </p:sldMasterIdLst>
   <p:notesMasterIdLst>
-    <p:notesMasterId r:id="rId13"/>
+    <p:notesMasterId r:id="rId14"/>
   </p:notesMasterIdLst>
   <p:sldIdLst>
     <p:sldId id="736" r:id="rId5"/>
     <p:sldId id="2812" r:id="rId6"/>
-    <p:sldId id="2816" r:id="rId7"/>
-    <p:sldId id="2817" r:id="rId8"/>
-    <p:sldId id="2818" r:id="rId9"/>
-    <p:sldId id="2814" r:id="rId10"/>
-    <p:sldId id="2815" r:id="rId11"/>
-    <p:sldId id="2810" r:id="rId12"/>
+    <p:sldId id="2820" r:id="rId7"/>
+    <p:sldId id="2816" r:id="rId8"/>
+    <p:sldId id="2817" r:id="rId9"/>
+    <p:sldId id="2819" r:id="rId10"/>
+    <p:sldId id="2818" r:id="rId11"/>
+    <p:sldId id="2821" r:id="rId12"/>
+    <p:sldId id="2810" r:id="rId13"/>
   </p:sldIdLst>
   <p:sldSz cx="12192000" cy="6858000"/>
   <p:notesSz cx="6858000" cy="9144000"/>
@@ -149,7 +150,7 @@
 <file path=ppt/revisionInfo.xml><?xml version="1.0" encoding="utf-8"?>
 <p1510:revInfo xmlns:a="http://schemas.openxmlformats.org/drawingml/2006/main" xmlns:r="http://schemas.openxmlformats.org/officeDocument/2006/relationships" xmlns:p1510="http://schemas.microsoft.com/office/powerpoint/2015/10/main">
   <p1510:revLst>
-    <p1510:client id="{FE1DC0C1-E868-477E-858F-023882C115E2}" v="8" dt="2022-10-06T14:54:11.650"/>
+    <p1510:client id="{FE1DC0C1-E868-477E-858F-023882C115E2}" v="16" dt="2022-10-17T11:23:50.845"/>
   </p1510:revLst>
 </p1510:revInfo>
 </file>
@@ -158,8 +159,8 @@
 <pc:chgInfo xmlns:a="http://schemas.openxmlformats.org/drawingml/2006/main" xmlns:r="http://schemas.openxmlformats.org/officeDocument/2006/relationships" xmlns:ac="http://schemas.microsoft.com/office/drawing/2013/main/command" xmlns:pc="http://schemas.microsoft.com/office/powerpoint/2013/main/command">
   <pc:docChgLst>
     <pc:chgData name="Markella Nikolopoulou-Themeli" userId="da9cb5e2-4d8b-46eb-898e-a612e4aaf597" providerId="ADAL" clId="{FE1DC0C1-E868-477E-858F-023882C115E2}"/>
-    <pc:docChg chg="undo custSel addSld delSld modSld">
-      <pc:chgData name="Markella Nikolopoulou-Themeli" userId="da9cb5e2-4d8b-46eb-898e-a612e4aaf597" providerId="ADAL" clId="{FE1DC0C1-E868-477E-858F-023882C115E2}" dt="2022-10-06T15:54:49.192" v="1552" actId="20577"/>
+    <pc:docChg chg="undo redo custSel addSld delSld modSld sldOrd">
+      <pc:chgData name="Markella Nikolopoulou-Themeli" userId="da9cb5e2-4d8b-46eb-898e-a612e4aaf597" providerId="ADAL" clId="{FE1DC0C1-E868-477E-858F-023882C115E2}" dt="2022-10-17T11:24:24.460" v="4052" actId="20577"/>
       <pc:docMkLst>
         <pc:docMk/>
       </pc:docMkLst>
@@ -178,8 +179,8 @@
           </ac:spMkLst>
         </pc:spChg>
       </pc:sldChg>
-      <pc:sldChg chg="modSp mod">
-        <pc:chgData name="Markella Nikolopoulou-Themeli" userId="da9cb5e2-4d8b-46eb-898e-a612e4aaf597" providerId="ADAL" clId="{FE1DC0C1-E868-477E-858F-023882C115E2}" dt="2022-10-06T09:20:47.044" v="823" actId="790"/>
+      <pc:sldChg chg="modSp mod modNotesTx">
+        <pc:chgData name="Markella Nikolopoulou-Themeli" userId="da9cb5e2-4d8b-46eb-898e-a612e4aaf597" providerId="ADAL" clId="{FE1DC0C1-E868-477E-858F-023882C115E2}" dt="2022-10-11T09:11:21.472" v="3328" actId="20577"/>
         <pc:sldMkLst>
           <pc:docMk/>
           <pc:sldMk cId="146527113" sldId="2812"/>
@@ -360,8 +361,8 @@
           </ac:spMkLst>
         </pc:spChg>
       </pc:sldChg>
-      <pc:sldChg chg="modSp new mod">
-        <pc:chgData name="Markella Nikolopoulou-Themeli" userId="da9cb5e2-4d8b-46eb-898e-a612e4aaf597" providerId="ADAL" clId="{FE1DC0C1-E868-477E-858F-023882C115E2}" dt="2022-10-06T14:52:24.476" v="1121" actId="790"/>
+      <pc:sldChg chg="modSp new del mod">
+        <pc:chgData name="Markella Nikolopoulou-Themeli" userId="da9cb5e2-4d8b-46eb-898e-a612e4aaf597" providerId="ADAL" clId="{FE1DC0C1-E868-477E-858F-023882C115E2}" dt="2022-10-07T15:52:40.383" v="1772" actId="47"/>
         <pc:sldMkLst>
           <pc:docMk/>
           <pc:sldMk cId="3552366256" sldId="2814"/>
@@ -399,37 +400,69 @@
           </ac:spMkLst>
         </pc:spChg>
       </pc:sldChg>
-      <pc:sldChg chg="modSp new mod">
-        <pc:chgData name="Markella Nikolopoulou-Themeli" userId="da9cb5e2-4d8b-46eb-898e-a612e4aaf597" providerId="ADAL" clId="{FE1DC0C1-E868-477E-858F-023882C115E2}" dt="2022-10-06T08:44:39.043" v="652" actId="20577"/>
+      <pc:sldChg chg="addSp delSp modSp new add del mod modNotesTx">
+        <pc:chgData name="Markella Nikolopoulou-Themeli" userId="da9cb5e2-4d8b-46eb-898e-a612e4aaf597" providerId="ADAL" clId="{FE1DC0C1-E868-477E-858F-023882C115E2}" dt="2022-10-10T15:19:46.079" v="2378" actId="47"/>
         <pc:sldMkLst>
           <pc:docMk/>
           <pc:sldMk cId="2712573431" sldId="2815"/>
         </pc:sldMkLst>
         <pc:spChg chg="mod">
-          <ac:chgData name="Markella Nikolopoulou-Themeli" userId="da9cb5e2-4d8b-46eb-898e-a612e4aaf597" providerId="ADAL" clId="{FE1DC0C1-E868-477E-858F-023882C115E2}" dt="2022-10-05T14:29:08.516" v="266" actId="20577"/>
+          <ac:chgData name="Markella Nikolopoulou-Themeli" userId="da9cb5e2-4d8b-46eb-898e-a612e4aaf597" providerId="ADAL" clId="{FE1DC0C1-E868-477E-858F-023882C115E2}" dt="2022-10-10T13:58:30.990" v="2092" actId="20577"/>
           <ac:spMkLst>
             <pc:docMk/>
             <pc:sldMk cId="2712573431" sldId="2815"/>
             <ac:spMk id="2" creationId="{1BDCDB4C-E8E2-C69D-F6BA-101484162D44}"/>
           </ac:spMkLst>
         </pc:spChg>
-        <pc:spChg chg="mod">
-          <ac:chgData name="Markella Nikolopoulou-Themeli" userId="da9cb5e2-4d8b-46eb-898e-a612e4aaf597" providerId="ADAL" clId="{FE1DC0C1-E868-477E-858F-023882C115E2}" dt="2022-10-06T08:44:39.043" v="652" actId="20577"/>
+        <pc:spChg chg="add del mod">
+          <ac:chgData name="Markella Nikolopoulou-Themeli" userId="da9cb5e2-4d8b-46eb-898e-a612e4aaf597" providerId="ADAL" clId="{FE1DC0C1-E868-477E-858F-023882C115E2}" dt="2022-10-07T15:54:15.796" v="1785" actId="478"/>
           <ac:spMkLst>
             <pc:docMk/>
             <pc:sldMk cId="2712573431" sldId="2815"/>
             <ac:spMk id="3" creationId="{7A7795BA-A12B-5548-2BF5-F2D12968C219}"/>
           </ac:spMkLst>
         </pc:spChg>
+        <pc:spChg chg="mod">
+          <ac:chgData name="Markella Nikolopoulou-Themeli" userId="da9cb5e2-4d8b-46eb-898e-a612e4aaf597" providerId="ADAL" clId="{FE1DC0C1-E868-477E-858F-023882C115E2}" dt="2022-10-10T12:20:34.460" v="1791" actId="790"/>
+          <ac:spMkLst>
+            <pc:docMk/>
+            <pc:sldMk cId="2712573431" sldId="2815"/>
+            <ac:spMk id="4" creationId="{186CB45C-6C39-6058-8110-ED0F2B78EB13}"/>
+          </ac:spMkLst>
+        </pc:spChg>
+        <pc:spChg chg="mod">
+          <ac:chgData name="Markella Nikolopoulou-Themeli" userId="da9cb5e2-4d8b-46eb-898e-a612e4aaf597" providerId="ADAL" clId="{FE1DC0C1-E868-477E-858F-023882C115E2}" dt="2022-10-10T12:20:34.460" v="1791" actId="790"/>
+          <ac:spMkLst>
+            <pc:docMk/>
+            <pc:sldMk cId="2712573431" sldId="2815"/>
+            <ac:spMk id="5" creationId="{A643240A-730F-99D1-2BDF-E5123DD247E1}"/>
+          </ac:spMkLst>
+        </pc:spChg>
+        <pc:spChg chg="add mod ord">
+          <ac:chgData name="Markella Nikolopoulou-Themeli" userId="da9cb5e2-4d8b-46eb-898e-a612e4aaf597" providerId="ADAL" clId="{FE1DC0C1-E868-477E-858F-023882C115E2}" dt="2022-10-10T15:18:23.314" v="2357" actId="20577"/>
+          <ac:spMkLst>
+            <pc:docMk/>
+            <pc:sldMk cId="2712573431" sldId="2815"/>
+            <ac:spMk id="6" creationId="{4C6A4924-5DF3-D64B-554E-6F2FFA6D9872}"/>
+          </ac:spMkLst>
+        </pc:spChg>
+        <pc:spChg chg="add del mod">
+          <ac:chgData name="Markella Nikolopoulou-Themeli" userId="da9cb5e2-4d8b-46eb-898e-a612e4aaf597" providerId="ADAL" clId="{FE1DC0C1-E868-477E-858F-023882C115E2}" dt="2022-10-07T15:54:16.015" v="1786" actId="478"/>
+          <ac:spMkLst>
+            <pc:docMk/>
+            <pc:sldMk cId="2712573431" sldId="2815"/>
+            <ac:spMk id="8" creationId="{99A51001-9D2F-4BC3-83D3-792B848B0ED1}"/>
+          </ac:spMkLst>
+        </pc:spChg>
       </pc:sldChg>
-      <pc:sldChg chg="modSp add mod modNotesTx">
-        <pc:chgData name="Markella Nikolopoulou-Themeli" userId="da9cb5e2-4d8b-46eb-898e-a612e4aaf597" providerId="ADAL" clId="{FE1DC0C1-E868-477E-858F-023882C115E2}" dt="2022-10-06T15:47:56.406" v="1437" actId="14100"/>
+      <pc:sldChg chg="addSp delSp modSp add mod modNotesTx">
+        <pc:chgData name="Markella Nikolopoulou-Themeli" userId="da9cb5e2-4d8b-46eb-898e-a612e4aaf597" providerId="ADAL" clId="{FE1DC0C1-E868-477E-858F-023882C115E2}" dt="2022-10-17T11:24:09.948" v="4040" actId="6549"/>
         <pc:sldMkLst>
           <pc:docMk/>
           <pc:sldMk cId="773525787" sldId="2816"/>
         </pc:sldMkLst>
         <pc:spChg chg="mod">
-          <ac:chgData name="Markella Nikolopoulou-Themeli" userId="da9cb5e2-4d8b-46eb-898e-a612e4aaf597" providerId="ADAL" clId="{FE1DC0C1-E868-477E-858F-023882C115E2}" dt="2022-10-06T15:16:28.896" v="1124" actId="108"/>
+          <ac:chgData name="Markella Nikolopoulou-Themeli" userId="da9cb5e2-4d8b-46eb-898e-a612e4aaf597" providerId="ADAL" clId="{FE1DC0C1-E868-477E-858F-023882C115E2}" dt="2022-10-17T11:24:09.948" v="4040" actId="6549"/>
           <ac:spMkLst>
             <pc:docMk/>
             <pc:sldMk cId="773525787" sldId="2816"/>
@@ -437,7 +470,7 @@
           </ac:spMkLst>
         </pc:spChg>
         <pc:spChg chg="mod">
-          <ac:chgData name="Markella Nikolopoulou-Themeli" userId="da9cb5e2-4d8b-46eb-898e-a612e4aaf597" providerId="ADAL" clId="{FE1DC0C1-E868-477E-858F-023882C115E2}" dt="2022-10-06T15:47:52.006" v="1436" actId="14100"/>
+          <ac:chgData name="Markella Nikolopoulou-Themeli" userId="da9cb5e2-4d8b-46eb-898e-a612e4aaf597" providerId="ADAL" clId="{FE1DC0C1-E868-477E-858F-023882C115E2}" dt="2022-10-11T11:18:00.115" v="3490" actId="1076"/>
           <ac:spMkLst>
             <pc:docMk/>
             <pc:sldMk cId="773525787" sldId="2816"/>
@@ -445,27 +478,216 @@
           </ac:spMkLst>
         </pc:spChg>
         <pc:spChg chg="mod">
-          <ac:chgData name="Markella Nikolopoulou-Themeli" userId="da9cb5e2-4d8b-46eb-898e-a612e4aaf597" providerId="ADAL" clId="{FE1DC0C1-E868-477E-858F-023882C115E2}" dt="2022-10-06T15:47:56.406" v="1437" actId="14100"/>
+          <ac:chgData name="Markella Nikolopoulou-Themeli" userId="da9cb5e2-4d8b-46eb-898e-a612e4aaf597" providerId="ADAL" clId="{FE1DC0C1-E868-477E-858F-023882C115E2}" dt="2022-10-11T11:19:36.297" v="3513" actId="20577"/>
           <ac:spMkLst>
             <pc:docMk/>
             <pc:sldMk cId="773525787" sldId="2816"/>
             <ac:spMk id="13" creationId="{29601180-66AC-7CF7-E478-F9475605FD5C}"/>
           </ac:spMkLst>
         </pc:spChg>
+        <pc:spChg chg="add del">
+          <ac:chgData name="Markella Nikolopoulou-Themeli" userId="da9cb5e2-4d8b-46eb-898e-a612e4aaf597" providerId="ADAL" clId="{FE1DC0C1-E868-477E-858F-023882C115E2}" dt="2022-10-10T15:43:25.125" v="2732" actId="478"/>
+          <ac:spMkLst>
+            <pc:docMk/>
+            <pc:sldMk cId="773525787" sldId="2816"/>
+            <ac:spMk id="18" creationId="{CF770D3E-C63D-7262-41D1-D8CFDB581764}"/>
+          </ac:spMkLst>
+        </pc:spChg>
+        <pc:spChg chg="add del mod">
+          <ac:chgData name="Markella Nikolopoulou-Themeli" userId="da9cb5e2-4d8b-46eb-898e-a612e4aaf597" providerId="ADAL" clId="{FE1DC0C1-E868-477E-858F-023882C115E2}" dt="2022-10-10T15:43:30.086" v="2735" actId="478"/>
+          <ac:spMkLst>
+            <pc:docMk/>
+            <pc:sldMk cId="773525787" sldId="2816"/>
+            <ac:spMk id="20" creationId="{B72DA252-88EE-5644-580F-9F1C4F981D78}"/>
+          </ac:spMkLst>
+        </pc:spChg>
+        <pc:spChg chg="add del">
+          <ac:chgData name="Markella Nikolopoulou-Themeli" userId="da9cb5e2-4d8b-46eb-898e-a612e4aaf597" providerId="ADAL" clId="{FE1DC0C1-E868-477E-858F-023882C115E2}" dt="2022-10-10T15:43:40.231" v="2737" actId="22"/>
+          <ac:spMkLst>
+            <pc:docMk/>
+            <pc:sldMk cId="773525787" sldId="2816"/>
+            <ac:spMk id="22" creationId="{181130E7-D9A3-EB79-68CE-DB7BB7A606F2}"/>
+          </ac:spMkLst>
+        </pc:spChg>
+        <pc:picChg chg="add del mod">
+          <ac:chgData name="Markella Nikolopoulou-Themeli" userId="da9cb5e2-4d8b-46eb-898e-a612e4aaf597" providerId="ADAL" clId="{FE1DC0C1-E868-477E-858F-023882C115E2}" dt="2022-10-10T15:42:10.031" v="2716" actId="478"/>
+          <ac:picMkLst>
+            <pc:docMk/>
+            <pc:sldMk cId="773525787" sldId="2816"/>
+            <ac:picMk id="6" creationId="{8C9C4AA3-2E04-9CFF-BFBF-8A55A124143C}"/>
+          </ac:picMkLst>
+        </pc:picChg>
+        <pc:picChg chg="add del mod">
+          <ac:chgData name="Markella Nikolopoulou-Themeli" userId="da9cb5e2-4d8b-46eb-898e-a612e4aaf597" providerId="ADAL" clId="{FE1DC0C1-E868-477E-858F-023882C115E2}" dt="2022-10-10T15:42:26.464" v="2724" actId="478"/>
+          <ac:picMkLst>
+            <pc:docMk/>
+            <pc:sldMk cId="773525787" sldId="2816"/>
+            <ac:picMk id="8" creationId="{E8518DC5-5FD5-545F-7813-B892F6D5E810}"/>
+          </ac:picMkLst>
+        </pc:picChg>
+        <pc:picChg chg="add del">
+          <ac:chgData name="Markella Nikolopoulou-Themeli" userId="da9cb5e2-4d8b-46eb-898e-a612e4aaf597" providerId="ADAL" clId="{FE1DC0C1-E868-477E-858F-023882C115E2}" dt="2022-10-10T15:42:54.464" v="2728" actId="478"/>
+          <ac:picMkLst>
+            <pc:docMk/>
+            <pc:sldMk cId="773525787" sldId="2816"/>
+            <ac:picMk id="11" creationId="{CDFA9AFF-6637-583A-6030-DA758073A35F}"/>
+          </ac:picMkLst>
+        </pc:picChg>
+        <pc:picChg chg="add del">
+          <ac:chgData name="Markella Nikolopoulou-Themeli" userId="da9cb5e2-4d8b-46eb-898e-a612e4aaf597" providerId="ADAL" clId="{FE1DC0C1-E868-477E-858F-023882C115E2}" dt="2022-10-10T15:42:52.136" v="2727" actId="478"/>
+          <ac:picMkLst>
+            <pc:docMk/>
+            <pc:sldMk cId="773525787" sldId="2816"/>
+            <ac:picMk id="14" creationId="{992F4660-C52A-AE1D-EF04-CC2DBF567D16}"/>
+          </ac:picMkLst>
+        </pc:picChg>
+        <pc:picChg chg="add del">
+          <ac:chgData name="Markella Nikolopoulou-Themeli" userId="da9cb5e2-4d8b-46eb-898e-a612e4aaf597" providerId="ADAL" clId="{FE1DC0C1-E868-477E-858F-023882C115E2}" dt="2022-10-10T15:43:21.400" v="2730" actId="478"/>
+          <ac:picMkLst>
+            <pc:docMk/>
+            <pc:sldMk cId="773525787" sldId="2816"/>
+            <ac:picMk id="16" creationId="{6A72BE2A-703D-14C1-B5F2-D9B67D96E6F6}"/>
+          </ac:picMkLst>
+        </pc:picChg>
+        <pc:picChg chg="add mod">
+          <ac:chgData name="Markella Nikolopoulou-Themeli" userId="da9cb5e2-4d8b-46eb-898e-a612e4aaf597" providerId="ADAL" clId="{FE1DC0C1-E868-477E-858F-023882C115E2}" dt="2022-10-11T11:07:49.985" v="3380" actId="14100"/>
+          <ac:picMkLst>
+            <pc:docMk/>
+            <pc:sldMk cId="773525787" sldId="2816"/>
+            <ac:picMk id="24" creationId="{339B8784-37B1-B1E4-CACB-8B2F3EFA6297}"/>
+          </ac:picMkLst>
+        </pc:picChg>
+        <pc:picChg chg="add mod">
+          <ac:chgData name="Markella Nikolopoulou-Themeli" userId="da9cb5e2-4d8b-46eb-898e-a612e4aaf597" providerId="ADAL" clId="{FE1DC0C1-E868-477E-858F-023882C115E2}" dt="2022-10-11T11:17:12.616" v="3484" actId="14100"/>
+          <ac:picMkLst>
+            <pc:docMk/>
+            <pc:sldMk cId="773525787" sldId="2816"/>
+            <ac:picMk id="26" creationId="{D2A7B0FE-7D47-E535-C749-ADF9683D6A2A}"/>
+          </ac:picMkLst>
+        </pc:picChg>
+        <pc:picChg chg="add mod ord">
+          <ac:chgData name="Markella Nikolopoulou-Themeli" userId="da9cb5e2-4d8b-46eb-898e-a612e4aaf597" providerId="ADAL" clId="{FE1DC0C1-E868-477E-858F-023882C115E2}" dt="2022-10-11T11:17:25.822" v="3489" actId="170"/>
+          <ac:picMkLst>
+            <pc:docMk/>
+            <pc:sldMk cId="773525787" sldId="2816"/>
+            <ac:picMk id="28" creationId="{2379FA4A-40B8-6F64-43E0-5326722C91B7}"/>
+          </ac:picMkLst>
+        </pc:picChg>
+        <pc:picChg chg="add mod">
+          <ac:chgData name="Markella Nikolopoulou-Themeli" userId="da9cb5e2-4d8b-46eb-898e-a612e4aaf597" providerId="ADAL" clId="{FE1DC0C1-E868-477E-858F-023882C115E2}" dt="2022-10-11T11:17:19.893" v="3487" actId="1076"/>
+          <ac:picMkLst>
+            <pc:docMk/>
+            <pc:sldMk cId="773525787" sldId="2816"/>
+            <ac:picMk id="30" creationId="{155FC079-FD17-8237-8976-5E630F3487BB}"/>
+          </ac:picMkLst>
+        </pc:picChg>
       </pc:sldChg>
       <pc:sldChg chg="add modNotesTx">
-        <pc:chgData name="Markella Nikolopoulou-Themeli" userId="da9cb5e2-4d8b-46eb-898e-a612e4aaf597" providerId="ADAL" clId="{FE1DC0C1-E868-477E-858F-023882C115E2}" dt="2022-10-06T15:54:49.192" v="1552" actId="20577"/>
+        <pc:chgData name="Markella Nikolopoulou-Themeli" userId="da9cb5e2-4d8b-46eb-898e-a612e4aaf597" providerId="ADAL" clId="{FE1DC0C1-E868-477E-858F-023882C115E2}" dt="2022-10-12T12:53:01.774" v="3760" actId="20577"/>
         <pc:sldMkLst>
           <pc:docMk/>
           <pc:sldMk cId="2512161021" sldId="2817"/>
         </pc:sldMkLst>
       </pc:sldChg>
-      <pc:sldChg chg="add">
-        <pc:chgData name="Markella Nikolopoulou-Themeli" userId="da9cb5e2-4d8b-46eb-898e-a612e4aaf597" providerId="ADAL" clId="{FE1DC0C1-E868-477E-858F-023882C115E2}" dt="2022-10-06T14:54:11.648" v="1122"/>
+      <pc:sldChg chg="addSp delSp modSp add mod ord modNotesTx">
+        <pc:chgData name="Markella Nikolopoulou-Themeli" userId="da9cb5e2-4d8b-46eb-898e-a612e4aaf597" providerId="ADAL" clId="{FE1DC0C1-E868-477E-858F-023882C115E2}" dt="2022-10-12T13:38:47.753" v="4017" actId="20577"/>
         <pc:sldMkLst>
           <pc:docMk/>
           <pc:sldMk cId="1253883287" sldId="2818"/>
         </pc:sldMkLst>
+        <pc:spChg chg="add del mod">
+          <ac:chgData name="Markella Nikolopoulou-Themeli" userId="da9cb5e2-4d8b-46eb-898e-a612e4aaf597" providerId="ADAL" clId="{FE1DC0C1-E868-477E-858F-023882C115E2}" dt="2022-10-12T12:58:29.501" v="3777" actId="20577"/>
+          <ac:spMkLst>
+            <pc:docMk/>
+            <pc:sldMk cId="1253883287" sldId="2818"/>
+            <ac:spMk id="34" creationId="{E21563C5-68BC-458E-9E62-B603CD43760C}"/>
+          </ac:spMkLst>
+        </pc:spChg>
+        <pc:graphicFrameChg chg="modGraphic">
+          <ac:chgData name="Markella Nikolopoulou-Themeli" userId="da9cb5e2-4d8b-46eb-898e-a612e4aaf597" providerId="ADAL" clId="{FE1DC0C1-E868-477E-858F-023882C115E2}" dt="2022-10-12T12:58:18.128" v="3773" actId="6549"/>
+          <ac:graphicFrameMkLst>
+            <pc:docMk/>
+            <pc:sldMk cId="1253883287" sldId="2818"/>
+            <ac:graphicFrameMk id="6" creationId="{8E0FF89E-79EC-4838-89D9-EA0754DF270E}"/>
+          </ac:graphicFrameMkLst>
+        </pc:graphicFrameChg>
+        <pc:cxnChg chg="mod">
+          <ac:chgData name="Markella Nikolopoulou-Themeli" userId="da9cb5e2-4d8b-46eb-898e-a612e4aaf597" providerId="ADAL" clId="{FE1DC0C1-E868-477E-858F-023882C115E2}" dt="2022-10-12T12:57:50.381" v="3769" actId="14100"/>
+          <ac:cxnSpMkLst>
+            <pc:docMk/>
+            <pc:sldMk cId="1253883287" sldId="2818"/>
+            <ac:cxnSpMk id="17" creationId="{F29A0EF0-AC5A-44FF-BEA2-1C8D3364169E}"/>
+          </ac:cxnSpMkLst>
+        </pc:cxnChg>
+      </pc:sldChg>
+      <pc:sldChg chg="delSp modSp add mod modNotesTx">
+        <pc:chgData name="Markella Nikolopoulou-Themeli" userId="da9cb5e2-4d8b-46eb-898e-a612e4aaf597" providerId="ADAL" clId="{FE1DC0C1-E868-477E-858F-023882C115E2}" dt="2022-10-17T11:24:16.323" v="4043" actId="478"/>
+        <pc:sldMkLst>
+          <pc:docMk/>
+          <pc:sldMk cId="2564057374" sldId="2819"/>
+        </pc:sldMkLst>
+        <pc:spChg chg="mod">
+          <ac:chgData name="Markella Nikolopoulou-Themeli" userId="da9cb5e2-4d8b-46eb-898e-a612e4aaf597" providerId="ADAL" clId="{FE1DC0C1-E868-477E-858F-023882C115E2}" dt="2022-10-17T11:24:14.622" v="4041" actId="1076"/>
+          <ac:spMkLst>
+            <pc:docMk/>
+            <pc:sldMk cId="2564057374" sldId="2819"/>
+            <ac:spMk id="2" creationId="{1D6D23A3-3DA2-807B-C209-6DF8B356C43C}"/>
+          </ac:spMkLst>
+        </pc:spChg>
+        <pc:spChg chg="del mod">
+          <ac:chgData name="Markella Nikolopoulou-Themeli" userId="da9cb5e2-4d8b-46eb-898e-a612e4aaf597" providerId="ADAL" clId="{FE1DC0C1-E868-477E-858F-023882C115E2}" dt="2022-10-17T11:24:16.323" v="4043" actId="478"/>
+          <ac:spMkLst>
+            <pc:docMk/>
+            <pc:sldMk cId="2564057374" sldId="2819"/>
+            <ac:spMk id="10" creationId="{9A5E9706-92A2-E3D9-842B-AC494CCD74D3}"/>
+          </ac:spMkLst>
+        </pc:spChg>
+        <pc:spChg chg="mod">
+          <ac:chgData name="Markella Nikolopoulou-Themeli" userId="da9cb5e2-4d8b-46eb-898e-a612e4aaf597" providerId="ADAL" clId="{FE1DC0C1-E868-477E-858F-023882C115E2}" dt="2022-10-12T13:28:19.940" v="3883" actId="113"/>
+          <ac:spMkLst>
+            <pc:docMk/>
+            <pc:sldMk cId="2564057374" sldId="2819"/>
+            <ac:spMk id="13" creationId="{29601180-66AC-7CF7-E478-F9475605FD5C}"/>
+          </ac:spMkLst>
+        </pc:spChg>
+      </pc:sldChg>
+      <pc:sldChg chg="delSp modSp add mod">
+        <pc:chgData name="Markella Nikolopoulou-Themeli" userId="da9cb5e2-4d8b-46eb-898e-a612e4aaf597" providerId="ADAL" clId="{FE1DC0C1-E868-477E-858F-023882C115E2}" dt="2022-10-17T11:24:03.455" v="4039" actId="20577"/>
+        <pc:sldMkLst>
+          <pc:docMk/>
+          <pc:sldMk cId="1573814561" sldId="2820"/>
+        </pc:sldMkLst>
+        <pc:spChg chg="mod">
+          <ac:chgData name="Markella Nikolopoulou-Themeli" userId="da9cb5e2-4d8b-46eb-898e-a612e4aaf597" providerId="ADAL" clId="{FE1DC0C1-E868-477E-858F-023882C115E2}" dt="2022-10-17T11:24:03.455" v="4039" actId="20577"/>
+          <ac:spMkLst>
+            <pc:docMk/>
+            <pc:sldMk cId="1573814561" sldId="2820"/>
+            <ac:spMk id="2" creationId="{1D6D23A3-3DA2-807B-C209-6DF8B356C43C}"/>
+          </ac:spMkLst>
+        </pc:spChg>
+        <pc:spChg chg="del mod">
+          <ac:chgData name="Markella Nikolopoulou-Themeli" userId="da9cb5e2-4d8b-46eb-898e-a612e4aaf597" providerId="ADAL" clId="{FE1DC0C1-E868-477E-858F-023882C115E2}" dt="2022-10-17T11:23:55.023" v="4020" actId="478"/>
+          <ac:spMkLst>
+            <pc:docMk/>
+            <pc:sldMk cId="1573814561" sldId="2820"/>
+            <ac:spMk id="13" creationId="{29601180-66AC-7CF7-E478-F9475605FD5C}"/>
+          </ac:spMkLst>
+        </pc:spChg>
+      </pc:sldChg>
+      <pc:sldChg chg="modSp new mod">
+        <pc:chgData name="Markella Nikolopoulou-Themeli" userId="da9cb5e2-4d8b-46eb-898e-a612e4aaf597" providerId="ADAL" clId="{FE1DC0C1-E868-477E-858F-023882C115E2}" dt="2022-10-17T11:24:24.460" v="4052" actId="20577"/>
+        <pc:sldMkLst>
+          <pc:docMk/>
+          <pc:sldMk cId="1408099738" sldId="2821"/>
+        </pc:sldMkLst>
+        <pc:spChg chg="mod">
+          <ac:chgData name="Markella Nikolopoulou-Themeli" userId="da9cb5e2-4d8b-46eb-898e-a612e4aaf597" providerId="ADAL" clId="{FE1DC0C1-E868-477E-858F-023882C115E2}" dt="2022-10-17T11:24:24.460" v="4052" actId="20577"/>
+          <ac:spMkLst>
+            <pc:docMk/>
+            <pc:sldMk cId="1408099738" sldId="2821"/>
+            <ac:spMk id="2" creationId="{382C94C0-E5CD-05CA-19DE-2F727653AB93}"/>
+          </ac:spMkLst>
+        </pc:spChg>
       </pc:sldChg>
     </pc:docChg>
   </pc:docChgLst>
@@ -554,7 +776,7 @@
           <a:p>
             <a:fld id="{3FE6996D-EBEF-473B-8179-A2F19BBC7402}" type="datetimeFigureOut">
               <a:rPr lang="en-US" smtClean="0"/>
-              <a:t>10/5/2022</a:t>
+              <a:t>10/17/2022</a:t>
             </a:fld>
             <a:endParaRPr lang="en-US"/>
           </a:p>
@@ -866,496 +1088,125 @@
           <a:lstStyle/>
           <a:p>
             <a:r>
-              <a:rPr lang="sv-SE" b="0" i="0" dirty="0">
-                <a:solidFill>
-                  <a:srgbClr val="000000"/>
-                </a:solidFill>
-                <a:effectLst/>
-                <a:latin typeface="Times New Roman" panose="02020603050405020304" pitchFamily="18" charset="0"/>
-              </a:rPr>
-              <a:t>As </a:t>
-            </a:r>
-            <a:r>
-              <a:rPr lang="sv-SE" b="0" i="0" dirty="0" err="1">
-                <a:solidFill>
-                  <a:srgbClr val="000000"/>
-                </a:solidFill>
-                <a:effectLst/>
-                <a:latin typeface="Times New Roman" panose="02020603050405020304" pitchFamily="18" charset="0"/>
-              </a:rPr>
-              <a:t>of</a:t>
-            </a:r>
-            <a:r>
-              <a:rPr lang="sv-SE" b="0" i="0" dirty="0">
-                <a:solidFill>
-                  <a:srgbClr val="000000"/>
-                </a:solidFill>
-                <a:effectLst/>
-                <a:latin typeface="Times New Roman" panose="02020603050405020304" pitchFamily="18" charset="0"/>
-              </a:rPr>
+              <a:rPr lang="sv-SE" dirty="0" err="1"/>
+              <a:t>Today</a:t>
+            </a:r>
+            <a:r>
+              <a:rPr lang="sv-SE" dirty="0"/>
               <a:t> </a:t>
             </a:r>
             <a:r>
-              <a:rPr lang="sv-SE" b="0" i="0" dirty="0" err="1">
-                <a:solidFill>
-                  <a:srgbClr val="000000"/>
-                </a:solidFill>
-                <a:effectLst/>
-                <a:latin typeface="Times New Roman" panose="02020603050405020304" pitchFamily="18" charset="0"/>
-              </a:rPr>
-              <a:t>now</a:t>
-            </a:r>
-            <a:r>
-              <a:rPr lang="sv-SE" b="0" i="0" dirty="0">
-                <a:solidFill>
-                  <a:srgbClr val="000000"/>
-                </a:solidFill>
-                <a:effectLst/>
-                <a:latin typeface="Times New Roman" panose="02020603050405020304" pitchFamily="18" charset="0"/>
-              </a:rPr>
+              <a:rPr lang="sv-SE" dirty="0" err="1"/>
+              <a:t>we’ll</a:t>
+            </a:r>
+            <a:r>
+              <a:rPr lang="sv-SE" dirty="0"/>
+              <a:t> go </a:t>
+            </a:r>
+            <a:r>
+              <a:rPr lang="sv-SE" dirty="0" err="1"/>
+              <a:t>thought</a:t>
+            </a:r>
+            <a:r>
+              <a:rPr lang="sv-SE" dirty="0"/>
+              <a:t> the ... &lt;agenda </a:t>
+            </a:r>
+            <a:r>
+              <a:rPr lang="sv-SE" dirty="0" err="1"/>
+              <a:t>topics</a:t>
+            </a:r>
+            <a:r>
+              <a:rPr lang="sv-SE" dirty="0"/>
+              <a:t>&gt; and </a:t>
+            </a:r>
+            <a:r>
+              <a:rPr lang="sv-SE" dirty="0" err="1"/>
+              <a:t>have</a:t>
+            </a:r>
+            <a:r>
+              <a:rPr lang="sv-SE" dirty="0"/>
+              <a:t> a </a:t>
+            </a:r>
+            <a:r>
+              <a:rPr lang="sv-SE" dirty="0" err="1"/>
+              <a:t>discussion</a:t>
+            </a:r>
+            <a:r>
+              <a:rPr lang="sv-SE" dirty="0"/>
               <a:t> </a:t>
             </a:r>
-          </a:p>
-          <a:p>
-            <a:pPr marL="171450" indent="-171450">
-              <a:buFont typeface="Arial" panose="020B0604020202020204" pitchFamily="34" charset="0"/>
-              <a:buChar char="•"/>
-            </a:pPr>
-            <a:r>
-              <a:rPr lang="sv-SE" b="0" i="0" dirty="0">
-                <a:solidFill>
-                  <a:srgbClr val="000000"/>
-                </a:solidFill>
-                <a:effectLst/>
-                <a:latin typeface="Times New Roman" panose="02020603050405020304" pitchFamily="18" charset="0"/>
-              </a:rPr>
-              <a:t>the </a:t>
-            </a:r>
-            <a:r>
-              <a:rPr lang="sv-SE" b="0" i="0" dirty="0" err="1">
-                <a:solidFill>
-                  <a:srgbClr val="000000"/>
-                </a:solidFill>
-                <a:effectLst/>
-                <a:latin typeface="Times New Roman" panose="02020603050405020304" pitchFamily="18" charset="0"/>
-              </a:rPr>
-              <a:t>campaigns</a:t>
-            </a:r>
-            <a:r>
-              <a:rPr lang="sv-SE" b="0" i="0" dirty="0">
-                <a:solidFill>
-                  <a:srgbClr val="000000"/>
-                </a:solidFill>
-                <a:effectLst/>
-                <a:latin typeface="Times New Roman" panose="02020603050405020304" pitchFamily="18" charset="0"/>
-              </a:rPr>
+            <a:r>
+              <a:rPr lang="sv-SE" dirty="0" err="1"/>
+              <a:t>about</a:t>
+            </a:r>
+            <a:r>
+              <a:rPr lang="sv-SE" dirty="0"/>
               <a:t> </a:t>
             </a:r>
             <a:r>
-              <a:rPr lang="sv-SE" b="0" i="0" dirty="0" err="1">
-                <a:solidFill>
-                  <a:srgbClr val="000000"/>
-                </a:solidFill>
-                <a:effectLst/>
-                <a:latin typeface="Times New Roman" panose="02020603050405020304" pitchFamily="18" charset="0"/>
-              </a:rPr>
-              <a:t>are</a:t>
-            </a:r>
-            <a:r>
-              <a:rPr lang="sv-SE" b="0" i="0" dirty="0">
-                <a:solidFill>
-                  <a:srgbClr val="000000"/>
-                </a:solidFill>
-                <a:effectLst/>
-                <a:latin typeface="Times New Roman" panose="02020603050405020304" pitchFamily="18" charset="0"/>
-              </a:rPr>
+              <a:rPr lang="sv-SE" dirty="0" err="1"/>
+              <a:t>what</a:t>
+            </a:r>
+            <a:r>
+              <a:rPr lang="sv-SE" dirty="0"/>
               <a:t> </a:t>
             </a:r>
             <a:r>
-              <a:rPr lang="sv-SE" b="0" i="0" dirty="0" err="1">
-                <a:solidFill>
-                  <a:srgbClr val="000000"/>
-                </a:solidFill>
-                <a:effectLst/>
-                <a:latin typeface="Times New Roman" panose="02020603050405020304" pitchFamily="18" charset="0"/>
-              </a:rPr>
-              <a:t>running</a:t>
-            </a:r>
-            <a:r>
-              <a:rPr lang="sv-SE" b="0" i="0" dirty="0">
-                <a:solidFill>
-                  <a:srgbClr val="000000"/>
-                </a:solidFill>
-                <a:effectLst/>
-                <a:latin typeface="Times New Roman" panose="02020603050405020304" pitchFamily="18" charset="0"/>
-              </a:rPr>
+              <a:rPr lang="sv-SE" dirty="0" err="1"/>
+              <a:t>we</a:t>
+            </a:r>
+            <a:r>
+              <a:rPr lang="sv-SE" dirty="0"/>
               <a:t> </a:t>
             </a:r>
             <a:r>
-              <a:rPr lang="sv-SE" b="0" i="0" dirty="0" err="1">
-                <a:solidFill>
-                  <a:srgbClr val="000000"/>
-                </a:solidFill>
-                <a:effectLst/>
-                <a:latin typeface="Times New Roman" panose="02020603050405020304" pitchFamily="18" charset="0"/>
-              </a:rPr>
-              <a:t>frequently</a:t>
-            </a:r>
-            <a:r>
-              <a:rPr lang="sv-SE" b="0" i="0" dirty="0">
-                <a:solidFill>
-                  <a:srgbClr val="000000"/>
-                </a:solidFill>
-                <a:effectLst/>
-                <a:latin typeface="Times New Roman" panose="02020603050405020304" pitchFamily="18" charset="0"/>
-              </a:rPr>
+              <a:rPr lang="sv-SE" dirty="0" err="1"/>
+              <a:t>can</a:t>
+            </a:r>
+            <a:r>
+              <a:rPr lang="sv-SE" dirty="0"/>
+              <a:t> do going forward and </a:t>
+            </a:r>
+            <a:r>
+              <a:rPr lang="sv-SE" dirty="0" err="1"/>
+              <a:t>clarify</a:t>
+            </a:r>
+            <a:r>
+              <a:rPr lang="sv-SE" dirty="0"/>
               <a:t> </a:t>
             </a:r>
-          </a:p>
-          <a:p>
-            <a:pPr marL="171450" indent="-171450">
-              <a:buFont typeface="Arial" panose="020B0604020202020204" pitchFamily="34" charset="0"/>
-              <a:buChar char="•"/>
-            </a:pPr>
-            <a:r>
-              <a:rPr lang="sv-SE" b="0" i="0" dirty="0" err="1">
-                <a:solidFill>
-                  <a:srgbClr val="000000"/>
-                </a:solidFill>
-                <a:effectLst/>
-                <a:latin typeface="Times New Roman" panose="02020603050405020304" pitchFamily="18" charset="0"/>
-              </a:rPr>
-              <a:t>They</a:t>
-            </a:r>
-            <a:r>
-              <a:rPr lang="sv-SE" b="0" i="0" dirty="0">
-                <a:solidFill>
-                  <a:srgbClr val="000000"/>
-                </a:solidFill>
-                <a:effectLst/>
-                <a:latin typeface="Times New Roman" panose="02020603050405020304" pitchFamily="18" charset="0"/>
-              </a:rPr>
+            <a:r>
+              <a:rPr lang="sv-SE" dirty="0" err="1"/>
+              <a:t>some</a:t>
+            </a:r>
+            <a:r>
+              <a:rPr lang="sv-SE" dirty="0"/>
               <a:t> </a:t>
             </a:r>
             <a:r>
-              <a:rPr lang="sv-SE" b="0" i="0" dirty="0" err="1">
-                <a:solidFill>
-                  <a:srgbClr val="000000"/>
-                </a:solidFill>
-                <a:effectLst/>
-                <a:latin typeface="Times New Roman" panose="02020603050405020304" pitchFamily="18" charset="0"/>
-              </a:rPr>
-              <a:t>are</a:t>
-            </a:r>
-            <a:r>
-              <a:rPr lang="sv-SE" b="0" i="0" dirty="0">
-                <a:solidFill>
-                  <a:srgbClr val="000000"/>
-                </a:solidFill>
-                <a:effectLst/>
-                <a:latin typeface="Times New Roman" panose="02020603050405020304" pitchFamily="18" charset="0"/>
-              </a:rPr>
+              <a:rPr lang="sv-SE" dirty="0" err="1"/>
+              <a:t>things</a:t>
+            </a:r>
+            <a:r>
+              <a:rPr lang="sv-SE" dirty="0"/>
               <a:t> </a:t>
             </a:r>
             <a:r>
-              <a:rPr lang="sv-SE" b="0" i="0" dirty="0" err="1">
-                <a:solidFill>
-                  <a:srgbClr val="000000"/>
-                </a:solidFill>
-                <a:effectLst/>
-                <a:latin typeface="Times New Roman" panose="02020603050405020304" pitchFamily="18" charset="0"/>
-              </a:rPr>
-              <a:t>gahtering</a:t>
-            </a:r>
-            <a:r>
-              <a:rPr lang="sv-SE" b="0" i="0" dirty="0">
-                <a:solidFill>
-                  <a:srgbClr val="000000"/>
-                </a:solidFill>
-                <a:effectLst/>
-                <a:latin typeface="Times New Roman" panose="02020603050405020304" pitchFamily="18" charset="0"/>
-              </a:rPr>
-              <a:t> the data from </a:t>
-            </a:r>
-            <a:r>
-              <a:rPr lang="sv-SE" b="0" i="0" dirty="0" err="1">
-                <a:solidFill>
-                  <a:srgbClr val="000000"/>
-                </a:solidFill>
-                <a:effectLst/>
-                <a:latin typeface="Times New Roman" panose="02020603050405020304" pitchFamily="18" charset="0"/>
-              </a:rPr>
-              <a:t>them</a:t>
-            </a:r>
-            <a:endParaRPr lang="sv-SE" b="0" i="0" dirty="0">
-              <a:solidFill>
-                <a:srgbClr val="000000"/>
-              </a:solidFill>
-              <a:effectLst/>
-              <a:latin typeface="Times New Roman" panose="02020603050405020304" pitchFamily="18" charset="0"/>
-            </a:endParaRPr>
-          </a:p>
-          <a:p>
-            <a:pPr marL="171450" indent="-171450">
-              <a:buFont typeface="Arial" panose="020B0604020202020204" pitchFamily="34" charset="0"/>
-              <a:buChar char="•"/>
-            </a:pPr>
-            <a:r>
-              <a:rPr lang="sv-SE" b="0" i="0" dirty="0">
-                <a:solidFill>
-                  <a:srgbClr val="000000"/>
-                </a:solidFill>
-                <a:effectLst/>
-                <a:latin typeface="Times New Roman" panose="02020603050405020304" pitchFamily="18" charset="0"/>
-              </a:rPr>
-              <a:t>Not </a:t>
-            </a:r>
-            <a:r>
-              <a:rPr lang="sv-SE" b="0" i="0" dirty="0" err="1">
-                <a:solidFill>
-                  <a:srgbClr val="000000"/>
-                </a:solidFill>
-                <a:effectLst/>
-                <a:latin typeface="Times New Roman" panose="02020603050405020304" pitchFamily="18" charset="0"/>
-              </a:rPr>
-              <a:t>using</a:t>
-            </a:r>
-            <a:r>
-              <a:rPr lang="sv-SE" b="0" i="0" dirty="0">
-                <a:solidFill>
-                  <a:srgbClr val="000000"/>
-                </a:solidFill>
-                <a:effectLst/>
-                <a:latin typeface="Times New Roman" panose="02020603050405020304" pitchFamily="18" charset="0"/>
-              </a:rPr>
-              <a:t> the data</a:t>
-            </a:r>
-          </a:p>
-          <a:p>
-            <a:pPr marL="171450" indent="-171450">
-              <a:buFont typeface="Arial" panose="020B0604020202020204" pitchFamily="34" charset="0"/>
-              <a:buChar char="•"/>
-            </a:pPr>
-            <a:r>
-              <a:rPr lang="sv-SE" b="0" i="0" dirty="0" err="1">
-                <a:solidFill>
-                  <a:srgbClr val="000000"/>
-                </a:solidFill>
-                <a:effectLst/>
-                <a:latin typeface="Times New Roman" panose="02020603050405020304" pitchFamily="18" charset="0"/>
-              </a:rPr>
-              <a:t>Each</a:t>
-            </a:r>
-            <a:r>
-              <a:rPr lang="sv-SE" b="0" i="0" dirty="0">
-                <a:solidFill>
-                  <a:srgbClr val="000000"/>
-                </a:solidFill>
-                <a:effectLst/>
-                <a:latin typeface="Times New Roman" panose="02020603050405020304" pitchFamily="18" charset="0"/>
-              </a:rPr>
-              <a:t> </a:t>
-            </a:r>
-            <a:r>
-              <a:rPr lang="sv-SE" b="0" i="0" dirty="0" err="1">
-                <a:solidFill>
-                  <a:srgbClr val="000000"/>
-                </a:solidFill>
-                <a:effectLst/>
-                <a:latin typeface="Times New Roman" panose="02020603050405020304" pitchFamily="18" charset="0"/>
-              </a:rPr>
-              <a:t>campaign</a:t>
-            </a:r>
-            <a:r>
-              <a:rPr lang="sv-SE" b="0" i="0" dirty="0">
-                <a:solidFill>
-                  <a:srgbClr val="000000"/>
-                </a:solidFill>
-                <a:effectLst/>
-                <a:latin typeface="Times New Roman" panose="02020603050405020304" pitchFamily="18" charset="0"/>
-              </a:rPr>
-              <a:t> is </a:t>
-            </a:r>
-            <a:r>
-              <a:rPr lang="sv-SE" b="0" i="0" dirty="0" err="1">
-                <a:solidFill>
-                  <a:srgbClr val="000000"/>
-                </a:solidFill>
-                <a:effectLst/>
-                <a:latin typeface="Times New Roman" panose="02020603050405020304" pitchFamily="18" charset="0"/>
-              </a:rPr>
-              <a:t>run</a:t>
-            </a:r>
-            <a:r>
-              <a:rPr lang="sv-SE" b="0" i="0" dirty="0">
-                <a:solidFill>
-                  <a:srgbClr val="000000"/>
-                </a:solidFill>
-                <a:effectLst/>
-                <a:latin typeface="Times New Roman" panose="02020603050405020304" pitchFamily="18" charset="0"/>
-              </a:rPr>
-              <a:t> the same </a:t>
-            </a:r>
-            <a:r>
-              <a:rPr lang="sv-SE" b="0" i="0" dirty="0" err="1">
-                <a:solidFill>
-                  <a:srgbClr val="000000"/>
-                </a:solidFill>
-                <a:effectLst/>
-                <a:latin typeface="Times New Roman" panose="02020603050405020304" pitchFamily="18" charset="0"/>
-              </a:rPr>
-              <a:t>way</a:t>
-            </a:r>
-            <a:endParaRPr lang="sv-SE" b="0" i="0" dirty="0">
-              <a:solidFill>
-                <a:srgbClr val="000000"/>
-              </a:solidFill>
-              <a:effectLst/>
-              <a:latin typeface="Times New Roman" panose="02020603050405020304" pitchFamily="18" charset="0"/>
-            </a:endParaRPr>
-          </a:p>
-          <a:p>
-            <a:pPr marL="628650" lvl="1" indent="-171450">
-              <a:buFont typeface="Arial" panose="020B0604020202020204" pitchFamily="34" charset="0"/>
-              <a:buChar char="•"/>
-            </a:pPr>
-            <a:r>
-              <a:rPr lang="sv-SE" b="0" i="0" dirty="0" err="1">
-                <a:solidFill>
-                  <a:srgbClr val="000000"/>
-                </a:solidFill>
-                <a:effectLst/>
-                <a:latin typeface="Times New Roman" panose="02020603050405020304" pitchFamily="18" charset="0"/>
-              </a:rPr>
-              <a:t>Towards</a:t>
-            </a:r>
-            <a:r>
-              <a:rPr lang="sv-SE" b="0" i="0" dirty="0">
-                <a:solidFill>
-                  <a:srgbClr val="000000"/>
-                </a:solidFill>
-                <a:effectLst/>
-                <a:latin typeface="Times New Roman" panose="02020603050405020304" pitchFamily="18" charset="0"/>
-              </a:rPr>
-              <a:t> all </a:t>
-            </a:r>
-            <a:r>
-              <a:rPr lang="sv-SE" b="0" i="0" dirty="0" err="1">
-                <a:solidFill>
-                  <a:srgbClr val="000000"/>
-                </a:solidFill>
-                <a:effectLst/>
-                <a:latin typeface="Times New Roman" panose="02020603050405020304" pitchFamily="18" charset="0"/>
-              </a:rPr>
-              <a:t>clients</a:t>
-            </a:r>
-            <a:r>
-              <a:rPr lang="sv-SE" b="0" i="0" dirty="0">
-                <a:solidFill>
-                  <a:srgbClr val="000000"/>
-                </a:solidFill>
-                <a:effectLst/>
-                <a:latin typeface="Times New Roman" panose="02020603050405020304" pitchFamily="18" charset="0"/>
-              </a:rPr>
-              <a:t> and </a:t>
-            </a:r>
-            <a:r>
-              <a:rPr lang="sv-SE" b="0" i="0" dirty="0" err="1">
-                <a:solidFill>
-                  <a:srgbClr val="000000"/>
-                </a:solidFill>
-                <a:effectLst/>
-                <a:latin typeface="Times New Roman" panose="02020603050405020304" pitchFamily="18" charset="0"/>
-              </a:rPr>
-              <a:t>with</a:t>
-            </a:r>
-            <a:r>
-              <a:rPr lang="sv-SE" b="0" i="0" dirty="0">
-                <a:solidFill>
-                  <a:srgbClr val="000000"/>
-                </a:solidFill>
-                <a:effectLst/>
-                <a:latin typeface="Times New Roman" panose="02020603050405020304" pitchFamily="18" charset="0"/>
-              </a:rPr>
-              <a:t> the same </a:t>
-            </a:r>
-            <a:r>
-              <a:rPr lang="sv-SE" b="0" i="0" dirty="0" err="1">
-                <a:solidFill>
-                  <a:srgbClr val="000000"/>
-                </a:solidFill>
-                <a:effectLst/>
-                <a:latin typeface="Times New Roman" panose="02020603050405020304" pitchFamily="18" charset="0"/>
-              </a:rPr>
-              <a:t>aproach</a:t>
-            </a:r>
-            <a:r>
-              <a:rPr lang="sv-SE" b="0" i="0" dirty="0">
-                <a:solidFill>
-                  <a:srgbClr val="000000"/>
-                </a:solidFill>
-                <a:effectLst/>
-                <a:latin typeface="Times New Roman" panose="02020603050405020304" pitchFamily="18" charset="0"/>
-              </a:rPr>
-              <a:t> </a:t>
-            </a:r>
-            <a:r>
-              <a:rPr lang="sv-SE" b="0" i="0" dirty="0" err="1">
-                <a:solidFill>
-                  <a:srgbClr val="000000"/>
-                </a:solidFill>
-                <a:effectLst/>
-                <a:latin typeface="Times New Roman" panose="02020603050405020304" pitchFamily="18" charset="0"/>
-              </a:rPr>
-              <a:t>towards</a:t>
-            </a:r>
-            <a:r>
-              <a:rPr lang="sv-SE" b="0" i="0" dirty="0">
-                <a:solidFill>
-                  <a:srgbClr val="000000"/>
-                </a:solidFill>
-                <a:effectLst/>
-                <a:latin typeface="Times New Roman" panose="02020603050405020304" pitchFamily="18" charset="0"/>
-              </a:rPr>
-              <a:t> all </a:t>
-            </a:r>
-            <a:r>
-              <a:rPr lang="sv-SE" b="0" i="0" dirty="0" err="1">
-                <a:solidFill>
-                  <a:srgbClr val="000000"/>
-                </a:solidFill>
-                <a:effectLst/>
-                <a:latin typeface="Times New Roman" panose="02020603050405020304" pitchFamily="18" charset="0"/>
-              </a:rPr>
-              <a:t>of</a:t>
-            </a:r>
-            <a:r>
-              <a:rPr lang="sv-SE" b="0" i="0" dirty="0">
-                <a:solidFill>
-                  <a:srgbClr val="000000"/>
-                </a:solidFill>
-                <a:effectLst/>
-                <a:latin typeface="Times New Roman" panose="02020603050405020304" pitchFamily="18" charset="0"/>
-              </a:rPr>
-              <a:t> </a:t>
-            </a:r>
-            <a:r>
-              <a:rPr lang="sv-SE" b="0" i="0" dirty="0" err="1">
-                <a:solidFill>
-                  <a:srgbClr val="000000"/>
-                </a:solidFill>
-                <a:effectLst/>
-                <a:latin typeface="Times New Roman" panose="02020603050405020304" pitchFamily="18" charset="0"/>
-              </a:rPr>
-              <a:t>them</a:t>
-            </a:r>
-            <a:endParaRPr lang="sv-SE" b="0" i="0" dirty="0">
-              <a:solidFill>
-                <a:srgbClr val="000000"/>
-              </a:solidFill>
-              <a:effectLst/>
-              <a:latin typeface="Times New Roman" panose="02020603050405020304" pitchFamily="18" charset="0"/>
-            </a:endParaRPr>
+              <a:rPr lang="sv-SE" dirty="0" err="1"/>
+              <a:t>around</a:t>
+            </a:r>
+            <a:r>
+              <a:rPr lang="sv-SE" dirty="0"/>
+              <a:t> the </a:t>
+            </a:r>
+            <a:r>
+              <a:rPr lang="sv-SE" dirty="0" err="1"/>
+              <a:t>next</a:t>
+            </a:r>
+            <a:r>
+              <a:rPr lang="sv-SE" dirty="0"/>
+              <a:t> steps.</a:t>
+            </a:r>
           </a:p>
         </p:txBody>
       </p:sp>
@@ -1376,7 +1227,7 @@
           <a:p>
             <a:fld id="{2F319D35-DDD6-4A50-856E-577E9C784DE2}" type="slidenum">
               <a:rPr lang="en-US" smtClean="0"/>
-              <a:t>3</a:t>
+              <a:t>2</a:t>
             </a:fld>
             <a:endParaRPr lang="en-US"/>
           </a:p>
@@ -1385,7 +1236,7 @@
     </p:spTree>
     <p:extLst>
       <p:ext uri="{BB962C8B-B14F-4D97-AF65-F5344CB8AC3E}">
-        <p14:creationId xmlns:p14="http://schemas.microsoft.com/office/powerpoint/2010/main" val="3882575008"/>
+        <p14:creationId xmlns:p14="http://schemas.microsoft.com/office/powerpoint/2010/main" val="2433652270"/>
       </p:ext>
     </p:extLst>
   </p:cSld>
@@ -1441,15 +1292,7 @@
           <a:p>
             <a:r>
               <a:rPr lang="sv-SE" dirty="0" err="1"/>
-              <a:t>This</a:t>
-            </a:r>
-            <a:r>
-              <a:rPr lang="sv-SE" dirty="0"/>
-              <a:t> is </a:t>
-            </a:r>
-            <a:r>
-              <a:rPr lang="sv-SE" dirty="0" err="1"/>
-              <a:t>what</a:t>
+              <a:t>Allows</a:t>
             </a:r>
             <a:r>
               <a:rPr lang="sv-SE" dirty="0"/>
@@ -1457,6 +1300,259 @@
             </a:r>
             <a:r>
               <a:rPr lang="sv-SE" dirty="0" err="1"/>
+              <a:t>you</a:t>
+            </a:r>
+            <a:r>
+              <a:rPr lang="sv-SE" dirty="0"/>
+              <a:t> to </a:t>
+            </a:r>
+            <a:r>
+              <a:rPr lang="sv-SE" dirty="0" err="1"/>
+              <a:t>treat</a:t>
+            </a:r>
+            <a:r>
+              <a:rPr lang="sv-SE" dirty="0"/>
+              <a:t> </a:t>
+            </a:r>
+            <a:r>
+              <a:rPr lang="sv-SE" dirty="0" err="1"/>
+              <a:t>your</a:t>
+            </a:r>
+            <a:r>
+              <a:rPr lang="sv-SE" dirty="0"/>
+              <a:t> </a:t>
+            </a:r>
+            <a:r>
+              <a:rPr lang="sv-SE" dirty="0" err="1"/>
+              <a:t>customers</a:t>
+            </a:r>
+            <a:r>
+              <a:rPr lang="sv-SE" dirty="0"/>
+              <a:t> </a:t>
+            </a:r>
+            <a:r>
+              <a:rPr lang="sv-SE" dirty="0" err="1"/>
+              <a:t>individually</a:t>
+            </a:r>
+            <a:r>
+              <a:rPr lang="sv-SE" dirty="0"/>
+              <a:t>, </a:t>
+            </a:r>
+            <a:r>
+              <a:rPr lang="sv-SE" dirty="0" err="1"/>
+              <a:t>tailoring</a:t>
+            </a:r>
+            <a:r>
+              <a:rPr lang="sv-SE" dirty="0"/>
+              <a:t> </a:t>
+            </a:r>
+            <a:r>
+              <a:rPr lang="sv-SE" dirty="0" err="1"/>
+              <a:t>their</a:t>
+            </a:r>
+            <a:r>
+              <a:rPr lang="sv-SE" dirty="0"/>
+              <a:t> </a:t>
+            </a:r>
+            <a:r>
+              <a:rPr lang="sv-SE" dirty="0" err="1"/>
+              <a:t>experience</a:t>
+            </a:r>
+            <a:r>
+              <a:rPr lang="sv-SE" dirty="0"/>
+              <a:t> </a:t>
+            </a:r>
+            <a:r>
+              <a:rPr lang="sv-SE" dirty="0" err="1"/>
+              <a:t>with</a:t>
+            </a:r>
+            <a:r>
+              <a:rPr lang="sv-SE" dirty="0"/>
+              <a:t> </a:t>
+            </a:r>
+            <a:r>
+              <a:rPr lang="sv-SE" dirty="0" err="1"/>
+              <a:t>your</a:t>
+            </a:r>
+            <a:r>
+              <a:rPr lang="sv-SE" dirty="0"/>
+              <a:t> </a:t>
+            </a:r>
+            <a:r>
+              <a:rPr lang="sv-SE" dirty="0" err="1"/>
+              <a:t>products</a:t>
+            </a:r>
+            <a:r>
+              <a:rPr lang="sv-SE" dirty="0"/>
+              <a:t> </a:t>
+            </a:r>
+            <a:r>
+              <a:rPr lang="sv-SE" dirty="0" err="1"/>
+              <a:t>based</a:t>
+            </a:r>
+            <a:r>
+              <a:rPr lang="sv-SE" dirty="0"/>
+              <a:t> on </a:t>
+            </a:r>
+            <a:r>
+              <a:rPr lang="sv-SE" dirty="0" err="1"/>
+              <a:t>their</a:t>
+            </a:r>
+            <a:r>
+              <a:rPr lang="sv-SE" dirty="0"/>
+              <a:t> </a:t>
+            </a:r>
+            <a:r>
+              <a:rPr lang="sv-SE" dirty="0" err="1"/>
+              <a:t>behaviour</a:t>
+            </a:r>
+            <a:r>
+              <a:rPr lang="sv-SE" dirty="0"/>
+              <a:t> </a:t>
+            </a:r>
+          </a:p>
+          <a:p>
+            <a:endParaRPr lang="sv-SE" dirty="0"/>
+          </a:p>
+          <a:p>
+            <a:r>
+              <a:rPr lang="sv-SE" dirty="0" err="1"/>
+              <a:t>Since</a:t>
+            </a:r>
+            <a:r>
+              <a:rPr lang="sv-SE" dirty="0"/>
+              <a:t> </a:t>
+            </a:r>
+            <a:r>
+              <a:rPr lang="sv-SE" dirty="0" err="1"/>
+              <a:t>thre</a:t>
+            </a:r>
+            <a:r>
+              <a:rPr lang="sv-SE" dirty="0"/>
+              <a:t> is a </a:t>
+            </a:r>
+            <a:r>
+              <a:rPr lang="sv-SE" dirty="0" err="1"/>
+              <a:t>campaign</a:t>
+            </a:r>
+            <a:r>
+              <a:rPr lang="sv-SE" dirty="0"/>
+              <a:t> going on right </a:t>
+            </a:r>
+            <a:r>
+              <a:rPr lang="sv-SE" dirty="0" err="1"/>
+              <a:t>now</a:t>
+            </a:r>
+            <a:r>
+              <a:rPr lang="sv-SE" dirty="0"/>
+              <a:t> it </a:t>
+            </a:r>
+            <a:r>
+              <a:rPr lang="sv-SE" dirty="0" err="1"/>
+              <a:t>would</a:t>
+            </a:r>
+            <a:r>
+              <a:rPr lang="sv-SE" dirty="0"/>
+              <a:t> be </a:t>
+            </a:r>
+            <a:r>
+              <a:rPr lang="sv-SE" dirty="0" err="1"/>
+              <a:t>beneficial</a:t>
+            </a:r>
+            <a:r>
+              <a:rPr lang="sv-SE" dirty="0"/>
+              <a:t> to </a:t>
+            </a:r>
+            <a:r>
+              <a:rPr lang="sv-SE" dirty="0" err="1"/>
+              <a:t>use</a:t>
+            </a:r>
+            <a:r>
+              <a:rPr lang="sv-SE" dirty="0"/>
+              <a:t> the </a:t>
+            </a:r>
+            <a:r>
+              <a:rPr lang="sv-SE" dirty="0" err="1"/>
+              <a:t>existing</a:t>
+            </a:r>
+            <a:r>
+              <a:rPr lang="sv-SE" dirty="0"/>
+              <a:t> data and try to </a:t>
+            </a:r>
+            <a:r>
+              <a:rPr lang="sv-SE" dirty="0" err="1"/>
+              <a:t>create</a:t>
+            </a:r>
+            <a:r>
+              <a:rPr lang="sv-SE" dirty="0"/>
+              <a:t> a </a:t>
+            </a:r>
+            <a:r>
+              <a:rPr lang="sv-SE" dirty="0" err="1"/>
+              <a:t>model</a:t>
+            </a:r>
+            <a:r>
+              <a:rPr lang="sv-SE" dirty="0"/>
+              <a:t> for the </a:t>
+            </a:r>
+            <a:r>
+              <a:rPr lang="sv-SE" dirty="0" err="1"/>
+              <a:t>current</a:t>
+            </a:r>
+            <a:r>
+              <a:rPr lang="sv-SE" dirty="0"/>
+              <a:t> </a:t>
+            </a:r>
+            <a:r>
+              <a:rPr lang="sv-SE" dirty="0" err="1"/>
+              <a:t>campaign</a:t>
+            </a:r>
+            <a:r>
+              <a:rPr lang="sv-SE" dirty="0"/>
+              <a:t> to </a:t>
+            </a:r>
+            <a:r>
+              <a:rPr lang="sv-SE" dirty="0" err="1"/>
+              <a:t>see</a:t>
+            </a:r>
+            <a:r>
+              <a:rPr lang="sv-SE" dirty="0"/>
+              <a:t> </a:t>
+            </a:r>
+            <a:r>
+              <a:rPr lang="sv-SE" dirty="0" err="1"/>
+              <a:t>how</a:t>
+            </a:r>
+            <a:r>
+              <a:rPr lang="sv-SE" dirty="0"/>
+              <a:t> it </a:t>
+            </a:r>
+            <a:r>
+              <a:rPr lang="sv-SE" dirty="0" err="1"/>
+              <a:t>could</a:t>
+            </a:r>
+            <a:r>
+              <a:rPr lang="sv-SE" dirty="0"/>
+              <a:t> </a:t>
+            </a:r>
+            <a:r>
+              <a:rPr lang="sv-SE" dirty="0" err="1"/>
+              <a:t>have</a:t>
+            </a:r>
+            <a:r>
+              <a:rPr lang="sv-SE" dirty="0"/>
+              <a:t> </a:t>
+            </a:r>
+            <a:r>
+              <a:rPr lang="sv-SE" dirty="0" err="1"/>
+              <a:t>performed</a:t>
+            </a:r>
+            <a:r>
+              <a:rPr lang="sv-SE" dirty="0"/>
+              <a:t> so </a:t>
+            </a:r>
+            <a:r>
+              <a:rPr lang="sv-SE" dirty="0" err="1"/>
               <a:t>we</a:t>
             </a:r>
             <a:r>
@@ -1465,7 +1561,7 @@
             </a:r>
             <a:r>
               <a:rPr lang="sv-SE" dirty="0" err="1"/>
-              <a:t>have</a:t>
+              <a:t>can</a:t>
             </a:r>
             <a:r>
               <a:rPr lang="sv-SE" dirty="0"/>
@@ -1473,15 +1569,15 @@
             </a:r>
             <a:r>
               <a:rPr lang="sv-SE" dirty="0" err="1"/>
-              <a:t>done</a:t>
-            </a:r>
-            <a:r>
-              <a:rPr lang="sv-SE" dirty="0"/>
-              <a:t> in the </a:t>
-            </a:r>
-            <a:r>
-              <a:rPr lang="sv-SE" dirty="0" err="1"/>
-              <a:t>past</a:t>
+              <a:t>create</a:t>
+            </a:r>
+            <a:r>
+              <a:rPr lang="sv-SE" dirty="0"/>
+              <a:t> a </a:t>
+            </a:r>
+            <a:r>
+              <a:rPr lang="sv-SE" dirty="0" err="1"/>
+              <a:t>baseline</a:t>
             </a:r>
             <a:r>
               <a:rPr lang="sv-SE" dirty="0"/>
@@ -1489,18 +1585,7 @@
             </a:r>
             <a:r>
               <a:rPr lang="sv-SE" dirty="0" err="1"/>
-              <a:t>clients</a:t>
-            </a:r>
-            <a:endParaRPr lang="sv-SE" dirty="0"/>
-          </a:p>
-          <a:p>
-            <a:pPr marL="171450" indent="-171450">
-              <a:buFontTx/>
-              <a:buChar char="-"/>
-            </a:pPr>
-            <a:r>
-              <a:rPr lang="sv-SE" dirty="0" err="1"/>
-              <a:t>Cecking</a:t>
+              <a:t>how</a:t>
             </a:r>
             <a:r>
               <a:rPr lang="sv-SE" dirty="0"/>
@@ -1508,7 +1593,7 @@
             </a:r>
             <a:r>
               <a:rPr lang="sv-SE" dirty="0" err="1"/>
-              <a:t>which</a:t>
+              <a:t>much</a:t>
             </a:r>
             <a:r>
               <a:rPr lang="sv-SE" dirty="0"/>
@@ -1516,7 +1601,23 @@
             </a:r>
             <a:r>
               <a:rPr lang="sv-SE" dirty="0" err="1"/>
-              <a:t>of</a:t>
+              <a:t>we</a:t>
+            </a:r>
+            <a:r>
+              <a:rPr lang="sv-SE" dirty="0"/>
+              <a:t> </a:t>
+            </a:r>
+            <a:r>
+              <a:rPr lang="sv-SE" dirty="0" err="1"/>
+              <a:t>can</a:t>
+            </a:r>
+            <a:r>
+              <a:rPr lang="sv-SE" dirty="0"/>
+              <a:t> </a:t>
+            </a:r>
+            <a:r>
+              <a:rPr lang="sv-SE" dirty="0" err="1"/>
+              <a:t>better</a:t>
             </a:r>
             <a:r>
               <a:rPr lang="sv-SE" dirty="0"/>
@@ -1524,32 +1625,12 @@
             </a:r>
             <a:r>
               <a:rPr lang="sv-SE" dirty="0" err="1"/>
-              <a:t>projects</a:t>
-            </a:r>
-            <a:r>
-              <a:rPr lang="sv-SE" dirty="0"/>
-              <a:t> </a:t>
-            </a:r>
-            <a:r>
-              <a:rPr lang="sv-SE" dirty="0" err="1"/>
-              <a:t>will</a:t>
-            </a:r>
-            <a:r>
-              <a:rPr lang="sv-SE" dirty="0"/>
-              <a:t> be </a:t>
-            </a:r>
-            <a:r>
-              <a:rPr lang="sv-SE" dirty="0" err="1"/>
-              <a:t>successfull</a:t>
-            </a:r>
-            <a:endParaRPr lang="sv-SE" dirty="0"/>
-          </a:p>
-          <a:p>
-            <a:pPr marL="171450" indent="-171450">
-              <a:buFontTx/>
-              <a:buChar char="-"/>
-            </a:pPr>
-            <a:endParaRPr lang="sv-SE" dirty="0"/>
+              <a:t>numbers</a:t>
+            </a:r>
+            <a:r>
+              <a:rPr lang="sv-SE" dirty="0"/>
+              <a:t>.</a:t>
+            </a:r>
           </a:p>
         </p:txBody>
       </p:sp>
@@ -1570,7 +1651,1029 @@
           <a:p>
             <a:fld id="{2F319D35-DDD6-4A50-856E-577E9C784DE2}" type="slidenum">
               <a:rPr lang="en-US" smtClean="0"/>
+              <a:t>3</a:t>
+            </a:fld>
+            <a:endParaRPr lang="en-US"/>
+          </a:p>
+        </p:txBody>
+      </p:sp>
+    </p:spTree>
+    <p:extLst>
+      <p:ext uri="{BB962C8B-B14F-4D97-AF65-F5344CB8AC3E}">
+        <p14:creationId xmlns:p14="http://schemas.microsoft.com/office/powerpoint/2010/main" val="1966634676"/>
+      </p:ext>
+    </p:extLst>
+  </p:cSld>
+  <p:clrMapOvr>
+    <a:masterClrMapping/>
+  </p:clrMapOvr>
+</p:notes>
+</file>
+
+<file path=ppt/notesSlides/notesSlide3.xml><?xml version="1.0" encoding="utf-8"?>
+<p:notes xmlns:a="http://schemas.openxmlformats.org/drawingml/2006/main" xmlns:r="http://schemas.openxmlformats.org/officeDocument/2006/relationships" xmlns:p="http://schemas.openxmlformats.org/presentationml/2006/main">
+  <p:cSld>
+    <p:spTree>
+      <p:nvGrpSpPr>
+        <p:cNvPr id="1" name=""/>
+        <p:cNvGrpSpPr/>
+        <p:nvPr/>
+      </p:nvGrpSpPr>
+      <p:grpSpPr>
+        <a:xfrm>
+          <a:off x="0" y="0"/>
+          <a:ext cx="0" cy="0"/>
+          <a:chOff x="0" y="0"/>
+          <a:chExt cx="0" cy="0"/>
+        </a:xfrm>
+      </p:grpSpPr>
+      <p:sp>
+        <p:nvSpPr>
+          <p:cNvPr id="2" name="Slide Image Placeholder 1"/>
+          <p:cNvSpPr>
+            <a:spLocks noGrp="1" noRot="1" noChangeAspect="1"/>
+          </p:cNvSpPr>
+          <p:nvPr>
+            <p:ph type="sldImg"/>
+          </p:nvPr>
+        </p:nvSpPr>
+        <p:spPr/>
+      </p:sp>
+      <p:sp>
+        <p:nvSpPr>
+          <p:cNvPr id="3" name="Notes Placeholder 2"/>
+          <p:cNvSpPr>
+            <a:spLocks noGrp="1"/>
+          </p:cNvSpPr>
+          <p:nvPr>
+            <p:ph type="body" idx="1"/>
+          </p:nvPr>
+        </p:nvSpPr>
+        <p:spPr/>
+        <p:txBody>
+          <a:bodyPr/>
+          <a:lstStyle/>
+          <a:p>
+            <a:r>
+              <a:rPr lang="sv-SE" b="0" i="0" dirty="0" err="1">
+                <a:solidFill>
+                  <a:srgbClr val="000000"/>
+                </a:solidFill>
+                <a:effectLst/>
+                <a:latin typeface="Times New Roman" panose="02020603050405020304" pitchFamily="18" charset="0"/>
+              </a:rPr>
+              <a:t>They</a:t>
+            </a:r>
+            <a:r>
+              <a:rPr lang="sv-SE" b="0" i="0" dirty="0">
+                <a:solidFill>
+                  <a:srgbClr val="000000"/>
+                </a:solidFill>
+                <a:effectLst/>
+                <a:latin typeface="Times New Roman" panose="02020603050405020304" pitchFamily="18" charset="0"/>
+              </a:rPr>
+              <a:t> </a:t>
+            </a:r>
+            <a:r>
+              <a:rPr lang="sv-SE" b="0" i="0" dirty="0" err="1">
+                <a:solidFill>
+                  <a:srgbClr val="000000"/>
+                </a:solidFill>
+                <a:effectLst/>
+                <a:latin typeface="Times New Roman" panose="02020603050405020304" pitchFamily="18" charset="0"/>
+              </a:rPr>
+              <a:t>have</a:t>
+            </a:r>
+            <a:r>
+              <a:rPr lang="sv-SE" b="0" i="0" dirty="0">
+                <a:solidFill>
+                  <a:srgbClr val="000000"/>
+                </a:solidFill>
+                <a:effectLst/>
+                <a:latin typeface="Times New Roman" panose="02020603050405020304" pitchFamily="18" charset="0"/>
+              </a:rPr>
+              <a:t> </a:t>
+            </a:r>
+            <a:r>
+              <a:rPr lang="sv-SE" b="0" i="0" dirty="0" err="1">
+                <a:solidFill>
+                  <a:srgbClr val="000000"/>
+                </a:solidFill>
+                <a:effectLst/>
+                <a:latin typeface="Times New Roman" panose="02020603050405020304" pitchFamily="18" charset="0"/>
+              </a:rPr>
+              <a:t>really</a:t>
+            </a:r>
+            <a:r>
+              <a:rPr lang="sv-SE" b="0" i="0" dirty="0">
+                <a:solidFill>
+                  <a:srgbClr val="000000"/>
+                </a:solidFill>
+                <a:effectLst/>
+                <a:latin typeface="Times New Roman" panose="02020603050405020304" pitchFamily="18" charset="0"/>
+              </a:rPr>
+              <a:t> </a:t>
+            </a:r>
+            <a:r>
+              <a:rPr lang="sv-SE" b="0" i="0" dirty="0" err="1">
+                <a:solidFill>
+                  <a:srgbClr val="000000"/>
+                </a:solidFill>
+                <a:effectLst/>
+                <a:latin typeface="Times New Roman" panose="02020603050405020304" pitchFamily="18" charset="0"/>
+              </a:rPr>
+              <a:t>well</a:t>
+            </a:r>
+            <a:r>
+              <a:rPr lang="sv-SE" b="0" i="0" dirty="0">
+                <a:solidFill>
+                  <a:srgbClr val="000000"/>
+                </a:solidFill>
+                <a:effectLst/>
+                <a:latin typeface="Times New Roman" panose="02020603050405020304" pitchFamily="18" charset="0"/>
+              </a:rPr>
+              <a:t> </a:t>
+            </a:r>
+            <a:r>
+              <a:rPr lang="sv-SE" b="0" i="0" dirty="0" err="1">
+                <a:solidFill>
+                  <a:srgbClr val="000000"/>
+                </a:solidFill>
+                <a:effectLst/>
+                <a:latin typeface="Times New Roman" panose="02020603050405020304" pitchFamily="18" charset="0"/>
+              </a:rPr>
+              <a:t>gathered</a:t>
+            </a:r>
+            <a:r>
+              <a:rPr lang="sv-SE" b="0" i="0" dirty="0">
+                <a:solidFill>
+                  <a:srgbClr val="000000"/>
+                </a:solidFill>
+                <a:effectLst/>
+                <a:latin typeface="Times New Roman" panose="02020603050405020304" pitchFamily="18" charset="0"/>
+              </a:rPr>
+              <a:t> data, </a:t>
+            </a:r>
+            <a:r>
+              <a:rPr lang="sv-SE" b="0" i="0" dirty="0" err="1">
+                <a:solidFill>
+                  <a:srgbClr val="000000"/>
+                </a:solidFill>
+                <a:effectLst/>
+                <a:latin typeface="Times New Roman" panose="02020603050405020304" pitchFamily="18" charset="0"/>
+              </a:rPr>
+              <a:t>stored</a:t>
+            </a:r>
+            <a:r>
+              <a:rPr lang="sv-SE" b="0" i="0" dirty="0">
+                <a:solidFill>
+                  <a:srgbClr val="000000"/>
+                </a:solidFill>
+                <a:effectLst/>
+                <a:latin typeface="Times New Roman" panose="02020603050405020304" pitchFamily="18" charset="0"/>
+              </a:rPr>
+              <a:t> and </a:t>
+            </a:r>
+            <a:r>
+              <a:rPr lang="sv-SE" b="0" i="0" dirty="0" err="1">
+                <a:solidFill>
+                  <a:srgbClr val="000000"/>
+                </a:solidFill>
+                <a:effectLst/>
+                <a:latin typeface="Times New Roman" panose="02020603050405020304" pitchFamily="18" charset="0"/>
+              </a:rPr>
+              <a:t>labeled</a:t>
+            </a:r>
+            <a:r>
+              <a:rPr lang="sv-SE" b="0" i="0" dirty="0">
+                <a:solidFill>
+                  <a:srgbClr val="000000"/>
+                </a:solidFill>
+                <a:effectLst/>
+                <a:latin typeface="Times New Roman" panose="02020603050405020304" pitchFamily="18" charset="0"/>
+              </a:rPr>
+              <a:t> in a </a:t>
+            </a:r>
+            <a:r>
+              <a:rPr lang="sv-SE" b="0" i="0" dirty="0" err="1">
+                <a:solidFill>
+                  <a:srgbClr val="000000"/>
+                </a:solidFill>
+                <a:effectLst/>
+                <a:latin typeface="Times New Roman" panose="02020603050405020304" pitchFamily="18" charset="0"/>
+              </a:rPr>
+              <a:t>easy</a:t>
+            </a:r>
+            <a:r>
+              <a:rPr lang="sv-SE" b="0" i="0" dirty="0">
+                <a:solidFill>
+                  <a:srgbClr val="000000"/>
+                </a:solidFill>
+                <a:effectLst/>
+                <a:latin typeface="Times New Roman" panose="02020603050405020304" pitchFamily="18" charset="0"/>
+              </a:rPr>
+              <a:t> to </a:t>
+            </a:r>
+            <a:r>
+              <a:rPr lang="sv-SE" b="0" i="0" dirty="0" err="1">
+                <a:solidFill>
+                  <a:srgbClr val="000000"/>
+                </a:solidFill>
+                <a:effectLst/>
+                <a:latin typeface="Times New Roman" panose="02020603050405020304" pitchFamily="18" charset="0"/>
+              </a:rPr>
+              <a:t>use</a:t>
+            </a:r>
+            <a:r>
+              <a:rPr lang="sv-SE" b="0" i="0" dirty="0">
+                <a:solidFill>
+                  <a:srgbClr val="000000"/>
+                </a:solidFill>
+                <a:effectLst/>
+                <a:latin typeface="Times New Roman" panose="02020603050405020304" pitchFamily="18" charset="0"/>
+              </a:rPr>
+              <a:t> format.</a:t>
+            </a:r>
+          </a:p>
+          <a:p>
+            <a:r>
+              <a:rPr lang="sv-SE" b="0" i="0" dirty="0">
+                <a:solidFill>
+                  <a:srgbClr val="000000"/>
+                </a:solidFill>
+                <a:effectLst/>
+                <a:latin typeface="Times New Roman" panose="02020603050405020304" pitchFamily="18" charset="0"/>
+              </a:rPr>
+              <a:t>As </a:t>
+            </a:r>
+            <a:r>
+              <a:rPr lang="sv-SE" b="0" i="0" dirty="0" err="1">
+                <a:solidFill>
+                  <a:srgbClr val="000000"/>
+                </a:solidFill>
+                <a:effectLst/>
+                <a:latin typeface="Times New Roman" panose="02020603050405020304" pitchFamily="18" charset="0"/>
+              </a:rPr>
+              <a:t>of</a:t>
+            </a:r>
+            <a:r>
+              <a:rPr lang="sv-SE" b="0" i="0" dirty="0">
+                <a:solidFill>
+                  <a:srgbClr val="000000"/>
+                </a:solidFill>
+                <a:effectLst/>
+                <a:latin typeface="Times New Roman" panose="02020603050405020304" pitchFamily="18" charset="0"/>
+              </a:rPr>
+              <a:t> </a:t>
+            </a:r>
+            <a:r>
+              <a:rPr lang="sv-SE" b="0" i="0" dirty="0" err="1">
+                <a:solidFill>
+                  <a:srgbClr val="000000"/>
+                </a:solidFill>
+                <a:effectLst/>
+                <a:latin typeface="Times New Roman" panose="02020603050405020304" pitchFamily="18" charset="0"/>
+              </a:rPr>
+              <a:t>now</a:t>
+            </a:r>
+            <a:r>
+              <a:rPr lang="sv-SE" b="0" i="0" dirty="0">
+                <a:solidFill>
+                  <a:srgbClr val="000000"/>
+                </a:solidFill>
+                <a:effectLst/>
+                <a:latin typeface="Times New Roman" panose="02020603050405020304" pitchFamily="18" charset="0"/>
+              </a:rPr>
+              <a:t> </a:t>
+            </a:r>
+          </a:p>
+          <a:p>
+            <a:pPr marL="171450" indent="-171450">
+              <a:buFont typeface="Arial" panose="020B0604020202020204" pitchFamily="34" charset="0"/>
+              <a:buChar char="•"/>
+            </a:pPr>
+            <a:r>
+              <a:rPr lang="sv-SE" b="0" i="0" dirty="0">
+                <a:solidFill>
+                  <a:srgbClr val="000000"/>
+                </a:solidFill>
+                <a:effectLst/>
+                <a:latin typeface="Times New Roman" panose="02020603050405020304" pitchFamily="18" charset="0"/>
+              </a:rPr>
+              <a:t>the </a:t>
+            </a:r>
+            <a:r>
+              <a:rPr lang="sv-SE" b="0" i="0" dirty="0" err="1">
+                <a:solidFill>
+                  <a:srgbClr val="000000"/>
+                </a:solidFill>
+                <a:effectLst/>
+                <a:latin typeface="Times New Roman" panose="02020603050405020304" pitchFamily="18" charset="0"/>
+              </a:rPr>
+              <a:t>campaigns</a:t>
+            </a:r>
+            <a:r>
+              <a:rPr lang="sv-SE" b="0" i="0" dirty="0">
+                <a:solidFill>
+                  <a:srgbClr val="000000"/>
+                </a:solidFill>
+                <a:effectLst/>
+                <a:latin typeface="Times New Roman" panose="02020603050405020304" pitchFamily="18" charset="0"/>
+              </a:rPr>
+              <a:t> </a:t>
+            </a:r>
+            <a:r>
+              <a:rPr lang="sv-SE" b="0" i="0" dirty="0" err="1">
+                <a:solidFill>
+                  <a:srgbClr val="000000"/>
+                </a:solidFill>
+                <a:effectLst/>
+                <a:latin typeface="Times New Roman" panose="02020603050405020304" pitchFamily="18" charset="0"/>
+              </a:rPr>
+              <a:t>are</a:t>
+            </a:r>
+            <a:r>
+              <a:rPr lang="sv-SE" b="0" i="0" dirty="0">
+                <a:solidFill>
+                  <a:srgbClr val="000000"/>
+                </a:solidFill>
+                <a:effectLst/>
+                <a:latin typeface="Times New Roman" panose="02020603050405020304" pitchFamily="18" charset="0"/>
+              </a:rPr>
+              <a:t> </a:t>
+            </a:r>
+            <a:r>
+              <a:rPr lang="sv-SE" b="0" i="0" dirty="0" err="1">
+                <a:solidFill>
+                  <a:srgbClr val="000000"/>
+                </a:solidFill>
+                <a:effectLst/>
+                <a:latin typeface="Times New Roman" panose="02020603050405020304" pitchFamily="18" charset="0"/>
+              </a:rPr>
+              <a:t>running</a:t>
+            </a:r>
+            <a:r>
+              <a:rPr lang="sv-SE" b="0" i="0" dirty="0">
+                <a:solidFill>
+                  <a:srgbClr val="000000"/>
+                </a:solidFill>
+                <a:effectLst/>
+                <a:latin typeface="Times New Roman" panose="02020603050405020304" pitchFamily="18" charset="0"/>
+              </a:rPr>
+              <a:t> </a:t>
+            </a:r>
+            <a:r>
+              <a:rPr lang="sv-SE" b="0" i="0" dirty="0" err="1">
+                <a:solidFill>
+                  <a:srgbClr val="000000"/>
+                </a:solidFill>
+                <a:effectLst/>
+                <a:latin typeface="Times New Roman" panose="02020603050405020304" pitchFamily="18" charset="0"/>
+              </a:rPr>
+              <a:t>frequently</a:t>
+            </a:r>
+            <a:r>
+              <a:rPr lang="sv-SE" b="0" i="0" dirty="0">
+                <a:solidFill>
+                  <a:srgbClr val="000000"/>
+                </a:solidFill>
+                <a:effectLst/>
+                <a:latin typeface="Times New Roman" panose="02020603050405020304" pitchFamily="18" charset="0"/>
+              </a:rPr>
+              <a:t> </a:t>
+            </a:r>
+          </a:p>
+          <a:p>
+            <a:pPr marL="171450" indent="-171450">
+              <a:buFont typeface="Arial" panose="020B0604020202020204" pitchFamily="34" charset="0"/>
+              <a:buChar char="•"/>
+            </a:pPr>
+            <a:r>
+              <a:rPr lang="sv-SE" b="0" i="0" dirty="0" err="1">
+                <a:solidFill>
+                  <a:srgbClr val="000000"/>
+                </a:solidFill>
+                <a:effectLst/>
+                <a:latin typeface="Times New Roman" panose="02020603050405020304" pitchFamily="18" charset="0"/>
+              </a:rPr>
+              <a:t>They</a:t>
+            </a:r>
+            <a:r>
+              <a:rPr lang="sv-SE" b="0" i="0" dirty="0">
+                <a:solidFill>
+                  <a:srgbClr val="000000"/>
+                </a:solidFill>
+                <a:effectLst/>
+                <a:latin typeface="Times New Roman" panose="02020603050405020304" pitchFamily="18" charset="0"/>
+              </a:rPr>
+              <a:t> </a:t>
+            </a:r>
+            <a:r>
+              <a:rPr lang="sv-SE" b="0" i="0" dirty="0" err="1">
+                <a:solidFill>
+                  <a:srgbClr val="000000"/>
+                </a:solidFill>
+                <a:effectLst/>
+                <a:latin typeface="Times New Roman" panose="02020603050405020304" pitchFamily="18" charset="0"/>
+              </a:rPr>
+              <a:t>are</a:t>
+            </a:r>
+            <a:r>
+              <a:rPr lang="sv-SE" b="0" i="0" dirty="0">
+                <a:solidFill>
+                  <a:srgbClr val="000000"/>
+                </a:solidFill>
+                <a:effectLst/>
+                <a:latin typeface="Times New Roman" panose="02020603050405020304" pitchFamily="18" charset="0"/>
+              </a:rPr>
+              <a:t> </a:t>
+            </a:r>
+            <a:r>
+              <a:rPr lang="sv-SE" b="0" i="0" dirty="0" err="1">
+                <a:solidFill>
+                  <a:srgbClr val="000000"/>
+                </a:solidFill>
+                <a:effectLst/>
+                <a:latin typeface="Times New Roman" panose="02020603050405020304" pitchFamily="18" charset="0"/>
+              </a:rPr>
+              <a:t>gahtering</a:t>
+            </a:r>
+            <a:r>
+              <a:rPr lang="sv-SE" b="0" i="0" dirty="0">
+                <a:solidFill>
+                  <a:srgbClr val="000000"/>
+                </a:solidFill>
+                <a:effectLst/>
+                <a:latin typeface="Times New Roman" panose="02020603050405020304" pitchFamily="18" charset="0"/>
+              </a:rPr>
+              <a:t> the data from </a:t>
+            </a:r>
+            <a:r>
+              <a:rPr lang="sv-SE" b="0" i="0" dirty="0" err="1">
+                <a:solidFill>
+                  <a:srgbClr val="000000"/>
+                </a:solidFill>
+                <a:effectLst/>
+                <a:latin typeface="Times New Roman" panose="02020603050405020304" pitchFamily="18" charset="0"/>
+              </a:rPr>
+              <a:t>them</a:t>
+            </a:r>
+            <a:endParaRPr lang="sv-SE" b="0" i="0" dirty="0">
+              <a:solidFill>
+                <a:srgbClr val="000000"/>
+              </a:solidFill>
+              <a:effectLst/>
+              <a:latin typeface="Times New Roman" panose="02020603050405020304" pitchFamily="18" charset="0"/>
+            </a:endParaRPr>
+          </a:p>
+          <a:p>
+            <a:pPr marL="171450" indent="-171450">
+              <a:buFont typeface="Arial" panose="020B0604020202020204" pitchFamily="34" charset="0"/>
+              <a:buChar char="•"/>
+            </a:pPr>
+            <a:r>
+              <a:rPr lang="sv-SE" b="0" i="0" dirty="0">
+                <a:solidFill>
+                  <a:srgbClr val="000000"/>
+                </a:solidFill>
+                <a:effectLst/>
+                <a:latin typeface="Times New Roman" panose="02020603050405020304" pitchFamily="18" charset="0"/>
+              </a:rPr>
+              <a:t>Not </a:t>
+            </a:r>
+            <a:r>
+              <a:rPr lang="sv-SE" b="0" i="0" dirty="0" err="1">
+                <a:solidFill>
+                  <a:srgbClr val="000000"/>
+                </a:solidFill>
+                <a:effectLst/>
+                <a:latin typeface="Times New Roman" panose="02020603050405020304" pitchFamily="18" charset="0"/>
+              </a:rPr>
+              <a:t>using</a:t>
+            </a:r>
+            <a:r>
+              <a:rPr lang="sv-SE" b="0" i="0" dirty="0">
+                <a:solidFill>
+                  <a:srgbClr val="000000"/>
+                </a:solidFill>
+                <a:effectLst/>
+                <a:latin typeface="Times New Roman" panose="02020603050405020304" pitchFamily="18" charset="0"/>
+              </a:rPr>
+              <a:t> the data</a:t>
+            </a:r>
+          </a:p>
+          <a:p>
+            <a:pPr marL="171450" indent="-171450">
+              <a:buFont typeface="Arial" panose="020B0604020202020204" pitchFamily="34" charset="0"/>
+              <a:buChar char="•"/>
+            </a:pPr>
+            <a:r>
+              <a:rPr lang="sv-SE" b="0" i="0" dirty="0" err="1">
+                <a:solidFill>
+                  <a:srgbClr val="000000"/>
+                </a:solidFill>
+                <a:effectLst/>
+                <a:latin typeface="Times New Roman" panose="02020603050405020304" pitchFamily="18" charset="0"/>
+              </a:rPr>
+              <a:t>Each</a:t>
+            </a:r>
+            <a:r>
+              <a:rPr lang="sv-SE" b="0" i="0" dirty="0">
+                <a:solidFill>
+                  <a:srgbClr val="000000"/>
+                </a:solidFill>
+                <a:effectLst/>
+                <a:latin typeface="Times New Roman" panose="02020603050405020304" pitchFamily="18" charset="0"/>
+              </a:rPr>
+              <a:t> </a:t>
+            </a:r>
+            <a:r>
+              <a:rPr lang="sv-SE" b="0" i="0" dirty="0" err="1">
+                <a:solidFill>
+                  <a:srgbClr val="000000"/>
+                </a:solidFill>
+                <a:effectLst/>
+                <a:latin typeface="Times New Roman" panose="02020603050405020304" pitchFamily="18" charset="0"/>
+              </a:rPr>
+              <a:t>campaign</a:t>
+            </a:r>
+            <a:r>
+              <a:rPr lang="sv-SE" b="0" i="0" dirty="0">
+                <a:solidFill>
+                  <a:srgbClr val="000000"/>
+                </a:solidFill>
+                <a:effectLst/>
+                <a:latin typeface="Times New Roman" panose="02020603050405020304" pitchFamily="18" charset="0"/>
+              </a:rPr>
+              <a:t> is </a:t>
+            </a:r>
+            <a:r>
+              <a:rPr lang="sv-SE" b="0" i="0" dirty="0" err="1">
+                <a:solidFill>
+                  <a:srgbClr val="000000"/>
+                </a:solidFill>
+                <a:effectLst/>
+                <a:latin typeface="Times New Roman" panose="02020603050405020304" pitchFamily="18" charset="0"/>
+              </a:rPr>
+              <a:t>run</a:t>
+            </a:r>
+            <a:r>
+              <a:rPr lang="sv-SE" b="0" i="0" dirty="0">
+                <a:solidFill>
+                  <a:srgbClr val="000000"/>
+                </a:solidFill>
+                <a:effectLst/>
+                <a:latin typeface="Times New Roman" panose="02020603050405020304" pitchFamily="18" charset="0"/>
+              </a:rPr>
+              <a:t> the same </a:t>
+            </a:r>
+            <a:r>
+              <a:rPr lang="sv-SE" b="0" i="0" dirty="0" err="1">
+                <a:solidFill>
+                  <a:srgbClr val="000000"/>
+                </a:solidFill>
+                <a:effectLst/>
+                <a:latin typeface="Times New Roman" panose="02020603050405020304" pitchFamily="18" charset="0"/>
+              </a:rPr>
+              <a:t>way</a:t>
+            </a:r>
+            <a:endParaRPr lang="sv-SE" b="0" i="0" dirty="0">
+              <a:solidFill>
+                <a:srgbClr val="000000"/>
+              </a:solidFill>
+              <a:effectLst/>
+              <a:latin typeface="Times New Roman" panose="02020603050405020304" pitchFamily="18" charset="0"/>
+            </a:endParaRPr>
+          </a:p>
+          <a:p>
+            <a:pPr marL="628650" lvl="1" indent="-171450">
+              <a:buFont typeface="Arial" panose="020B0604020202020204" pitchFamily="34" charset="0"/>
+              <a:buChar char="•"/>
+            </a:pPr>
+            <a:r>
+              <a:rPr lang="sv-SE" b="0" i="0" dirty="0" err="1">
+                <a:solidFill>
+                  <a:srgbClr val="000000"/>
+                </a:solidFill>
+                <a:effectLst/>
+                <a:latin typeface="Times New Roman" panose="02020603050405020304" pitchFamily="18" charset="0"/>
+              </a:rPr>
+              <a:t>Towards</a:t>
+            </a:r>
+            <a:r>
+              <a:rPr lang="sv-SE" b="0" i="0" dirty="0">
+                <a:solidFill>
+                  <a:srgbClr val="000000"/>
+                </a:solidFill>
+                <a:effectLst/>
+                <a:latin typeface="Times New Roman" panose="02020603050405020304" pitchFamily="18" charset="0"/>
+              </a:rPr>
+              <a:t> all </a:t>
+            </a:r>
+            <a:r>
+              <a:rPr lang="sv-SE" b="0" i="0" dirty="0" err="1">
+                <a:solidFill>
+                  <a:srgbClr val="000000"/>
+                </a:solidFill>
+                <a:effectLst/>
+                <a:latin typeface="Times New Roman" panose="02020603050405020304" pitchFamily="18" charset="0"/>
+              </a:rPr>
+              <a:t>clients</a:t>
+            </a:r>
+            <a:r>
+              <a:rPr lang="sv-SE" b="0" i="0" dirty="0">
+                <a:solidFill>
+                  <a:srgbClr val="000000"/>
+                </a:solidFill>
+                <a:effectLst/>
+                <a:latin typeface="Times New Roman" panose="02020603050405020304" pitchFamily="18" charset="0"/>
+              </a:rPr>
+              <a:t> and </a:t>
+            </a:r>
+            <a:r>
+              <a:rPr lang="sv-SE" b="0" i="0" dirty="0" err="1">
+                <a:solidFill>
+                  <a:srgbClr val="000000"/>
+                </a:solidFill>
+                <a:effectLst/>
+                <a:latin typeface="Times New Roman" panose="02020603050405020304" pitchFamily="18" charset="0"/>
+              </a:rPr>
+              <a:t>with</a:t>
+            </a:r>
+            <a:r>
+              <a:rPr lang="sv-SE" b="0" i="0" dirty="0">
+                <a:solidFill>
+                  <a:srgbClr val="000000"/>
+                </a:solidFill>
+                <a:effectLst/>
+                <a:latin typeface="Times New Roman" panose="02020603050405020304" pitchFamily="18" charset="0"/>
+              </a:rPr>
+              <a:t> the same </a:t>
+            </a:r>
+            <a:r>
+              <a:rPr lang="sv-SE" b="0" i="0" dirty="0" err="1">
+                <a:solidFill>
+                  <a:srgbClr val="000000"/>
+                </a:solidFill>
+                <a:effectLst/>
+                <a:latin typeface="Times New Roman" panose="02020603050405020304" pitchFamily="18" charset="0"/>
+              </a:rPr>
+              <a:t>aproach</a:t>
+            </a:r>
+            <a:r>
+              <a:rPr lang="sv-SE" b="0" i="0" dirty="0">
+                <a:solidFill>
+                  <a:srgbClr val="000000"/>
+                </a:solidFill>
+                <a:effectLst/>
+                <a:latin typeface="Times New Roman" panose="02020603050405020304" pitchFamily="18" charset="0"/>
+              </a:rPr>
+              <a:t> </a:t>
+            </a:r>
+            <a:r>
+              <a:rPr lang="sv-SE" b="0" i="0" dirty="0" err="1">
+                <a:solidFill>
+                  <a:srgbClr val="000000"/>
+                </a:solidFill>
+                <a:effectLst/>
+                <a:latin typeface="Times New Roman" panose="02020603050405020304" pitchFamily="18" charset="0"/>
+              </a:rPr>
+              <a:t>towards</a:t>
+            </a:r>
+            <a:r>
+              <a:rPr lang="sv-SE" b="0" i="0" dirty="0">
+                <a:solidFill>
+                  <a:srgbClr val="000000"/>
+                </a:solidFill>
+                <a:effectLst/>
+                <a:latin typeface="Times New Roman" panose="02020603050405020304" pitchFamily="18" charset="0"/>
+              </a:rPr>
+              <a:t> all </a:t>
+            </a:r>
+            <a:r>
+              <a:rPr lang="sv-SE" b="0" i="0" dirty="0" err="1">
+                <a:solidFill>
+                  <a:srgbClr val="000000"/>
+                </a:solidFill>
+                <a:effectLst/>
+                <a:latin typeface="Times New Roman" panose="02020603050405020304" pitchFamily="18" charset="0"/>
+              </a:rPr>
+              <a:t>of</a:t>
+            </a:r>
+            <a:r>
+              <a:rPr lang="sv-SE" b="0" i="0" dirty="0">
+                <a:solidFill>
+                  <a:srgbClr val="000000"/>
+                </a:solidFill>
+                <a:effectLst/>
+                <a:latin typeface="Times New Roman" panose="02020603050405020304" pitchFamily="18" charset="0"/>
+              </a:rPr>
+              <a:t> </a:t>
+            </a:r>
+            <a:r>
+              <a:rPr lang="sv-SE" b="0" i="0" dirty="0" err="1">
+                <a:solidFill>
+                  <a:srgbClr val="000000"/>
+                </a:solidFill>
+                <a:effectLst/>
+                <a:latin typeface="Times New Roman" panose="02020603050405020304" pitchFamily="18" charset="0"/>
+              </a:rPr>
+              <a:t>them</a:t>
+            </a:r>
+            <a:endParaRPr lang="sv-SE" b="0" i="0" dirty="0">
+              <a:solidFill>
+                <a:srgbClr val="000000"/>
+              </a:solidFill>
+              <a:effectLst/>
+              <a:latin typeface="Times New Roman" panose="02020603050405020304" pitchFamily="18" charset="0"/>
+            </a:endParaRPr>
+          </a:p>
+        </p:txBody>
+      </p:sp>
+      <p:sp>
+        <p:nvSpPr>
+          <p:cNvPr id="4" name="Slide Number Placeholder 3"/>
+          <p:cNvSpPr>
+            <a:spLocks noGrp="1"/>
+          </p:cNvSpPr>
+          <p:nvPr>
+            <p:ph type="sldNum" sz="quarter" idx="5"/>
+          </p:nvPr>
+        </p:nvSpPr>
+        <p:spPr/>
+        <p:txBody>
+          <a:bodyPr/>
+          <a:lstStyle/>
+          <a:p>
+            <a:fld id="{2F319D35-DDD6-4A50-856E-577E9C784DE2}" type="slidenum">
+              <a:rPr lang="en-US" smtClean="0"/>
               <a:t>4</a:t>
+            </a:fld>
+            <a:endParaRPr lang="en-US"/>
+          </a:p>
+        </p:txBody>
+      </p:sp>
+    </p:spTree>
+    <p:extLst>
+      <p:ext uri="{BB962C8B-B14F-4D97-AF65-F5344CB8AC3E}">
+        <p14:creationId xmlns:p14="http://schemas.microsoft.com/office/powerpoint/2010/main" val="3882575008"/>
+      </p:ext>
+    </p:extLst>
+  </p:cSld>
+  <p:clrMapOvr>
+    <a:masterClrMapping/>
+  </p:clrMapOvr>
+</p:notes>
+</file>
+
+<file path=ppt/notesSlides/notesSlide4.xml><?xml version="1.0" encoding="utf-8"?>
+<p:notes xmlns:a="http://schemas.openxmlformats.org/drawingml/2006/main" xmlns:r="http://schemas.openxmlformats.org/officeDocument/2006/relationships" xmlns:p="http://schemas.openxmlformats.org/presentationml/2006/main">
+  <p:cSld>
+    <p:spTree>
+      <p:nvGrpSpPr>
+        <p:cNvPr id="1" name=""/>
+        <p:cNvGrpSpPr/>
+        <p:nvPr/>
+      </p:nvGrpSpPr>
+      <p:grpSpPr>
+        <a:xfrm>
+          <a:off x="0" y="0"/>
+          <a:ext cx="0" cy="0"/>
+          <a:chOff x="0" y="0"/>
+          <a:chExt cx="0" cy="0"/>
+        </a:xfrm>
+      </p:grpSpPr>
+      <p:sp>
+        <p:nvSpPr>
+          <p:cNvPr id="2" name="Slide Image Placeholder 1"/>
+          <p:cNvSpPr>
+            <a:spLocks noGrp="1" noRot="1" noChangeAspect="1"/>
+          </p:cNvSpPr>
+          <p:nvPr>
+            <p:ph type="sldImg"/>
+          </p:nvPr>
+        </p:nvSpPr>
+        <p:spPr/>
+      </p:sp>
+      <p:sp>
+        <p:nvSpPr>
+          <p:cNvPr id="3" name="Notes Placeholder 2"/>
+          <p:cNvSpPr>
+            <a:spLocks noGrp="1"/>
+          </p:cNvSpPr>
+          <p:nvPr>
+            <p:ph type="body" idx="1"/>
+          </p:nvPr>
+        </p:nvSpPr>
+        <p:spPr/>
+        <p:txBody>
+          <a:bodyPr/>
+          <a:lstStyle/>
+          <a:p>
+            <a:r>
+              <a:rPr lang="sv-SE" dirty="0" err="1"/>
+              <a:t>This</a:t>
+            </a:r>
+            <a:r>
+              <a:rPr lang="sv-SE" dirty="0"/>
+              <a:t> is </a:t>
+            </a:r>
+            <a:r>
+              <a:rPr lang="sv-SE" dirty="0" err="1"/>
+              <a:t>what</a:t>
+            </a:r>
+            <a:r>
+              <a:rPr lang="sv-SE" dirty="0"/>
+              <a:t> </a:t>
+            </a:r>
+            <a:r>
+              <a:rPr lang="sv-SE" dirty="0" err="1"/>
+              <a:t>we</a:t>
+            </a:r>
+            <a:r>
+              <a:rPr lang="sv-SE" dirty="0"/>
+              <a:t> </a:t>
+            </a:r>
+            <a:r>
+              <a:rPr lang="sv-SE" dirty="0" err="1"/>
+              <a:t>have</a:t>
+            </a:r>
+            <a:r>
+              <a:rPr lang="sv-SE" dirty="0"/>
+              <a:t> </a:t>
+            </a:r>
+            <a:r>
+              <a:rPr lang="sv-SE" dirty="0" err="1"/>
+              <a:t>done</a:t>
+            </a:r>
+            <a:r>
+              <a:rPr lang="sv-SE" dirty="0"/>
+              <a:t> in the </a:t>
+            </a:r>
+            <a:r>
+              <a:rPr lang="sv-SE" dirty="0" err="1"/>
+              <a:t>past</a:t>
+            </a:r>
+            <a:r>
+              <a:rPr lang="sv-SE" dirty="0"/>
+              <a:t> for </a:t>
+            </a:r>
+            <a:r>
+              <a:rPr lang="sv-SE" dirty="0" err="1"/>
+              <a:t>clients</a:t>
+            </a:r>
+            <a:endParaRPr lang="sv-SE" dirty="0"/>
+          </a:p>
+          <a:p>
+            <a:pPr marL="171450" indent="-171450">
+              <a:buFontTx/>
+              <a:buChar char="-"/>
+            </a:pPr>
+            <a:r>
+              <a:rPr lang="sv-SE" dirty="0" err="1"/>
+              <a:t>Cecking</a:t>
+            </a:r>
+            <a:r>
+              <a:rPr lang="sv-SE" dirty="0"/>
+              <a:t> </a:t>
+            </a:r>
+            <a:r>
+              <a:rPr lang="sv-SE" dirty="0" err="1"/>
+              <a:t>which</a:t>
+            </a:r>
+            <a:r>
+              <a:rPr lang="sv-SE" dirty="0"/>
+              <a:t> </a:t>
+            </a:r>
+            <a:r>
+              <a:rPr lang="sv-SE" dirty="0" err="1"/>
+              <a:t>of</a:t>
+            </a:r>
+            <a:r>
+              <a:rPr lang="sv-SE" dirty="0"/>
+              <a:t> the </a:t>
+            </a:r>
+            <a:r>
+              <a:rPr lang="sv-SE" dirty="0" err="1"/>
+              <a:t>projects</a:t>
+            </a:r>
+            <a:r>
+              <a:rPr lang="sv-SE" dirty="0"/>
+              <a:t> </a:t>
+            </a:r>
+            <a:r>
+              <a:rPr lang="sv-SE" dirty="0" err="1"/>
+              <a:t>will</a:t>
+            </a:r>
+            <a:r>
+              <a:rPr lang="sv-SE" dirty="0"/>
+              <a:t> be </a:t>
+            </a:r>
+            <a:r>
+              <a:rPr lang="sv-SE" dirty="0" err="1"/>
+              <a:t>successfull</a:t>
+            </a:r>
+            <a:r>
+              <a:rPr lang="sv-SE" dirty="0"/>
+              <a:t> </a:t>
+            </a:r>
+          </a:p>
+          <a:p>
+            <a:pPr marL="171450" indent="-171450">
+              <a:buFontTx/>
+              <a:buChar char="-"/>
+            </a:pPr>
+            <a:r>
+              <a:rPr lang="sv-SE" dirty="0" err="1"/>
+              <a:t>Maintenance</a:t>
+            </a:r>
+            <a:r>
+              <a:rPr lang="sv-SE" dirty="0"/>
+              <a:t> </a:t>
+            </a:r>
+            <a:r>
+              <a:rPr lang="sv-SE" dirty="0" err="1"/>
+              <a:t>prioritisation</a:t>
+            </a:r>
+            <a:r>
+              <a:rPr lang="sv-SE" dirty="0"/>
+              <a:t> for </a:t>
+            </a:r>
+            <a:r>
+              <a:rPr lang="sv-SE" dirty="0" err="1"/>
+              <a:t>vehicles</a:t>
+            </a:r>
+            <a:endParaRPr lang="sv-SE" dirty="0"/>
+          </a:p>
+          <a:p>
+            <a:pPr marL="171450" indent="-171450">
+              <a:buFontTx/>
+              <a:buChar char="-"/>
+            </a:pPr>
+            <a:r>
+              <a:rPr lang="sv-SE" dirty="0" err="1"/>
+              <a:t>Targeted</a:t>
+            </a:r>
+            <a:r>
+              <a:rPr lang="sv-SE" dirty="0"/>
+              <a:t> marketing </a:t>
+            </a:r>
+            <a:r>
+              <a:rPr lang="sv-SE" dirty="0" err="1"/>
+              <a:t>algos</a:t>
+            </a:r>
+            <a:endParaRPr lang="sv-SE" dirty="0"/>
+          </a:p>
+          <a:p>
+            <a:pPr marL="171450" lvl="0" indent="-171450">
+              <a:buFontTx/>
+              <a:buChar char="-"/>
+            </a:pPr>
+            <a:r>
+              <a:rPr lang="sv-SE" dirty="0" err="1"/>
+              <a:t>Comination</a:t>
+            </a:r>
+            <a:r>
+              <a:rPr lang="sv-SE" dirty="0"/>
+              <a:t> </a:t>
+            </a:r>
+            <a:r>
+              <a:rPr lang="sv-SE" dirty="0" err="1"/>
+              <a:t>of</a:t>
+            </a:r>
+            <a:r>
+              <a:rPr lang="sv-SE" dirty="0"/>
+              <a:t> </a:t>
+            </a:r>
+            <a:r>
+              <a:rPr lang="sv-SE" dirty="0" err="1"/>
+              <a:t>cases</a:t>
+            </a:r>
+            <a:r>
+              <a:rPr lang="sv-SE" dirty="0"/>
+              <a:t> 1 and 3 </a:t>
+            </a:r>
+          </a:p>
+        </p:txBody>
+      </p:sp>
+      <p:sp>
+        <p:nvSpPr>
+          <p:cNvPr id="4" name="Slide Number Placeholder 3"/>
+          <p:cNvSpPr>
+            <a:spLocks noGrp="1"/>
+          </p:cNvSpPr>
+          <p:nvPr>
+            <p:ph type="sldNum" sz="quarter" idx="5"/>
+          </p:nvPr>
+        </p:nvSpPr>
+        <p:spPr/>
+        <p:txBody>
+          <a:bodyPr/>
+          <a:lstStyle/>
+          <a:p>
+            <a:fld id="{2F319D35-DDD6-4A50-856E-577E9C784DE2}" type="slidenum">
+              <a:rPr lang="en-US" smtClean="0"/>
+              <a:t>5</a:t>
             </a:fld>
             <a:endParaRPr lang="en-US"/>
           </a:p>
@@ -1580,6 +2683,881 @@
     <p:extLst>
       <p:ext uri="{BB962C8B-B14F-4D97-AF65-F5344CB8AC3E}">
         <p14:creationId xmlns:p14="http://schemas.microsoft.com/office/powerpoint/2010/main" val="1268027643"/>
+      </p:ext>
+    </p:extLst>
+  </p:cSld>
+  <p:clrMapOvr>
+    <a:masterClrMapping/>
+  </p:clrMapOvr>
+</p:notes>
+</file>
+
+<file path=ppt/notesSlides/notesSlide5.xml><?xml version="1.0" encoding="utf-8"?>
+<p:notes xmlns:a="http://schemas.openxmlformats.org/drawingml/2006/main" xmlns:r="http://schemas.openxmlformats.org/officeDocument/2006/relationships" xmlns:p="http://schemas.openxmlformats.org/presentationml/2006/main">
+  <p:cSld>
+    <p:spTree>
+      <p:nvGrpSpPr>
+        <p:cNvPr id="1" name=""/>
+        <p:cNvGrpSpPr/>
+        <p:nvPr/>
+      </p:nvGrpSpPr>
+      <p:grpSpPr>
+        <a:xfrm>
+          <a:off x="0" y="0"/>
+          <a:ext cx="0" cy="0"/>
+          <a:chOff x="0" y="0"/>
+          <a:chExt cx="0" cy="0"/>
+        </a:xfrm>
+      </p:grpSpPr>
+      <p:sp>
+        <p:nvSpPr>
+          <p:cNvPr id="2" name="Slide Image Placeholder 1"/>
+          <p:cNvSpPr>
+            <a:spLocks noGrp="1" noRot="1" noChangeAspect="1"/>
+          </p:cNvSpPr>
+          <p:nvPr>
+            <p:ph type="sldImg"/>
+          </p:nvPr>
+        </p:nvSpPr>
+        <p:spPr/>
+      </p:sp>
+      <p:sp>
+        <p:nvSpPr>
+          <p:cNvPr id="3" name="Notes Placeholder 2"/>
+          <p:cNvSpPr>
+            <a:spLocks noGrp="1"/>
+          </p:cNvSpPr>
+          <p:nvPr>
+            <p:ph type="body" idx="1"/>
+          </p:nvPr>
+        </p:nvSpPr>
+        <p:spPr/>
+        <p:txBody>
+          <a:bodyPr/>
+          <a:lstStyle/>
+          <a:p>
+            <a:r>
+              <a:rPr lang="sv-SE" dirty="0" err="1"/>
+              <a:t>Allows</a:t>
+            </a:r>
+            <a:r>
+              <a:rPr lang="sv-SE" dirty="0"/>
+              <a:t> </a:t>
+            </a:r>
+            <a:r>
+              <a:rPr lang="sv-SE" dirty="0" err="1"/>
+              <a:t>you</a:t>
+            </a:r>
+            <a:r>
+              <a:rPr lang="sv-SE" dirty="0"/>
+              <a:t> to </a:t>
+            </a:r>
+            <a:r>
+              <a:rPr lang="sv-SE" dirty="0" err="1"/>
+              <a:t>treat</a:t>
+            </a:r>
+            <a:r>
+              <a:rPr lang="sv-SE" dirty="0"/>
+              <a:t> </a:t>
+            </a:r>
+            <a:r>
+              <a:rPr lang="sv-SE" dirty="0" err="1"/>
+              <a:t>your</a:t>
+            </a:r>
+            <a:r>
+              <a:rPr lang="sv-SE" dirty="0"/>
+              <a:t> </a:t>
+            </a:r>
+            <a:r>
+              <a:rPr lang="sv-SE" dirty="0" err="1"/>
+              <a:t>customers</a:t>
+            </a:r>
+            <a:r>
+              <a:rPr lang="sv-SE" dirty="0"/>
+              <a:t> </a:t>
+            </a:r>
+            <a:r>
+              <a:rPr lang="sv-SE" dirty="0" err="1"/>
+              <a:t>individually</a:t>
+            </a:r>
+            <a:r>
+              <a:rPr lang="sv-SE" dirty="0"/>
+              <a:t>, </a:t>
+            </a:r>
+            <a:r>
+              <a:rPr lang="sv-SE" dirty="0" err="1"/>
+              <a:t>tailoring</a:t>
+            </a:r>
+            <a:r>
+              <a:rPr lang="sv-SE" dirty="0"/>
+              <a:t> </a:t>
+            </a:r>
+            <a:r>
+              <a:rPr lang="sv-SE" dirty="0" err="1"/>
+              <a:t>their</a:t>
+            </a:r>
+            <a:r>
+              <a:rPr lang="sv-SE" dirty="0"/>
+              <a:t> </a:t>
+            </a:r>
+            <a:r>
+              <a:rPr lang="sv-SE" dirty="0" err="1"/>
+              <a:t>experience</a:t>
+            </a:r>
+            <a:r>
+              <a:rPr lang="sv-SE" dirty="0"/>
+              <a:t> </a:t>
+            </a:r>
+            <a:r>
+              <a:rPr lang="sv-SE" dirty="0" err="1"/>
+              <a:t>with</a:t>
+            </a:r>
+            <a:r>
+              <a:rPr lang="sv-SE" dirty="0"/>
+              <a:t> </a:t>
+            </a:r>
+            <a:r>
+              <a:rPr lang="sv-SE" dirty="0" err="1"/>
+              <a:t>your</a:t>
+            </a:r>
+            <a:r>
+              <a:rPr lang="sv-SE" dirty="0"/>
+              <a:t> </a:t>
+            </a:r>
+            <a:r>
+              <a:rPr lang="sv-SE" dirty="0" err="1"/>
+              <a:t>products</a:t>
+            </a:r>
+            <a:r>
+              <a:rPr lang="sv-SE" dirty="0"/>
+              <a:t> </a:t>
+            </a:r>
+            <a:r>
+              <a:rPr lang="sv-SE" dirty="0" err="1"/>
+              <a:t>based</a:t>
+            </a:r>
+            <a:r>
+              <a:rPr lang="sv-SE" dirty="0"/>
+              <a:t> on </a:t>
+            </a:r>
+            <a:r>
+              <a:rPr lang="sv-SE" dirty="0" err="1"/>
+              <a:t>their</a:t>
+            </a:r>
+            <a:r>
+              <a:rPr lang="sv-SE" dirty="0"/>
+              <a:t> </a:t>
+            </a:r>
+            <a:r>
+              <a:rPr lang="sv-SE" dirty="0" err="1"/>
+              <a:t>behaviour</a:t>
+            </a:r>
+            <a:r>
+              <a:rPr lang="sv-SE" dirty="0"/>
+              <a:t> </a:t>
+            </a:r>
+          </a:p>
+          <a:p>
+            <a:endParaRPr lang="sv-SE" dirty="0"/>
+          </a:p>
+          <a:p>
+            <a:r>
+              <a:rPr lang="sv-SE" dirty="0" err="1"/>
+              <a:t>Since</a:t>
+            </a:r>
+            <a:r>
+              <a:rPr lang="sv-SE" dirty="0"/>
+              <a:t> </a:t>
+            </a:r>
+            <a:r>
+              <a:rPr lang="sv-SE" dirty="0" err="1"/>
+              <a:t>thre</a:t>
+            </a:r>
+            <a:r>
+              <a:rPr lang="sv-SE" dirty="0"/>
+              <a:t> is a </a:t>
+            </a:r>
+            <a:r>
+              <a:rPr lang="sv-SE" dirty="0" err="1"/>
+              <a:t>campaign</a:t>
+            </a:r>
+            <a:r>
+              <a:rPr lang="sv-SE" dirty="0"/>
+              <a:t> going on right </a:t>
+            </a:r>
+            <a:r>
+              <a:rPr lang="sv-SE" dirty="0" err="1"/>
+              <a:t>now</a:t>
+            </a:r>
+            <a:r>
+              <a:rPr lang="sv-SE" dirty="0"/>
+              <a:t> it </a:t>
+            </a:r>
+            <a:r>
+              <a:rPr lang="sv-SE" dirty="0" err="1"/>
+              <a:t>would</a:t>
+            </a:r>
+            <a:r>
+              <a:rPr lang="sv-SE" dirty="0"/>
+              <a:t> be </a:t>
+            </a:r>
+            <a:r>
+              <a:rPr lang="sv-SE" dirty="0" err="1"/>
+              <a:t>beneficial</a:t>
+            </a:r>
+            <a:r>
+              <a:rPr lang="sv-SE" dirty="0"/>
+              <a:t> to </a:t>
+            </a:r>
+            <a:r>
+              <a:rPr lang="sv-SE" dirty="0" err="1"/>
+              <a:t>use</a:t>
+            </a:r>
+            <a:r>
+              <a:rPr lang="sv-SE" dirty="0"/>
+              <a:t> the </a:t>
+            </a:r>
+            <a:r>
+              <a:rPr lang="sv-SE" dirty="0" err="1"/>
+              <a:t>existing</a:t>
+            </a:r>
+            <a:r>
+              <a:rPr lang="sv-SE" dirty="0"/>
+              <a:t> data and try to </a:t>
+            </a:r>
+            <a:r>
+              <a:rPr lang="sv-SE" dirty="0" err="1"/>
+              <a:t>create</a:t>
+            </a:r>
+            <a:r>
+              <a:rPr lang="sv-SE" dirty="0"/>
+              <a:t> a </a:t>
+            </a:r>
+            <a:r>
+              <a:rPr lang="sv-SE" dirty="0" err="1"/>
+              <a:t>model</a:t>
+            </a:r>
+            <a:r>
+              <a:rPr lang="sv-SE" dirty="0"/>
+              <a:t> for the </a:t>
+            </a:r>
+            <a:r>
+              <a:rPr lang="sv-SE" dirty="0" err="1"/>
+              <a:t>current</a:t>
+            </a:r>
+            <a:r>
+              <a:rPr lang="sv-SE" dirty="0"/>
+              <a:t> </a:t>
+            </a:r>
+            <a:r>
+              <a:rPr lang="sv-SE" dirty="0" err="1"/>
+              <a:t>campaign</a:t>
+            </a:r>
+            <a:r>
+              <a:rPr lang="sv-SE" dirty="0"/>
+              <a:t> to </a:t>
+            </a:r>
+            <a:r>
+              <a:rPr lang="sv-SE" dirty="0" err="1"/>
+              <a:t>see</a:t>
+            </a:r>
+            <a:r>
+              <a:rPr lang="sv-SE" dirty="0"/>
+              <a:t> </a:t>
+            </a:r>
+            <a:r>
+              <a:rPr lang="sv-SE" dirty="0" err="1"/>
+              <a:t>how</a:t>
+            </a:r>
+            <a:r>
+              <a:rPr lang="sv-SE" dirty="0"/>
+              <a:t> it </a:t>
+            </a:r>
+            <a:r>
+              <a:rPr lang="sv-SE" dirty="0" err="1"/>
+              <a:t>could</a:t>
+            </a:r>
+            <a:r>
+              <a:rPr lang="sv-SE" dirty="0"/>
+              <a:t> </a:t>
+            </a:r>
+            <a:r>
+              <a:rPr lang="sv-SE" dirty="0" err="1"/>
+              <a:t>have</a:t>
+            </a:r>
+            <a:r>
+              <a:rPr lang="sv-SE" dirty="0"/>
+              <a:t> </a:t>
+            </a:r>
+            <a:r>
+              <a:rPr lang="sv-SE" dirty="0" err="1"/>
+              <a:t>performed</a:t>
+            </a:r>
+            <a:r>
+              <a:rPr lang="sv-SE" dirty="0"/>
+              <a:t> so </a:t>
+            </a:r>
+            <a:r>
+              <a:rPr lang="sv-SE" dirty="0" err="1"/>
+              <a:t>we</a:t>
+            </a:r>
+            <a:r>
+              <a:rPr lang="sv-SE" dirty="0"/>
+              <a:t> </a:t>
+            </a:r>
+            <a:r>
+              <a:rPr lang="sv-SE" dirty="0" err="1"/>
+              <a:t>can</a:t>
+            </a:r>
+            <a:r>
+              <a:rPr lang="sv-SE" dirty="0"/>
+              <a:t> </a:t>
+            </a:r>
+            <a:r>
+              <a:rPr lang="sv-SE" dirty="0" err="1"/>
+              <a:t>create</a:t>
+            </a:r>
+            <a:r>
+              <a:rPr lang="sv-SE" dirty="0"/>
+              <a:t> a </a:t>
+            </a:r>
+            <a:r>
+              <a:rPr lang="sv-SE" dirty="0" err="1"/>
+              <a:t>baseline</a:t>
+            </a:r>
+            <a:r>
+              <a:rPr lang="sv-SE" dirty="0"/>
+              <a:t> for </a:t>
+            </a:r>
+            <a:r>
+              <a:rPr lang="sv-SE" dirty="0" err="1"/>
+              <a:t>how</a:t>
+            </a:r>
+            <a:r>
+              <a:rPr lang="sv-SE" dirty="0"/>
+              <a:t> </a:t>
+            </a:r>
+            <a:r>
+              <a:rPr lang="sv-SE" dirty="0" err="1"/>
+              <a:t>much</a:t>
+            </a:r>
+            <a:r>
+              <a:rPr lang="sv-SE" dirty="0"/>
+              <a:t> </a:t>
+            </a:r>
+            <a:r>
+              <a:rPr lang="sv-SE" dirty="0" err="1"/>
+              <a:t>we</a:t>
+            </a:r>
+            <a:r>
+              <a:rPr lang="sv-SE" dirty="0"/>
+              <a:t> </a:t>
+            </a:r>
+            <a:r>
+              <a:rPr lang="sv-SE" dirty="0" err="1"/>
+              <a:t>can</a:t>
+            </a:r>
+            <a:r>
+              <a:rPr lang="sv-SE" dirty="0"/>
+              <a:t> </a:t>
+            </a:r>
+            <a:r>
+              <a:rPr lang="sv-SE" dirty="0" err="1"/>
+              <a:t>better</a:t>
+            </a:r>
+            <a:r>
+              <a:rPr lang="sv-SE" dirty="0"/>
+              <a:t> the </a:t>
+            </a:r>
+            <a:r>
+              <a:rPr lang="sv-SE" dirty="0" err="1"/>
+              <a:t>numbers</a:t>
+            </a:r>
+            <a:r>
+              <a:rPr lang="sv-SE" dirty="0"/>
+              <a:t>.</a:t>
+            </a:r>
+          </a:p>
+        </p:txBody>
+      </p:sp>
+      <p:sp>
+        <p:nvSpPr>
+          <p:cNvPr id="4" name="Slide Number Placeholder 3"/>
+          <p:cNvSpPr>
+            <a:spLocks noGrp="1"/>
+          </p:cNvSpPr>
+          <p:nvPr>
+            <p:ph type="sldNum" sz="quarter" idx="5"/>
+          </p:nvPr>
+        </p:nvSpPr>
+        <p:spPr/>
+        <p:txBody>
+          <a:bodyPr/>
+          <a:lstStyle/>
+          <a:p>
+            <a:fld id="{2F319D35-DDD6-4A50-856E-577E9C784DE2}" type="slidenum">
+              <a:rPr lang="en-US" smtClean="0"/>
+              <a:t>6</a:t>
+            </a:fld>
+            <a:endParaRPr lang="en-US"/>
+          </a:p>
+        </p:txBody>
+      </p:sp>
+    </p:spTree>
+    <p:extLst>
+      <p:ext uri="{BB962C8B-B14F-4D97-AF65-F5344CB8AC3E}">
+        <p14:creationId xmlns:p14="http://schemas.microsoft.com/office/powerpoint/2010/main" val="3672002206"/>
+      </p:ext>
+    </p:extLst>
+  </p:cSld>
+  <p:clrMapOvr>
+    <a:masterClrMapping/>
+  </p:clrMapOvr>
+</p:notes>
+</file>
+
+<file path=ppt/notesSlides/notesSlide6.xml><?xml version="1.0" encoding="utf-8"?>
+<p:notes xmlns:a="http://schemas.openxmlformats.org/drawingml/2006/main" xmlns:r="http://schemas.openxmlformats.org/officeDocument/2006/relationships" xmlns:p="http://schemas.openxmlformats.org/presentationml/2006/main">
+  <p:cSld>
+    <p:spTree>
+      <p:nvGrpSpPr>
+        <p:cNvPr id="1" name=""/>
+        <p:cNvGrpSpPr/>
+        <p:nvPr/>
+      </p:nvGrpSpPr>
+      <p:grpSpPr>
+        <a:xfrm>
+          <a:off x="0" y="0"/>
+          <a:ext cx="0" cy="0"/>
+          <a:chOff x="0" y="0"/>
+          <a:chExt cx="0" cy="0"/>
+        </a:xfrm>
+      </p:grpSpPr>
+      <p:sp>
+        <p:nvSpPr>
+          <p:cNvPr id="2" name="Slide Image Placeholder 1"/>
+          <p:cNvSpPr>
+            <a:spLocks noGrp="1" noRot="1" noChangeAspect="1"/>
+          </p:cNvSpPr>
+          <p:nvPr>
+            <p:ph type="sldImg"/>
+          </p:nvPr>
+        </p:nvSpPr>
+        <p:spPr/>
+      </p:sp>
+      <p:sp>
+        <p:nvSpPr>
+          <p:cNvPr id="3" name="Notes Placeholder 2"/>
+          <p:cNvSpPr>
+            <a:spLocks noGrp="1"/>
+          </p:cNvSpPr>
+          <p:nvPr>
+            <p:ph type="body" idx="1"/>
+          </p:nvPr>
+        </p:nvSpPr>
+        <p:spPr/>
+        <p:txBody>
+          <a:bodyPr/>
+          <a:lstStyle/>
+          <a:p>
+            <a:r>
+              <a:rPr lang="en-US" dirty="0"/>
+              <a:t>This is the standard methodology and process we are proposing to be followed in this project.</a:t>
+            </a:r>
+          </a:p>
+          <a:p>
+            <a:pPr marL="171450" indent="-171450">
+              <a:buFontTx/>
+              <a:buChar char="-"/>
+            </a:pPr>
+            <a:r>
+              <a:rPr lang="sv-SE" dirty="0" err="1"/>
+              <a:t>We</a:t>
+            </a:r>
+            <a:r>
+              <a:rPr lang="sv-SE" dirty="0"/>
+              <a:t> </a:t>
+            </a:r>
+            <a:r>
+              <a:rPr lang="sv-SE" dirty="0" err="1"/>
+              <a:t>are</a:t>
+            </a:r>
+            <a:r>
+              <a:rPr lang="sv-SE" dirty="0"/>
+              <a:t> </a:t>
+            </a:r>
+            <a:r>
+              <a:rPr lang="sv-SE" dirty="0" err="1"/>
+              <a:t>already</a:t>
+            </a:r>
+            <a:r>
+              <a:rPr lang="sv-SE" dirty="0"/>
+              <a:t> </a:t>
+            </a:r>
+            <a:r>
+              <a:rPr lang="sv-SE" dirty="0" err="1"/>
+              <a:t>halfway</a:t>
+            </a:r>
+            <a:r>
+              <a:rPr lang="sv-SE" dirty="0"/>
+              <a:t> down </a:t>
+            </a:r>
+            <a:r>
+              <a:rPr lang="sv-SE" dirty="0" err="1"/>
+              <a:t>phase</a:t>
+            </a:r>
+            <a:r>
+              <a:rPr lang="sv-SE" dirty="0"/>
+              <a:t> 1 and </a:t>
+            </a:r>
+            <a:r>
+              <a:rPr lang="sv-SE" dirty="0" err="1"/>
+              <a:t>have</a:t>
+            </a:r>
+            <a:r>
+              <a:rPr lang="sv-SE" dirty="0"/>
+              <a:t> </a:t>
+            </a:r>
+            <a:r>
+              <a:rPr lang="sv-SE" dirty="0" err="1"/>
+              <a:t>some</a:t>
+            </a:r>
+            <a:r>
+              <a:rPr lang="sv-SE" dirty="0"/>
+              <a:t> steps </a:t>
+            </a:r>
+            <a:r>
+              <a:rPr lang="sv-SE" dirty="0" err="1"/>
+              <a:t>of</a:t>
+            </a:r>
+            <a:r>
+              <a:rPr lang="sv-SE" dirty="0"/>
+              <a:t> </a:t>
+            </a:r>
+            <a:r>
+              <a:rPr lang="sv-SE" dirty="0" err="1"/>
+              <a:t>phase</a:t>
+            </a:r>
+            <a:r>
+              <a:rPr lang="sv-SE" dirty="0"/>
+              <a:t> 2 </a:t>
+            </a:r>
+            <a:r>
+              <a:rPr lang="sv-SE" dirty="0" err="1"/>
+              <a:t>initiated</a:t>
+            </a:r>
+            <a:r>
+              <a:rPr lang="sv-SE" dirty="0"/>
+              <a:t> </a:t>
+            </a:r>
+          </a:p>
+          <a:p>
+            <a:pPr marL="171450" indent="-171450">
+              <a:buFontTx/>
+              <a:buChar char="-"/>
+            </a:pPr>
+            <a:r>
+              <a:rPr lang="sv-SE" dirty="0" err="1"/>
+              <a:t>One</a:t>
+            </a:r>
+            <a:r>
+              <a:rPr lang="sv-SE" dirty="0"/>
+              <a:t> </a:t>
+            </a:r>
+            <a:r>
+              <a:rPr lang="sv-SE" dirty="0" err="1"/>
+              <a:t>question</a:t>
+            </a:r>
+            <a:r>
+              <a:rPr lang="sv-SE" dirty="0"/>
+              <a:t> is </a:t>
+            </a:r>
+            <a:r>
+              <a:rPr lang="sv-SE" dirty="0" err="1"/>
+              <a:t>if</a:t>
+            </a:r>
+            <a:r>
+              <a:rPr lang="sv-SE" dirty="0"/>
+              <a:t> </a:t>
+            </a:r>
+            <a:r>
+              <a:rPr lang="sv-SE" dirty="0" err="1"/>
+              <a:t>they</a:t>
+            </a:r>
+            <a:r>
+              <a:rPr lang="sv-SE" dirty="0"/>
+              <a:t> </a:t>
+            </a:r>
+            <a:r>
+              <a:rPr lang="sv-SE" dirty="0" err="1"/>
+              <a:t>have</a:t>
+            </a:r>
+            <a:r>
+              <a:rPr lang="sv-SE" dirty="0"/>
+              <a:t> </a:t>
+            </a:r>
+            <a:r>
+              <a:rPr lang="sv-SE" dirty="0" err="1"/>
+              <a:t>existing</a:t>
+            </a:r>
+            <a:r>
+              <a:rPr lang="sv-SE" dirty="0"/>
+              <a:t> age </a:t>
+            </a:r>
+            <a:r>
+              <a:rPr lang="sv-SE" dirty="0" err="1"/>
+              <a:t>groups</a:t>
+            </a:r>
+            <a:r>
+              <a:rPr lang="sv-SE" dirty="0"/>
+              <a:t> </a:t>
+            </a:r>
+            <a:r>
+              <a:rPr lang="sv-SE" dirty="0" err="1"/>
+              <a:t>they</a:t>
+            </a:r>
+            <a:r>
+              <a:rPr lang="sv-SE" dirty="0"/>
+              <a:t> </a:t>
+            </a:r>
+            <a:r>
+              <a:rPr lang="sv-SE" dirty="0" err="1"/>
+              <a:t>would</a:t>
+            </a:r>
+            <a:r>
+              <a:rPr lang="sv-SE" dirty="0"/>
+              <a:t> like to </a:t>
+            </a:r>
+            <a:r>
+              <a:rPr lang="sv-SE" dirty="0" err="1"/>
+              <a:t>use</a:t>
+            </a:r>
+            <a:r>
+              <a:rPr lang="sv-SE" dirty="0"/>
+              <a:t>? (18-95)</a:t>
+            </a:r>
+          </a:p>
+          <a:p>
+            <a:pPr marL="628650" lvl="1" indent="-171450">
+              <a:buFontTx/>
+              <a:buChar char="-"/>
+            </a:pPr>
+            <a:r>
+              <a:rPr lang="en-US" b="0" i="0" dirty="0">
+                <a:solidFill>
+                  <a:srgbClr val="141414"/>
+                </a:solidFill>
+                <a:effectLst/>
+                <a:latin typeface="Akkurat"/>
+              </a:rPr>
+              <a:t>18 and 34; 35 - 50; 51 – 69; 70 – 87; 88 - 95</a:t>
+            </a:r>
+            <a:endParaRPr lang="sv-SE" dirty="0"/>
+          </a:p>
+          <a:p>
+            <a:pPr marL="171450" indent="-171450">
+              <a:buFontTx/>
+              <a:buChar char="-"/>
+            </a:pPr>
+            <a:r>
+              <a:rPr lang="sv-SE" dirty="0"/>
+              <a:t>Or </a:t>
+            </a:r>
+            <a:r>
+              <a:rPr lang="sv-SE" dirty="0" err="1"/>
+              <a:t>any</a:t>
+            </a:r>
+            <a:r>
+              <a:rPr lang="sv-SE" dirty="0"/>
+              <a:t> </a:t>
+            </a:r>
+            <a:r>
+              <a:rPr lang="sv-SE" dirty="0" err="1"/>
+              <a:t>other</a:t>
+            </a:r>
+            <a:r>
+              <a:rPr lang="sv-SE" dirty="0"/>
+              <a:t> business </a:t>
+            </a:r>
+            <a:r>
+              <a:rPr lang="sv-SE" dirty="0" err="1"/>
+              <a:t>rule</a:t>
+            </a:r>
+            <a:r>
+              <a:rPr lang="sv-SE" dirty="0"/>
+              <a:t> </a:t>
+            </a:r>
+            <a:r>
+              <a:rPr lang="sv-SE" dirty="0" err="1"/>
+              <a:t>there</a:t>
+            </a:r>
+            <a:r>
+              <a:rPr lang="sv-SE" dirty="0"/>
+              <a:t> is for </a:t>
+            </a:r>
+            <a:r>
+              <a:rPr lang="sv-SE" dirty="0" err="1"/>
+              <a:t>this</a:t>
+            </a:r>
+            <a:r>
+              <a:rPr lang="sv-SE" dirty="0"/>
+              <a:t> data</a:t>
+            </a:r>
+          </a:p>
+          <a:p>
+            <a:pPr marL="171450" indent="-171450">
+              <a:buFontTx/>
+              <a:buChar char="-"/>
+            </a:pPr>
+            <a:r>
+              <a:rPr lang="sv-SE" dirty="0" err="1"/>
+              <a:t>What</a:t>
+            </a:r>
+            <a:r>
+              <a:rPr lang="sv-SE" dirty="0"/>
+              <a:t> </a:t>
+            </a:r>
+            <a:r>
+              <a:rPr lang="sv-SE" dirty="0" err="1"/>
+              <a:t>does</a:t>
+            </a:r>
+            <a:r>
+              <a:rPr lang="sv-SE" dirty="0"/>
+              <a:t> </a:t>
+            </a:r>
+            <a:r>
+              <a:rPr lang="sv-SE" dirty="0" err="1"/>
+              <a:t>other</a:t>
+            </a:r>
+            <a:r>
+              <a:rPr lang="sv-SE" dirty="0"/>
+              <a:t> </a:t>
+            </a:r>
+            <a:r>
+              <a:rPr lang="sv-SE" dirty="0" err="1"/>
+              <a:t>mean</a:t>
+            </a:r>
+            <a:r>
+              <a:rPr lang="sv-SE" dirty="0"/>
+              <a:t> in the </a:t>
+            </a:r>
+            <a:r>
+              <a:rPr lang="sv-SE" dirty="0" err="1"/>
+              <a:t>poutcome</a:t>
+            </a:r>
+            <a:endParaRPr lang="sv-SE" dirty="0"/>
+          </a:p>
+          <a:p>
+            <a:pPr marL="628650" lvl="1" indent="-171450">
+              <a:buFontTx/>
+              <a:buChar char="-"/>
+            </a:pPr>
+            <a:r>
+              <a:rPr lang="sv-SE" dirty="0"/>
+              <a:t>50 </a:t>
+            </a:r>
+            <a:r>
+              <a:rPr lang="sv-SE" dirty="0" err="1"/>
+              <a:t>low</a:t>
+            </a:r>
+            <a:r>
+              <a:rPr lang="sv-SE" dirty="0"/>
+              <a:t>, 30 mid, 20 </a:t>
+            </a:r>
+            <a:r>
+              <a:rPr lang="sv-SE" dirty="0" err="1"/>
+              <a:t>high</a:t>
+            </a:r>
+            <a:endParaRPr lang="sv-SE" dirty="0"/>
+          </a:p>
+          <a:p>
+            <a:pPr marL="628650" lvl="1" indent="-171450">
+              <a:buFontTx/>
+              <a:buChar char="-"/>
+            </a:pPr>
+            <a:endParaRPr lang="sv-SE" dirty="0"/>
+          </a:p>
+          <a:p>
+            <a:pPr marL="628650" lvl="1" indent="-171450">
+              <a:buFontTx/>
+              <a:buChar char="-"/>
+            </a:pPr>
+            <a:endParaRPr lang="sv-SE" dirty="0"/>
+          </a:p>
+          <a:p>
+            <a:pPr marL="628650" lvl="1" indent="-171450">
+              <a:buFontTx/>
+              <a:buChar char="-"/>
+            </a:pPr>
+            <a:endParaRPr lang="sv-SE" dirty="0"/>
+          </a:p>
+          <a:p>
+            <a:pPr marL="628650" lvl="1" indent="-171450">
+              <a:buFontTx/>
+              <a:buChar char="-"/>
+            </a:pPr>
+            <a:r>
+              <a:rPr lang="sv-SE" dirty="0" err="1"/>
+              <a:t>Timeline</a:t>
+            </a:r>
+            <a:r>
+              <a:rPr lang="sv-SE" dirty="0"/>
+              <a:t> for </a:t>
+            </a:r>
+            <a:r>
+              <a:rPr lang="sv-SE" dirty="0" err="1"/>
+              <a:t>meetigs</a:t>
+            </a:r>
+            <a:r>
+              <a:rPr lang="sv-SE" dirty="0"/>
+              <a:t> and stuff, in </a:t>
+            </a:r>
+            <a:r>
+              <a:rPr lang="sv-SE" dirty="0" err="1"/>
+              <a:t>slide</a:t>
+            </a:r>
+            <a:r>
+              <a:rPr lang="sv-SE" dirty="0"/>
+              <a:t> (</a:t>
+            </a:r>
+            <a:r>
+              <a:rPr lang="sv-SE" dirty="0" err="1"/>
+              <a:t>contracts</a:t>
+            </a:r>
+            <a:r>
+              <a:rPr lang="sv-SE" dirty="0"/>
+              <a:t>, meetings, deadlines…)</a:t>
+            </a:r>
+          </a:p>
+        </p:txBody>
+      </p:sp>
+      <p:sp>
+        <p:nvSpPr>
+          <p:cNvPr id="4" name="Slide Number Placeholder 3"/>
+          <p:cNvSpPr>
+            <a:spLocks noGrp="1"/>
+          </p:cNvSpPr>
+          <p:nvPr>
+            <p:ph type="sldNum" sz="quarter" idx="5"/>
+          </p:nvPr>
+        </p:nvSpPr>
+        <p:spPr/>
+        <p:txBody>
+          <a:bodyPr/>
+          <a:lstStyle/>
+          <a:p>
+            <a:fld id="{2F319D35-DDD6-4A50-856E-577E9C784DE2}" type="slidenum">
+              <a:rPr lang="en-US" smtClean="0"/>
+              <a:t>7</a:t>
+            </a:fld>
+            <a:endParaRPr lang="en-US"/>
+          </a:p>
+        </p:txBody>
+      </p:sp>
+    </p:spTree>
+    <p:extLst>
+      <p:ext uri="{BB962C8B-B14F-4D97-AF65-F5344CB8AC3E}">
+        <p14:creationId xmlns:p14="http://schemas.microsoft.com/office/powerpoint/2010/main" val="1079921957"/>
       </p:ext>
     </p:extLst>
   </p:cSld>
@@ -1755,7 +3733,7 @@
           <a:p>
             <a:fld id="{2596040C-EDF0-4886-A7F4-CC7275106759}" type="datetime1">
               <a:rPr lang="en-US" smtClean="0"/>
-              <a:t>10/5/2022</a:t>
+              <a:t>10/17/2022</a:t>
             </a:fld>
             <a:endParaRPr lang="en-US"/>
           </a:p>
@@ -1983,7 +3961,7 @@
           <a:p>
             <a:fld id="{A9AB284A-F62E-4A83-81C8-4C322C263973}" type="datetime1">
               <a:rPr lang="en-US" smtClean="0"/>
-              <a:t>10/5/2022</a:t>
+              <a:t>10/17/2022</a:t>
             </a:fld>
             <a:endParaRPr lang="en-US"/>
           </a:p>
@@ -2435,7 +4413,7 @@
           <a:p>
             <a:fld id="{650C74F3-63A6-48A5-B72F-A86B4D2B89AA}" type="datetime1">
               <a:rPr lang="en-US" smtClean="0"/>
-              <a:t>10/5/2022</a:t>
+              <a:t>10/17/2022</a:t>
             </a:fld>
             <a:endParaRPr lang="en-US"/>
           </a:p>
@@ -2635,7 +4613,7 @@
           <a:p>
             <a:fld id="{0A173201-05BC-4EEC-8B46-67989DE22D36}" type="datetime1">
               <a:rPr lang="en-US" smtClean="0"/>
-              <a:t>10/5/2022</a:t>
+              <a:t>10/17/2022</a:t>
             </a:fld>
             <a:endParaRPr lang="en-US"/>
           </a:p>
@@ -3008,7 +4986,7 @@
           <a:p>
             <a:fld id="{3BA13D6B-2270-4601-95A2-214F7D62C768}" type="datetime1">
               <a:rPr lang="en-US" smtClean="0"/>
-              <a:t>10/5/2022</a:t>
+              <a:t>10/17/2022</a:t>
             </a:fld>
             <a:endParaRPr lang="en-US"/>
           </a:p>
@@ -3730,7 +5708,7 @@
                   <a:srgbClr val="3F7593"/>
                 </a:solidFill>
               </a:rPr>
-              <a:t>Current Situation and Gap</a:t>
+              <a:t>Situation</a:t>
             </a:r>
           </a:p>
         </p:txBody>
@@ -3833,15 +5811,28 @@
           </a:fontRef>
         </p:style>
         <p:txBody>
-          <a:bodyPr rtlCol="0" anchor="ctr"/>
+          <a:bodyPr rtlCol="0" anchor="t" anchorCtr="0"/>
           <a:lstStyle/>
+          <a:p>
+            <a:r>
+              <a:rPr lang="en-US" sz="2000" dirty="0">
+                <a:solidFill>
+                  <a:schemeClr val="tx1">
+                    <a:lumMod val="75000"/>
+                    <a:lumOff val="25000"/>
+                  </a:schemeClr>
+                </a:solidFill>
+              </a:rPr>
+              <a:t>Create a Next Best Offer (NBO) solution </a:t>
+            </a:r>
+          </a:p>
           <a:p>
             <a:pPr marL="285750" indent="-285750">
               <a:buFont typeface="Arial" panose="020B0604020202020204" pitchFamily="34" charset="0"/>
               <a:buChar char="•"/>
             </a:pPr>
             <a:r>
-              <a:rPr lang="en-US" sz="1600" dirty="0">
+              <a:rPr lang="en-US" sz="2000" dirty="0">
                 <a:solidFill>
                   <a:schemeClr val="tx1">
                     <a:lumMod val="75000"/>
@@ -3849,7 +5840,7 @@
                   </a:schemeClr>
                 </a:solidFill>
               </a:rPr>
-              <a:t>Campaigns are running frequently </a:t>
+              <a:t>NBO is a form of predictive analytics that helps marketers and their organizations better judge customer spending habits and guide marketing efforts toward connecting with customers to close a deal.</a:t>
             </a:r>
           </a:p>
           <a:p>
@@ -3858,7 +5849,7 @@
               <a:buChar char="•"/>
             </a:pPr>
             <a:r>
-              <a:rPr lang="en-US" sz="1600" dirty="0">
+              <a:rPr lang="en-US" sz="2000" dirty="0">
                 <a:solidFill>
                   <a:schemeClr val="tx1">
                     <a:lumMod val="75000"/>
@@ -3866,6 +5857,204 @@
                   </a:schemeClr>
                 </a:solidFill>
               </a:rPr>
+              <a:t>Will increase the success rate of the campaigns</a:t>
+            </a:r>
+          </a:p>
+        </p:txBody>
+      </p:sp>
+    </p:spTree>
+    <p:extLst>
+      <p:ext uri="{BB962C8B-B14F-4D97-AF65-F5344CB8AC3E}">
+        <p14:creationId xmlns:p14="http://schemas.microsoft.com/office/powerpoint/2010/main" val="1573814561"/>
+      </p:ext>
+    </p:extLst>
+  </p:cSld>
+  <p:clrMapOvr>
+    <a:masterClrMapping/>
+  </p:clrMapOvr>
+</p:sld>
+</file>
+
+<file path=ppt/slides/slide4.xml><?xml version="1.0" encoding="utf-8"?>
+<p:sld xmlns:a="http://schemas.openxmlformats.org/drawingml/2006/main" xmlns:r="http://schemas.openxmlformats.org/officeDocument/2006/relationships" xmlns:p="http://schemas.openxmlformats.org/presentationml/2006/main">
+  <p:cSld>
+    <p:spTree>
+      <p:nvGrpSpPr>
+        <p:cNvPr id="1" name=""/>
+        <p:cNvGrpSpPr/>
+        <p:nvPr/>
+      </p:nvGrpSpPr>
+      <p:grpSpPr>
+        <a:xfrm>
+          <a:off x="0" y="0"/>
+          <a:ext cx="0" cy="0"/>
+          <a:chOff x="0" y="0"/>
+          <a:chExt cx="0" cy="0"/>
+        </a:xfrm>
+      </p:grpSpPr>
+      <p:sp>
+        <p:nvSpPr>
+          <p:cNvPr id="2" name="Title 1">
+            <a:extLst>
+              <a:ext uri="{FF2B5EF4-FFF2-40B4-BE49-F238E27FC236}">
+                <a16:creationId xmlns:a16="http://schemas.microsoft.com/office/drawing/2014/main" id="{1D6D23A3-3DA2-807B-C209-6DF8B356C43C}"/>
+              </a:ext>
+            </a:extLst>
+          </p:cNvPr>
+          <p:cNvSpPr>
+            <a:spLocks noGrp="1"/>
+          </p:cNvSpPr>
+          <p:nvPr>
+            <p:ph type="title"/>
+          </p:nvPr>
+        </p:nvSpPr>
+        <p:spPr/>
+        <p:txBody>
+          <a:bodyPr/>
+          <a:lstStyle/>
+          <a:p>
+            <a:r>
+              <a:rPr lang="en-US" sz="3200" dirty="0">
+                <a:solidFill>
+                  <a:srgbClr val="3F7593"/>
+                </a:solidFill>
+              </a:rPr>
+              <a:t>Gap</a:t>
+            </a:r>
+          </a:p>
+        </p:txBody>
+      </p:sp>
+      <p:sp>
+        <p:nvSpPr>
+          <p:cNvPr id="4" name="Footer Placeholder 3">
+            <a:extLst>
+              <a:ext uri="{FF2B5EF4-FFF2-40B4-BE49-F238E27FC236}">
+                <a16:creationId xmlns:a16="http://schemas.microsoft.com/office/drawing/2014/main" id="{65893218-3DFD-202D-85E8-50A8FA80B00B}"/>
+              </a:ext>
+            </a:extLst>
+          </p:cNvPr>
+          <p:cNvSpPr>
+            <a:spLocks noGrp="1"/>
+          </p:cNvSpPr>
+          <p:nvPr>
+            <p:ph type="ftr" sz="quarter" idx="11"/>
+          </p:nvPr>
+        </p:nvSpPr>
+        <p:spPr/>
+        <p:txBody>
+          <a:bodyPr/>
+          <a:lstStyle/>
+          <a:p>
+            <a:r>
+              <a:rPr lang="en-US"/>
+              <a:t>Adage</a:t>
+            </a:r>
+          </a:p>
+        </p:txBody>
+      </p:sp>
+      <p:sp>
+        <p:nvSpPr>
+          <p:cNvPr id="5" name="Slide Number Placeholder 4">
+            <a:extLst>
+              <a:ext uri="{FF2B5EF4-FFF2-40B4-BE49-F238E27FC236}">
+                <a16:creationId xmlns:a16="http://schemas.microsoft.com/office/drawing/2014/main" id="{13A5D15C-4151-C8C8-8972-70FC0B0645A8}"/>
+              </a:ext>
+            </a:extLst>
+          </p:cNvPr>
+          <p:cNvSpPr>
+            <a:spLocks noGrp="1"/>
+          </p:cNvSpPr>
+          <p:nvPr>
+            <p:ph type="sldNum" sz="quarter" idx="12"/>
+          </p:nvPr>
+        </p:nvSpPr>
+        <p:spPr/>
+        <p:txBody>
+          <a:bodyPr/>
+          <a:lstStyle/>
+          <a:p>
+            <a:fld id="{A2DCBA88-1671-42D3-9686-8895CAE7DED7}" type="slidenum">
+              <a:rPr lang="en-US" smtClean="0"/>
+              <a:t>4</a:t>
+            </a:fld>
+            <a:endParaRPr lang="en-US"/>
+          </a:p>
+        </p:txBody>
+      </p:sp>
+      <p:sp>
+        <p:nvSpPr>
+          <p:cNvPr id="10" name="Rectangle: Rounded Corners 9">
+            <a:extLst>
+              <a:ext uri="{FF2B5EF4-FFF2-40B4-BE49-F238E27FC236}">
+                <a16:creationId xmlns:a16="http://schemas.microsoft.com/office/drawing/2014/main" id="{9A5E9706-92A2-E3D9-842B-AC494CCD74D3}"/>
+              </a:ext>
+            </a:extLst>
+          </p:cNvPr>
+          <p:cNvSpPr/>
+          <p:nvPr/>
+        </p:nvSpPr>
+        <p:spPr>
+          <a:xfrm>
+            <a:off x="836612" y="1681452"/>
+            <a:ext cx="4999109" cy="4498974"/>
+          </a:xfrm>
+          <a:prstGeom prst="roundRect">
+            <a:avLst>
+              <a:gd name="adj" fmla="val 2023"/>
+            </a:avLst>
+          </a:prstGeom>
+          <a:noFill/>
+        </p:spPr>
+        <p:style>
+          <a:lnRef idx="2">
+            <a:schemeClr val="accent1">
+              <a:shade val="50000"/>
+            </a:schemeClr>
+          </a:lnRef>
+          <a:fillRef idx="1">
+            <a:schemeClr val="accent1"/>
+          </a:fillRef>
+          <a:effectRef idx="0">
+            <a:schemeClr val="accent1"/>
+          </a:effectRef>
+          <a:fontRef idx="minor">
+            <a:schemeClr val="lt1"/>
+          </a:fontRef>
+        </p:style>
+        <p:txBody>
+          <a:bodyPr rtlCol="0" anchor="t" anchorCtr="0"/>
+          <a:lstStyle/>
+          <a:p>
+            <a:pPr marL="285750" indent="-285750">
+              <a:buFont typeface="Arial" panose="020B0604020202020204" pitchFamily="34" charset="0"/>
+              <a:buChar char="•"/>
+            </a:pPr>
+            <a:r>
+              <a:rPr lang="en-US" sz="1600" dirty="0">
+                <a:solidFill>
+                  <a:schemeClr val="tx1">
+                    <a:lumMod val="75000"/>
+                    <a:lumOff val="25000"/>
+                  </a:schemeClr>
+                </a:solidFill>
+              </a:rPr>
+              <a:t>Campaigns are running frequently </a:t>
+            </a:r>
+          </a:p>
+          <a:p>
+            <a:pPr marL="285750" indent="-285750">
+              <a:buFont typeface="Arial" panose="020B0604020202020204" pitchFamily="34" charset="0"/>
+              <a:buChar char="•"/>
+            </a:pPr>
+            <a:r>
+              <a:rPr lang="en-US" sz="1600" dirty="0">
+                <a:solidFill>
+                  <a:schemeClr val="tx1">
+                    <a:lumMod val="75000"/>
+                    <a:lumOff val="25000"/>
+                  </a:schemeClr>
+                </a:solidFill>
+              </a:rPr>
               <a:t>Data is gathered from those campaigns</a:t>
             </a:r>
           </a:p>
@@ -3917,8 +6106,103 @@
                   </a:schemeClr>
                 </a:solidFill>
               </a:rPr>
+              <a:t>Usage of existing products</a:t>
+            </a:r>
+          </a:p>
+          <a:p>
+            <a:pPr marL="742950" lvl="1" indent="-285750">
+              <a:buFont typeface="Arial" panose="020B0604020202020204" pitchFamily="34" charset="0"/>
+              <a:buChar char="•"/>
+            </a:pPr>
+            <a:r>
+              <a:rPr lang="en-US" sz="1600" dirty="0">
+                <a:solidFill>
+                  <a:schemeClr val="tx1">
+                    <a:lumMod val="75000"/>
+                    <a:lumOff val="25000"/>
+                  </a:schemeClr>
+                </a:solidFill>
+              </a:rPr>
               <a:t>Success of campaign on customers</a:t>
             </a:r>
+          </a:p>
+          <a:p>
+            <a:pPr marL="285750" indent="-285750">
+              <a:buFont typeface="Arial" panose="020B0604020202020204" pitchFamily="34" charset="0"/>
+              <a:buChar char="•"/>
+            </a:pPr>
+            <a:r>
+              <a:rPr lang="en-US" sz="1600" dirty="0">
+                <a:solidFill>
+                  <a:schemeClr val="tx1">
+                    <a:lumMod val="75000"/>
+                    <a:lumOff val="25000"/>
+                  </a:schemeClr>
+                </a:solidFill>
+              </a:rPr>
+              <a:t>Some examples include:</a:t>
+            </a:r>
+          </a:p>
+          <a:p>
+            <a:pPr marL="742950" lvl="1" indent="-285750">
+              <a:buFont typeface="Arial" panose="020B0604020202020204" pitchFamily="34" charset="0"/>
+              <a:buChar char="•"/>
+            </a:pPr>
+            <a:endParaRPr lang="en-US" sz="1600" dirty="0">
+              <a:solidFill>
+                <a:schemeClr val="tx1">
+                  <a:lumMod val="75000"/>
+                  <a:lumOff val="25000"/>
+                </a:schemeClr>
+              </a:solidFill>
+            </a:endParaRPr>
+          </a:p>
+          <a:p>
+            <a:pPr lvl="1"/>
+            <a:endParaRPr lang="en-US" sz="1600" dirty="0">
+              <a:solidFill>
+                <a:schemeClr val="tx1">
+                  <a:lumMod val="75000"/>
+                  <a:lumOff val="25000"/>
+                </a:schemeClr>
+              </a:solidFill>
+            </a:endParaRPr>
+          </a:p>
+          <a:p>
+            <a:pPr lvl="1"/>
+            <a:endParaRPr lang="en-US" sz="1600" dirty="0">
+              <a:solidFill>
+                <a:schemeClr val="tx1">
+                  <a:lumMod val="75000"/>
+                  <a:lumOff val="25000"/>
+                </a:schemeClr>
+              </a:solidFill>
+            </a:endParaRPr>
+          </a:p>
+          <a:p>
+            <a:pPr lvl="1"/>
+            <a:endParaRPr lang="en-US" sz="1600" dirty="0">
+              <a:solidFill>
+                <a:schemeClr val="tx1">
+                  <a:lumMod val="75000"/>
+                  <a:lumOff val="25000"/>
+                </a:schemeClr>
+              </a:solidFill>
+            </a:endParaRPr>
+          </a:p>
+          <a:p>
+            <a:pPr marL="742950" lvl="1" indent="-285750">
+              <a:buFont typeface="Arial" panose="020B0604020202020204" pitchFamily="34" charset="0"/>
+              <a:buChar char="•"/>
+            </a:pPr>
+            <a:endParaRPr lang="en-US" sz="1600" dirty="0">
+              <a:solidFill>
+                <a:schemeClr val="tx1">
+                  <a:lumMod val="75000"/>
+                  <a:lumOff val="25000"/>
+                </a:schemeClr>
+              </a:solidFill>
+            </a:endParaRPr>
           </a:p>
         </p:txBody>
       </p:sp>
@@ -3963,7 +6247,7 @@
           </a:fontRef>
         </p:style>
         <p:txBody>
-          <a:bodyPr rtlCol="0" anchor="ctr"/>
+          <a:bodyPr rtlCol="0" anchor="t" anchorCtr="0"/>
           <a:lstStyle/>
           <a:p>
             <a:pPr marL="285750" indent="-285750">
@@ -3997,6 +6281,23 @@
                 </a:solidFill>
               </a:rPr>
               <a:t>Outcome is not ensured</a:t>
+            </a:r>
+          </a:p>
+          <a:p>
+            <a:pPr marL="742950" lvl="1" indent="-285750">
+              <a:buFont typeface="Arial" panose="020B0604020202020204" pitchFamily="34" charset="0"/>
+              <a:buChar char="•"/>
+            </a:pPr>
+            <a:r>
+              <a:rPr lang="en-US" dirty="0">
+                <a:solidFill>
+                  <a:schemeClr val="tx1">
+                    <a:lumMod val="75000"/>
+                    <a:lumOff val="25000"/>
+                  </a:schemeClr>
+                </a:solidFill>
+              </a:rPr>
+              <a:t>Success is very low </a:t>
             </a:r>
             <a:endParaRPr lang="sv-SE" dirty="0">
               <a:solidFill>
@@ -4009,6 +6310,152 @@
           </a:p>
         </p:txBody>
       </p:sp>
+      <p:pic>
+        <p:nvPicPr>
+          <p:cNvPr id="24" name="Picture 23">
+            <a:extLst>
+              <a:ext uri="{FF2B5EF4-FFF2-40B4-BE49-F238E27FC236}">
+                <a16:creationId xmlns:a16="http://schemas.microsoft.com/office/drawing/2014/main" id="{339B8784-37B1-B1E4-CACB-8B2F3EFA6297}"/>
+              </a:ext>
+              <a:ext uri="{C183D7F6-B498-43B3-948B-1728B52AA6E4}">
+                <adec:decorative xmlns:adec="http://schemas.microsoft.com/office/drawing/2017/decorative" val="0"/>
+              </a:ext>
+            </a:extLst>
+          </p:cNvPr>
+          <p:cNvPicPr>
+            <a:picLocks noChangeAspect="1"/>
+          </p:cNvPicPr>
+          <p:nvPr/>
+        </p:nvPicPr>
+        <p:blipFill>
+          <a:blip r:embed="rId3">
+            <a:extLst>
+              <a:ext uri="{28A0092B-C50C-407E-A947-70E740481C1C}">
+                <a14:useLocalDpi xmlns:a14="http://schemas.microsoft.com/office/drawing/2010/main" val="0"/>
+              </a:ext>
+            </a:extLst>
+          </a:blip>
+          <a:srcRect/>
+          <a:stretch/>
+        </p:blipFill>
+        <p:spPr>
+          <a:xfrm>
+            <a:off x="6579225" y="2894744"/>
+            <a:ext cx="4135846" cy="3155737"/>
+          </a:xfrm>
+          <a:prstGeom prst="rect">
+            <a:avLst/>
+          </a:prstGeom>
+        </p:spPr>
+      </p:pic>
+      <p:pic>
+        <p:nvPicPr>
+          <p:cNvPr id="26" name="Picture 25" descr="Chart, bar chart&#10;&#10;Description automatically generated">
+            <a:extLst>
+              <a:ext uri="{FF2B5EF4-FFF2-40B4-BE49-F238E27FC236}">
+                <a16:creationId xmlns:a16="http://schemas.microsoft.com/office/drawing/2014/main" id="{D2A7B0FE-7D47-E535-C749-ADF9683D6A2A}"/>
+              </a:ext>
+            </a:extLst>
+          </p:cNvPr>
+          <p:cNvPicPr>
+            <a:picLocks noChangeAspect="1"/>
+          </p:cNvPicPr>
+          <p:nvPr/>
+        </p:nvPicPr>
+        <p:blipFill>
+          <a:blip r:embed="rId4">
+            <a:extLst>
+              <a:ext uri="{28A0092B-C50C-407E-A947-70E740481C1C}">
+                <a14:useLocalDpi xmlns:a14="http://schemas.microsoft.com/office/drawing/2010/main" val="0"/>
+              </a:ext>
+            </a:extLst>
+          </a:blip>
+          <a:stretch>
+            <a:fillRect/>
+          </a:stretch>
+        </p:blipFill>
+        <p:spPr>
+          <a:xfrm>
+            <a:off x="141810" y="3768693"/>
+            <a:ext cx="2180448" cy="1680762"/>
+          </a:xfrm>
+          <a:prstGeom prst="rect">
+            <a:avLst/>
+          </a:prstGeom>
+        </p:spPr>
+      </p:pic>
+      <p:pic>
+        <p:nvPicPr>
+          <p:cNvPr id="30" name="Picture 29" descr="Chart, bar chart&#10;&#10;Description automatically generated">
+            <a:extLst>
+              <a:ext uri="{FF2B5EF4-FFF2-40B4-BE49-F238E27FC236}">
+                <a16:creationId xmlns:a16="http://schemas.microsoft.com/office/drawing/2014/main" id="{155FC079-FD17-8237-8976-5E630F3487BB}"/>
+              </a:ext>
+            </a:extLst>
+          </p:cNvPr>
+          <p:cNvPicPr>
+            <a:picLocks noChangeAspect="1"/>
+          </p:cNvPicPr>
+          <p:nvPr/>
+        </p:nvPicPr>
+        <p:blipFill>
+          <a:blip r:embed="rId5">
+            <a:extLst>
+              <a:ext uri="{28A0092B-C50C-407E-A947-70E740481C1C}">
+                <a14:useLocalDpi xmlns:a14="http://schemas.microsoft.com/office/drawing/2010/main" val="0"/>
+              </a:ext>
+            </a:extLst>
+          </a:blip>
+          <a:stretch>
+            <a:fillRect/>
+          </a:stretch>
+        </p:blipFill>
+        <p:spPr>
+          <a:xfrm>
+            <a:off x="3687744" y="3486550"/>
+            <a:ext cx="2408256" cy="1680762"/>
+          </a:xfrm>
+          <a:prstGeom prst="rect">
+            <a:avLst/>
+          </a:prstGeom>
+        </p:spPr>
+      </p:pic>
+      <p:pic>
+        <p:nvPicPr>
+          <p:cNvPr id="28" name="Picture 27" descr="Chart, bar chart&#10;&#10;Description automatically generated">
+            <a:extLst>
+              <a:ext uri="{FF2B5EF4-FFF2-40B4-BE49-F238E27FC236}">
+                <a16:creationId xmlns:a16="http://schemas.microsoft.com/office/drawing/2014/main" id="{2379FA4A-40B8-6F64-43E0-5326722C91B7}"/>
+              </a:ext>
+            </a:extLst>
+          </p:cNvPr>
+          <p:cNvPicPr>
+            <a:picLocks noChangeAspect="1"/>
+          </p:cNvPicPr>
+          <p:nvPr/>
+        </p:nvPicPr>
+        <p:blipFill>
+          <a:blip r:embed="rId6">
+            <a:extLst>
+              <a:ext uri="{28A0092B-C50C-407E-A947-70E740481C1C}">
+                <a14:useLocalDpi xmlns:a14="http://schemas.microsoft.com/office/drawing/2010/main" val="0"/>
+              </a:ext>
+            </a:extLst>
+          </a:blip>
+          <a:stretch>
+            <a:fillRect/>
+          </a:stretch>
+        </p:blipFill>
+        <p:spPr>
+          <a:xfrm>
+            <a:off x="2132193" y="4980636"/>
+            <a:ext cx="2196701" cy="1533115"/>
+          </a:xfrm>
+          <a:prstGeom prst="rect">
+            <a:avLst/>
+          </a:prstGeom>
+        </p:spPr>
+      </p:pic>
     </p:spTree>
     <p:extLst>
       <p:ext uri="{BB962C8B-B14F-4D97-AF65-F5344CB8AC3E}">
@@ -4022,7 +6469,7 @@
 </p:sld>
 </file>
 
-<file path=ppt/slides/slide4.xml><?xml version="1.0" encoding="utf-8"?>
+<file path=ppt/slides/slide5.xml><?xml version="1.0" encoding="utf-8"?>
 <p:sld xmlns:a="http://schemas.openxmlformats.org/drawingml/2006/main" xmlns:r="http://schemas.openxmlformats.org/officeDocument/2006/relationships" xmlns:p="http://schemas.openxmlformats.org/presentationml/2006/main">
   <p:cSld>
     <p:spTree>
@@ -5612,7 +8059,256 @@
 </p:sld>
 </file>
 
-<file path=ppt/slides/slide5.xml><?xml version="1.0" encoding="utf-8"?>
+<file path=ppt/slides/slide6.xml><?xml version="1.0" encoding="utf-8"?>
+<p:sld xmlns:a="http://schemas.openxmlformats.org/drawingml/2006/main" xmlns:r="http://schemas.openxmlformats.org/officeDocument/2006/relationships" xmlns:p="http://schemas.openxmlformats.org/presentationml/2006/main">
+  <p:cSld>
+    <p:spTree>
+      <p:nvGrpSpPr>
+        <p:cNvPr id="1" name=""/>
+        <p:cNvGrpSpPr/>
+        <p:nvPr/>
+      </p:nvGrpSpPr>
+      <p:grpSpPr>
+        <a:xfrm>
+          <a:off x="0" y="0"/>
+          <a:ext cx="0" cy="0"/>
+          <a:chOff x="0" y="0"/>
+          <a:chExt cx="0" cy="0"/>
+        </a:xfrm>
+      </p:grpSpPr>
+      <p:sp>
+        <p:nvSpPr>
+          <p:cNvPr id="2" name="Title 1">
+            <a:extLst>
+              <a:ext uri="{FF2B5EF4-FFF2-40B4-BE49-F238E27FC236}">
+                <a16:creationId xmlns:a16="http://schemas.microsoft.com/office/drawing/2014/main" id="{1D6D23A3-3DA2-807B-C209-6DF8B356C43C}"/>
+              </a:ext>
+            </a:extLst>
+          </p:cNvPr>
+          <p:cNvSpPr>
+            <a:spLocks noGrp="1"/>
+          </p:cNvSpPr>
+          <p:nvPr>
+            <p:ph type="title"/>
+          </p:nvPr>
+        </p:nvSpPr>
+        <p:spPr>
+          <a:xfrm>
+            <a:off x="839788" y="333594"/>
+            <a:ext cx="10515600" cy="1325563"/>
+          </a:xfrm>
+        </p:spPr>
+        <p:txBody>
+          <a:bodyPr/>
+          <a:lstStyle/>
+          <a:p>
+            <a:r>
+              <a:rPr lang="en-US" sz="3200" dirty="0">
+                <a:solidFill>
+                  <a:srgbClr val="3F7593"/>
+                </a:solidFill>
+              </a:rPr>
+              <a:t>Case &amp; MVP</a:t>
+            </a:r>
+          </a:p>
+        </p:txBody>
+      </p:sp>
+      <p:sp>
+        <p:nvSpPr>
+          <p:cNvPr id="4" name="Footer Placeholder 3">
+            <a:extLst>
+              <a:ext uri="{FF2B5EF4-FFF2-40B4-BE49-F238E27FC236}">
+                <a16:creationId xmlns:a16="http://schemas.microsoft.com/office/drawing/2014/main" id="{65893218-3DFD-202D-85E8-50A8FA80B00B}"/>
+              </a:ext>
+            </a:extLst>
+          </p:cNvPr>
+          <p:cNvSpPr>
+            <a:spLocks noGrp="1"/>
+          </p:cNvSpPr>
+          <p:nvPr>
+            <p:ph type="ftr" sz="quarter" idx="11"/>
+          </p:nvPr>
+        </p:nvSpPr>
+        <p:spPr/>
+        <p:txBody>
+          <a:bodyPr/>
+          <a:lstStyle/>
+          <a:p>
+            <a:r>
+              <a:rPr lang="en-US"/>
+              <a:t>Adage</a:t>
+            </a:r>
+          </a:p>
+        </p:txBody>
+      </p:sp>
+      <p:sp>
+        <p:nvSpPr>
+          <p:cNvPr id="5" name="Slide Number Placeholder 4">
+            <a:extLst>
+              <a:ext uri="{FF2B5EF4-FFF2-40B4-BE49-F238E27FC236}">
+                <a16:creationId xmlns:a16="http://schemas.microsoft.com/office/drawing/2014/main" id="{13A5D15C-4151-C8C8-8972-70FC0B0645A8}"/>
+              </a:ext>
+            </a:extLst>
+          </p:cNvPr>
+          <p:cNvSpPr>
+            <a:spLocks noGrp="1"/>
+          </p:cNvSpPr>
+          <p:nvPr>
+            <p:ph type="sldNum" sz="quarter" idx="12"/>
+          </p:nvPr>
+        </p:nvSpPr>
+        <p:spPr/>
+        <p:txBody>
+          <a:bodyPr/>
+          <a:lstStyle/>
+          <a:p>
+            <a:fld id="{A2DCBA88-1671-42D3-9686-8895CAE7DED7}" type="slidenum">
+              <a:rPr lang="en-US" smtClean="0"/>
+              <a:t>6</a:t>
+            </a:fld>
+            <a:endParaRPr lang="en-US"/>
+          </a:p>
+        </p:txBody>
+      </p:sp>
+      <p:sp>
+        <p:nvSpPr>
+          <p:cNvPr id="13" name="Rectangle: Rounded Corners 12">
+            <a:extLst>
+              <a:ext uri="{FF2B5EF4-FFF2-40B4-BE49-F238E27FC236}">
+                <a16:creationId xmlns:a16="http://schemas.microsoft.com/office/drawing/2014/main" id="{29601180-66AC-7CF7-E478-F9475605FD5C}"/>
+              </a:ext>
+            </a:extLst>
+          </p:cNvPr>
+          <p:cNvSpPr/>
+          <p:nvPr/>
+        </p:nvSpPr>
+        <p:spPr>
+          <a:xfrm>
+            <a:off x="6356281" y="1690688"/>
+            <a:ext cx="5002282" cy="4498974"/>
+          </a:xfrm>
+          <a:prstGeom prst="roundRect">
+            <a:avLst>
+              <a:gd name="adj" fmla="val 2023"/>
+            </a:avLst>
+          </a:prstGeom>
+          <a:noFill/>
+        </p:spPr>
+        <p:style>
+          <a:lnRef idx="2">
+            <a:schemeClr val="accent1">
+              <a:shade val="50000"/>
+            </a:schemeClr>
+          </a:lnRef>
+          <a:fillRef idx="1">
+            <a:schemeClr val="accent1"/>
+          </a:fillRef>
+          <a:effectRef idx="0">
+            <a:schemeClr val="accent1"/>
+          </a:effectRef>
+          <a:fontRef idx="minor">
+            <a:schemeClr val="lt1"/>
+          </a:fontRef>
+        </p:style>
+        <p:txBody>
+          <a:bodyPr rtlCol="0" anchor="t" anchorCtr="0"/>
+          <a:lstStyle/>
+          <a:p>
+            <a:r>
+              <a:rPr lang="en-US" sz="2400" dirty="0">
+                <a:solidFill>
+                  <a:schemeClr val="tx1">
+                    <a:lumMod val="75000"/>
+                    <a:lumOff val="25000"/>
+                  </a:schemeClr>
+                </a:solidFill>
+              </a:rPr>
+              <a:t>MVP: use the current campaign to produce the model.</a:t>
+            </a:r>
+          </a:p>
+          <a:p>
+            <a:pPr marL="342900" indent="-342900">
+              <a:buFont typeface="Arial" panose="020B0604020202020204" pitchFamily="34" charset="0"/>
+              <a:buChar char="•"/>
+            </a:pPr>
+            <a:r>
+              <a:rPr lang="en-US" sz="2400" dirty="0">
+                <a:solidFill>
+                  <a:schemeClr val="tx1">
+                    <a:lumMod val="75000"/>
+                    <a:lumOff val="25000"/>
+                  </a:schemeClr>
+                </a:solidFill>
+              </a:rPr>
+              <a:t>It will give a baseline of how much an NBO will increase the success rate, compared to not having one</a:t>
+            </a:r>
+          </a:p>
+          <a:p>
+            <a:pPr marL="342900" indent="-342900">
+              <a:buFont typeface="Arial" panose="020B0604020202020204" pitchFamily="34" charset="0"/>
+              <a:buChar char="•"/>
+            </a:pPr>
+            <a:r>
+              <a:rPr lang="en-US" sz="2400" dirty="0">
+                <a:solidFill>
+                  <a:schemeClr val="tx1">
+                    <a:lumMod val="75000"/>
+                    <a:lumOff val="25000"/>
+                  </a:schemeClr>
+                </a:solidFill>
+              </a:rPr>
+              <a:t>By having a </a:t>
+            </a:r>
+            <a:r>
+              <a:rPr lang="en-US" sz="2400" b="1" dirty="0">
+                <a:solidFill>
+                  <a:schemeClr val="tx1">
+                    <a:lumMod val="75000"/>
+                    <a:lumOff val="25000"/>
+                  </a:schemeClr>
+                </a:solidFill>
+              </a:rPr>
+              <a:t>1%</a:t>
+            </a:r>
+            <a:r>
+              <a:rPr lang="en-US" sz="2400" dirty="0">
+                <a:solidFill>
+                  <a:schemeClr val="tx1">
+                    <a:lumMod val="75000"/>
+                    <a:lumOff val="25000"/>
+                  </a:schemeClr>
+                </a:solidFill>
+              </a:rPr>
+              <a:t> increase in the success for a campaign the revenue will increase by </a:t>
+            </a:r>
+            <a:r>
+              <a:rPr lang="en-US" sz="2400" b="1" dirty="0">
+                <a:solidFill>
+                  <a:schemeClr val="tx1">
+                    <a:lumMod val="75000"/>
+                    <a:lumOff val="25000"/>
+                  </a:schemeClr>
+                </a:solidFill>
+              </a:rPr>
+              <a:t>1MSEK</a:t>
+            </a:r>
+          </a:p>
+        </p:txBody>
+      </p:sp>
+    </p:spTree>
+    <p:extLst>
+      <p:ext uri="{BB962C8B-B14F-4D97-AF65-F5344CB8AC3E}">
+        <p14:creationId xmlns:p14="http://schemas.microsoft.com/office/powerpoint/2010/main" val="2564057374"/>
+      </p:ext>
+    </p:extLst>
+  </p:cSld>
+  <p:clrMapOvr>
+    <a:masterClrMapping/>
+  </p:clrMapOvr>
+</p:sld>
+</file>
+
+<file path=ppt/slides/slide7.xml><?xml version="1.0" encoding="utf-8"?>
 <p:sld xmlns:a="http://schemas.openxmlformats.org/drawingml/2006/main" xmlns:r="http://schemas.openxmlformats.org/officeDocument/2006/relationships" xmlns:p="http://schemas.openxmlformats.org/presentationml/2006/main">
   <p:cSld>
     <p:spTree>
@@ -5671,7 +8367,13 @@
           <p:cNvGraphicFramePr>
             <a:graphicFrameLocks noGrp="1"/>
           </p:cNvGraphicFramePr>
-          <p:nvPr/>
+          <p:nvPr>
+            <p:extLst>
+              <p:ext uri="{D42A27DB-BD31-4B8C-83A1-F6EECF244321}">
+                <p14:modId xmlns:p14="http://schemas.microsoft.com/office/powerpoint/2010/main" val="335603596"/>
+              </p:ext>
+            </p:extLst>
+          </p:nvPr>
         </p:nvGraphicFramePr>
         <p:xfrm>
           <a:off x="971548" y="1572427"/>
@@ -5836,7 +8538,7 @@
                     <a:lstStyle/>
                     <a:p>
                       <a:pPr algn="ctr"/>
-                      <a:endParaRPr lang="en-CA" sz="1200" b="1">
+                      <a:endParaRPr lang="en-CA" sz="1200" b="1" dirty="0">
                         <a:solidFill>
                           <a:srgbClr val="3F7593"/>
                         </a:solidFill>
@@ -5894,7 +8596,7 @@
                     <a:p>
                       <a:pPr algn="ctr"/>
                       <a:r>
-                        <a:rPr lang="en-CA" sz="1200" b="1">
+                        <a:rPr lang="en-CA" sz="1200" b="1" dirty="0">
                           <a:solidFill>
                             <a:srgbClr val="3F7593"/>
                           </a:solidFill>
@@ -6079,7 +8781,7 @@
                         </a:spcAft>
                       </a:pPr>
                       <a:r>
-                        <a:rPr lang="en-CA" sz="1000" b="1" baseline="0">
+                        <a:rPr lang="en-CA" sz="1000" b="1" baseline="0" dirty="0">
                           <a:solidFill>
                             <a:schemeClr val="tx1">
                               <a:lumMod val="75000"/>
@@ -6089,7 +8791,7 @@
                         </a:rPr>
                         <a:t>Secure business use case and data</a:t>
                       </a:r>
-                      <a:endParaRPr lang="en-CA" sz="1000" b="1">
+                      <a:endParaRPr lang="en-CA" sz="1000" b="1" dirty="0">
                         <a:solidFill>
                           <a:schemeClr val="tx1">
                             <a:lumMod val="75000"/>
@@ -6104,7 +8806,7 @@
                           <a:spcPts val="0"/>
                         </a:spcAft>
                       </a:pPr>
-                      <a:endParaRPr lang="en-CA" sz="1000" b="1">
+                      <a:endParaRPr lang="en-CA" sz="1000" b="1" dirty="0">
                         <a:solidFill>
                           <a:schemeClr val="tx1">
                             <a:lumMod val="75000"/>
@@ -6120,7 +8822,7 @@
                         </a:spcAft>
                       </a:pPr>
                       <a:r>
-                        <a:rPr lang="en-CA" sz="1000" b="1">
+                        <a:rPr lang="en-CA" sz="1000" b="1" dirty="0">
                           <a:solidFill>
                             <a:schemeClr val="tx1">
                               <a:lumMod val="75000"/>
@@ -6138,7 +8840,7 @@
                         </a:spcAft>
                       </a:pPr>
                       <a:r>
-                        <a:rPr lang="en-CA" sz="1000" b="1">
+                        <a:rPr lang="en-CA" sz="1000" b="1" dirty="0">
                           <a:solidFill>
                             <a:schemeClr val="tx1">
                               <a:lumMod val="75000"/>
@@ -6149,7 +8851,7 @@
                         <a:t>1.1 </a:t>
                       </a:r>
                       <a:r>
-                        <a:rPr lang="en-CA" sz="1000" b="0">
+                        <a:rPr lang="en-CA" sz="1000" b="0" dirty="0">
                           <a:solidFill>
                             <a:schemeClr val="tx1">
                               <a:lumMod val="75000"/>
@@ -6167,7 +8869,7 @@
                         </a:spcAft>
                       </a:pPr>
                       <a:r>
-                        <a:rPr lang="en-CA" sz="1000" b="1">
+                        <a:rPr lang="en-CA" sz="1000" b="1" dirty="0">
                           <a:solidFill>
                             <a:schemeClr val="tx1">
                               <a:lumMod val="75000"/>
@@ -6178,7 +8880,7 @@
                         <a:t>1.2</a:t>
                       </a:r>
                       <a:r>
-                        <a:rPr lang="en-CA" sz="1000" b="0">
+                        <a:rPr lang="en-CA" sz="1000" b="0" dirty="0">
                           <a:solidFill>
                             <a:schemeClr val="tx1">
                               <a:lumMod val="75000"/>
@@ -6196,7 +8898,7 @@
                         </a:spcAft>
                       </a:pPr>
                       <a:r>
-                        <a:rPr lang="en-CA" sz="1000" b="1">
+                        <a:rPr lang="en-CA" sz="1000" b="1" dirty="0">
                           <a:solidFill>
                             <a:schemeClr val="tx1">
                               <a:lumMod val="75000"/>
@@ -6207,7 +8909,7 @@
                         <a:t>1.3 </a:t>
                       </a:r>
                       <a:r>
-                        <a:rPr lang="en-CA" sz="1000" b="0">
+                        <a:rPr lang="en-CA" sz="1000" b="0" dirty="0">
                           <a:solidFill>
                             <a:schemeClr val="tx1">
                               <a:lumMod val="75000"/>
@@ -6218,7 +8920,7 @@
                         <a:t>Select </a:t>
                       </a:r>
                       <a:r>
-                        <a:rPr lang="en-CA" sz="1000" b="0" baseline="0">
+                        <a:rPr lang="en-CA" sz="1000" b="0" baseline="0" dirty="0">
                           <a:solidFill>
                             <a:schemeClr val="tx1">
                               <a:lumMod val="75000"/>
@@ -6228,7 +8930,7 @@
                         </a:rPr>
                         <a:t>relevant KPIs/Metrics/Outcome for use case.</a:t>
                       </a:r>
-                      <a:endParaRPr lang="en-CA" sz="1000" b="1">
+                      <a:endParaRPr lang="en-CA" sz="1000" b="1" dirty="0">
                         <a:solidFill>
                           <a:schemeClr val="tx1">
                             <a:lumMod val="75000"/>
@@ -6256,7 +8958,7 @@
                         <a:defRPr/>
                       </a:pPr>
                       <a:r>
-                        <a:rPr lang="en-CA" sz="1000" b="1">
+                        <a:rPr lang="en-CA" sz="1000" b="1" dirty="0">
                           <a:solidFill>
                             <a:schemeClr val="tx1">
                               <a:lumMod val="75000"/>
@@ -6267,7 +8969,7 @@
                         <a:t>1.4 </a:t>
                       </a:r>
                       <a:r>
-                        <a:rPr lang="en-CA" sz="1000" b="0">
+                        <a:rPr lang="en-CA" sz="1000" b="0" dirty="0">
                           <a:solidFill>
                             <a:schemeClr val="tx1">
                               <a:lumMod val="75000"/>
@@ -6278,7 +8980,7 @@
                         <a:t>Define </a:t>
                       </a:r>
                       <a:r>
-                        <a:rPr lang="en-CA" sz="1000" b="0" baseline="0">
+                        <a:rPr lang="en-CA" sz="1000" b="0" baseline="0" dirty="0">
                           <a:solidFill>
                             <a:schemeClr val="tx1">
                               <a:lumMod val="75000"/>
@@ -6290,86 +8992,12 @@
                       </a:r>
                     </a:p>
                     <a:p>
-                      <a:pPr marL="215900" marR="0" lvl="0" indent="-457200" algn="l" defTabSz="914400" rtl="0" eaLnBrk="1" fontAlgn="auto" latinLnBrk="0" hangingPunct="1">
-                        <a:lnSpc>
-                          <a:spcPct val="100000"/>
-                        </a:lnSpc>
-                        <a:spcBef>
-                          <a:spcPts val="0"/>
-                        </a:spcBef>
-                        <a:spcAft>
-                          <a:spcPts val="0"/>
-                        </a:spcAft>
-                        <a:buClrTx/>
-                        <a:buSzTx/>
-                        <a:buFontTx/>
-                        <a:buNone/>
-                        <a:tabLst/>
-                        <a:defRPr/>
-                      </a:pPr>
-                      <a:r>
-                        <a:rPr lang="en-CA" sz="1000" b="1" baseline="0">
-                          <a:solidFill>
-                            <a:schemeClr val="tx1">
-                              <a:lumMod val="75000"/>
-                              <a:lumOff val="25000"/>
-                            </a:schemeClr>
-                          </a:solidFill>
-                        </a:rPr>
-                        <a:t>1.5</a:t>
-                      </a:r>
-                      <a:r>
-                        <a:rPr lang="en-CA" sz="1000" b="0" baseline="0">
-                          <a:solidFill>
-                            <a:schemeClr val="tx1">
-                              <a:lumMod val="75000"/>
-                              <a:lumOff val="25000"/>
-                            </a:schemeClr>
-                          </a:solidFill>
-                        </a:rPr>
-                        <a:t> </a:t>
-                      </a:r>
-                      <a:r>
-                        <a:rPr lang="en-CA" sz="1000" b="0">
-                          <a:solidFill>
-                            <a:schemeClr val="tx1">
-                              <a:lumMod val="75000"/>
-                              <a:lumOff val="25000"/>
-                            </a:schemeClr>
-                          </a:solidFill>
-                        </a:rPr>
-                        <a:t>Define roles and</a:t>
-                      </a:r>
-                      <a:r>
-                        <a:rPr lang="en-CA" sz="1000" b="0" baseline="0">
-                          <a:solidFill>
-                            <a:schemeClr val="tx1">
-                              <a:lumMod val="75000"/>
-                              <a:lumOff val="25000"/>
-                            </a:schemeClr>
-                          </a:solidFill>
-                        </a:rPr>
-                        <a:t> responsibilities in team</a:t>
-                      </a:r>
-                      <a:r>
-                        <a:rPr lang="en-CA" sz="1000" b="0">
-                          <a:solidFill>
-                            <a:schemeClr val="tx1">
-                              <a:lumMod val="75000"/>
-                              <a:lumOff val="25000"/>
-                            </a:schemeClr>
-                          </a:solidFill>
-                        </a:rPr>
-                        <a:t>.</a:t>
-                      </a:r>
-                    </a:p>
-                    <a:p>
                       <a:pPr marL="216000" indent="-457200">
                         <a:spcAft>
                           <a:spcPts val="0"/>
                         </a:spcAft>
                       </a:pPr>
-                      <a:endParaRPr lang="en-CA" sz="1000" b="1">
+                      <a:endParaRPr lang="en-CA" sz="1000" b="1" dirty="0">
                         <a:solidFill>
                           <a:schemeClr val="tx1">
                             <a:lumMod val="75000"/>
@@ -6385,7 +9013,7 @@
                         </a:spcAft>
                       </a:pPr>
                       <a:r>
-                        <a:rPr lang="en-CA" sz="1000" b="1">
+                        <a:rPr lang="en-CA" sz="1000" b="1" dirty="0">
                           <a:solidFill>
                             <a:schemeClr val="tx1">
                               <a:lumMod val="75000"/>
@@ -6403,7 +9031,7 @@
                         </a:spcAft>
                       </a:pPr>
                       <a:r>
-                        <a:rPr lang="en-CA" sz="1000" b="1">
+                        <a:rPr lang="en-CA" sz="1000" b="1" dirty="0">
                           <a:solidFill>
                             <a:schemeClr val="tx1">
                               <a:lumMod val="75000"/>
@@ -6411,10 +9039,10 @@
                             </a:schemeClr>
                           </a:solidFill>
                         </a:rPr>
-                        <a:t>1.6 </a:t>
+                        <a:t>1.5 </a:t>
                       </a:r>
                       <a:r>
-                        <a:rPr lang="en-CA" sz="1000" b="0">
+                        <a:rPr lang="en-CA" sz="1000" b="0" dirty="0">
                           <a:solidFill>
                             <a:schemeClr val="tx1">
                               <a:lumMod val="75000"/>
@@ -6432,7 +9060,7 @@
                         </a:spcAft>
                       </a:pPr>
                       <a:r>
-                        <a:rPr lang="en-CA" sz="1000" b="1">
+                        <a:rPr lang="en-CA" sz="1000" b="1" dirty="0">
                           <a:solidFill>
                             <a:schemeClr val="tx1">
                               <a:lumMod val="75000"/>
@@ -6440,10 +9068,10 @@
                             </a:schemeClr>
                           </a:solidFill>
                         </a:rPr>
-                        <a:t>1.7</a:t>
+                        <a:t>1.6</a:t>
                       </a:r>
                       <a:r>
-                        <a:rPr lang="en-CA" sz="1000" b="0">
+                        <a:rPr lang="en-CA" sz="1000" b="0" dirty="0">
                           <a:solidFill>
                             <a:schemeClr val="tx1">
                               <a:lumMod val="75000"/>
@@ -6461,7 +9089,7 @@
                         </a:spcAft>
                       </a:pPr>
                       <a:r>
-                        <a:rPr lang="en-CA" sz="1000" b="1" baseline="0">
+                        <a:rPr lang="en-CA" sz="1000" b="1" baseline="0" dirty="0">
                           <a:solidFill>
                             <a:schemeClr val="tx1">
                               <a:lumMod val="75000"/>
@@ -6469,10 +9097,10 @@
                             </a:schemeClr>
                           </a:solidFill>
                         </a:rPr>
-                        <a:t>1.8</a:t>
+                        <a:t>1.7</a:t>
                       </a:r>
                       <a:r>
-                        <a:rPr lang="en-CA" sz="1000" b="0" baseline="0">
+                        <a:rPr lang="en-CA" sz="1000" b="0" baseline="0" dirty="0">
                           <a:solidFill>
                             <a:schemeClr val="tx1">
                               <a:lumMod val="75000"/>
@@ -6490,7 +9118,7 @@
                         </a:spcAft>
                       </a:pPr>
                       <a:r>
-                        <a:rPr lang="en-CA" sz="1000" b="1" baseline="0">
+                        <a:rPr lang="en-CA" sz="1000" b="1" baseline="0" dirty="0">
                           <a:solidFill>
                             <a:schemeClr val="tx1">
                               <a:lumMod val="75000"/>
@@ -6498,10 +9126,10 @@
                             </a:schemeClr>
                           </a:solidFill>
                         </a:rPr>
-                        <a:t>1.9</a:t>
+                        <a:t>1.8</a:t>
                       </a:r>
                       <a:r>
-                        <a:rPr lang="en-CA" sz="1000" b="0" baseline="0">
+                        <a:rPr lang="en-CA" sz="1000" b="0" baseline="0" dirty="0">
                           <a:solidFill>
                             <a:schemeClr val="tx1">
                               <a:lumMod val="75000"/>
@@ -6518,7 +9146,7 @@
                           <a:spcPts val="0"/>
                         </a:spcAft>
                       </a:pPr>
-                      <a:endParaRPr lang="en-CA" sz="1000" b="0">
+                      <a:endParaRPr lang="en-CA" sz="1000" b="0" dirty="0">
                         <a:solidFill>
                           <a:schemeClr val="tx1">
                             <a:lumMod val="75000"/>
@@ -6580,7 +9208,7 @@
                           <a:spcPts val="0"/>
                         </a:spcAft>
                       </a:pPr>
-                      <a:endParaRPr lang="en-CA" sz="1000" b="0">
+                      <a:endParaRPr lang="en-CA" sz="1000" b="0" dirty="0">
                         <a:solidFill>
                           <a:schemeClr val="tx1">
                             <a:lumMod val="75000"/>
@@ -6647,7 +9275,7 @@
                         </a:spcAft>
                       </a:pPr>
                       <a:r>
-                        <a:rPr lang="en-US" sz="1000" b="1" baseline="0">
+                        <a:rPr lang="en-US" sz="1000" b="1" baseline="0" dirty="0">
                           <a:solidFill>
                             <a:schemeClr val="tx1">
                               <a:lumMod val="75000"/>
@@ -6657,7 +9285,7 @@
                         </a:rPr>
                         <a:t>Data Analytics</a:t>
                       </a:r>
-                      <a:endParaRPr lang="en-CA" sz="1000" b="1" baseline="0">
+                      <a:endParaRPr lang="en-CA" sz="1000" b="1" baseline="0" dirty="0">
                         <a:solidFill>
                           <a:schemeClr val="tx1">
                             <a:lumMod val="75000"/>
@@ -6672,7 +9300,7 @@
                           <a:spcPts val="0"/>
                         </a:spcAft>
                       </a:pPr>
-                      <a:endParaRPr lang="en-CA" sz="1000" b="1">
+                      <a:endParaRPr lang="en-CA" sz="1000" b="1" dirty="0">
                         <a:solidFill>
                           <a:schemeClr val="tx1">
                             <a:lumMod val="75000"/>
@@ -6688,7 +9316,7 @@
                         </a:spcAft>
                       </a:pPr>
                       <a:r>
-                        <a:rPr lang="en-CA" sz="1000" b="1">
+                        <a:rPr lang="en-CA" sz="1000" b="1" dirty="0">
                           <a:solidFill>
                             <a:schemeClr val="tx1">
                               <a:lumMod val="75000"/>
@@ -6706,7 +9334,7 @@
                         </a:spcAft>
                       </a:pPr>
                       <a:r>
-                        <a:rPr lang="en-CA" sz="1000" b="1">
+                        <a:rPr lang="en-CA" sz="1000" b="1" dirty="0">
                           <a:solidFill>
                             <a:schemeClr val="tx1">
                               <a:lumMod val="75000"/>
@@ -6717,7 +9345,7 @@
                         <a:t>2.1 </a:t>
                       </a:r>
                       <a:r>
-                        <a:rPr lang="en-CA" sz="1000" b="0">
+                        <a:rPr lang="en-CA" sz="1000" b="0" dirty="0">
                           <a:solidFill>
                             <a:schemeClr val="tx1">
                               <a:lumMod val="75000"/>
@@ -6735,7 +9363,7 @@
                         </a:spcAft>
                       </a:pPr>
                       <a:r>
-                        <a:rPr lang="en-CA" sz="1000" b="1">
+                        <a:rPr lang="en-CA" sz="1000" b="1" dirty="0">
                           <a:solidFill>
                             <a:schemeClr val="tx1">
                               <a:lumMod val="75000"/>
@@ -6746,7 +9374,7 @@
                         <a:t>2.2</a:t>
                       </a:r>
                       <a:r>
-                        <a:rPr lang="en-CA" sz="1000" b="0">
+                        <a:rPr lang="en-CA" sz="1000" b="0" dirty="0">
                           <a:solidFill>
                             <a:schemeClr val="tx1">
                               <a:lumMod val="75000"/>
@@ -6764,7 +9392,7 @@
                         </a:spcAft>
                       </a:pPr>
                       <a:r>
-                        <a:rPr lang="en-CA" sz="1000" b="1">
+                        <a:rPr lang="en-CA" sz="1000" b="1" dirty="0">
                           <a:solidFill>
                             <a:schemeClr val="tx1">
                               <a:lumMod val="75000"/>
@@ -6775,7 +9403,7 @@
                         <a:t>2.3 </a:t>
                       </a:r>
                       <a:r>
-                        <a:rPr lang="en-CA" sz="1000" b="0">
+                        <a:rPr lang="en-CA" sz="1000" b="0" dirty="0">
                           <a:solidFill>
                             <a:schemeClr val="tx1">
                               <a:lumMod val="75000"/>
@@ -6793,7 +9421,7 @@
                         </a:spcAft>
                       </a:pPr>
                       <a:r>
-                        <a:rPr lang="en-CA" sz="1000" b="1">
+                        <a:rPr lang="en-CA" sz="1000" b="1" dirty="0">
                           <a:solidFill>
                             <a:schemeClr val="tx1">
                               <a:lumMod val="75000"/>
@@ -6804,7 +9432,7 @@
                         <a:t>2.4</a:t>
                       </a:r>
                       <a:r>
-                        <a:rPr lang="en-CA" sz="1000" b="0">
+                        <a:rPr lang="en-CA" sz="1000" b="0" dirty="0">
                           <a:solidFill>
                             <a:schemeClr val="tx1">
                               <a:lumMod val="75000"/>
@@ -6822,7 +9450,7 @@
                         </a:spcAft>
                       </a:pPr>
                       <a:r>
-                        <a:rPr lang="en-CA" sz="1000" b="1">
+                        <a:rPr lang="en-CA" sz="1000" b="1" dirty="0">
                           <a:solidFill>
                             <a:schemeClr val="tx1">
                               <a:lumMod val="75000"/>
@@ -6833,7 +9461,7 @@
                         <a:t>2.5</a:t>
                       </a:r>
                       <a:r>
-                        <a:rPr lang="en-CA" sz="1000" b="0">
+                        <a:rPr lang="en-CA" sz="1000" b="0" dirty="0">
                           <a:solidFill>
                             <a:schemeClr val="tx1">
                               <a:lumMod val="75000"/>
@@ -6851,7 +9479,7 @@
                         </a:spcAft>
                       </a:pPr>
                       <a:r>
-                        <a:rPr lang="en-CA" sz="1000" b="1">
+                        <a:rPr lang="en-CA" sz="1000" b="1" dirty="0">
                           <a:solidFill>
                             <a:schemeClr val="tx1">
                               <a:lumMod val="75000"/>
@@ -6862,7 +9490,7 @@
                         <a:t>2.6 </a:t>
                       </a:r>
                       <a:r>
-                        <a:rPr lang="en-CA" sz="1000" b="0">
+                        <a:rPr lang="en-CA" sz="1000" b="0" dirty="0">
                           <a:solidFill>
                             <a:schemeClr val="tx1">
                               <a:lumMod val="75000"/>
@@ -6873,14 +9501,14 @@
                         <a:t>Second iteration: Pattern refinement based </a:t>
                       </a:r>
                       <a:br>
-                        <a:rPr lang="en-CA" sz="1000" b="0">
+                        <a:rPr lang="en-CA" sz="1000" b="0" dirty="0">
                           <a:solidFill>
                             <a:srgbClr val="404040"/>
                           </a:solidFill>
                         </a:rPr>
                       </a:br>
                       <a:r>
-                        <a:rPr lang="en-CA" sz="1000" b="0">
+                        <a:rPr lang="en-CA" sz="1000" b="0" dirty="0">
                           <a:solidFill>
                             <a:schemeClr val="tx1">
                               <a:lumMod val="75000"/>
@@ -6945,7 +9573,7 @@
                         </a:spcAft>
                       </a:pPr>
                       <a:r>
-                        <a:rPr lang="en-CA" sz="1000" b="1">
+                        <a:rPr lang="en-CA" sz="1000" b="1" dirty="0">
                           <a:solidFill>
                             <a:schemeClr val="tx1">
                               <a:lumMod val="75000"/>
@@ -6962,7 +9590,7 @@
                           <a:spcPts val="0"/>
                         </a:spcAft>
                       </a:pPr>
-                      <a:endParaRPr lang="en-CA" sz="1000" b="1">
+                      <a:endParaRPr lang="en-CA" sz="1000" b="1" dirty="0">
                         <a:solidFill>
                           <a:schemeClr val="tx1">
                             <a:lumMod val="75000"/>
@@ -6978,7 +9606,7 @@
                         </a:spcAft>
                       </a:pPr>
                       <a:r>
-                        <a:rPr lang="en-CA" sz="1000" b="1">
+                        <a:rPr lang="en-CA" sz="1000" b="1" dirty="0">
                           <a:solidFill>
                             <a:schemeClr val="tx1">
                               <a:lumMod val="75000"/>
@@ -6996,7 +9624,7 @@
                         </a:spcAft>
                       </a:pPr>
                       <a:r>
-                        <a:rPr lang="en-CA" sz="1000" b="1">
+                        <a:rPr lang="en-CA" sz="1000" b="1" dirty="0">
                           <a:solidFill>
                             <a:schemeClr val="tx1">
                               <a:lumMod val="75000"/>
@@ -7007,7 +9635,7 @@
                         <a:t>3.1 </a:t>
                       </a:r>
                       <a:r>
-                        <a:rPr lang="en-CA" sz="1000" b="0">
+                        <a:rPr lang="en-CA" sz="1000" b="0" dirty="0">
                           <a:solidFill>
                             <a:schemeClr val="tx1">
                               <a:lumMod val="75000"/>
@@ -7025,7 +9653,7 @@
                         </a:spcAft>
                       </a:pPr>
                       <a:r>
-                        <a:rPr lang="en-CA" sz="1000" b="1">
+                        <a:rPr lang="en-CA" sz="1000" b="1" dirty="0">
                           <a:solidFill>
                             <a:schemeClr val="tx1">
                               <a:lumMod val="75000"/>
@@ -7036,7 +9664,7 @@
                         <a:t>3.2 </a:t>
                       </a:r>
                       <a:r>
-                        <a:rPr lang="en-CA" sz="1000" b="0">
+                        <a:rPr lang="en-CA" sz="1000" b="0" dirty="0">
                           <a:solidFill>
                             <a:schemeClr val="tx1">
                               <a:lumMod val="75000"/>
@@ -7054,7 +9682,7 @@
                         </a:spcAft>
                       </a:pPr>
                       <a:r>
-                        <a:rPr lang="en-CA" sz="1000" b="1">
+                        <a:rPr lang="en-CA" sz="1000" b="1" dirty="0">
                           <a:solidFill>
                             <a:schemeClr val="tx1">
                               <a:lumMod val="75000"/>
@@ -7065,7 +9693,7 @@
                         <a:t>3.3</a:t>
                       </a:r>
                       <a:r>
-                        <a:rPr lang="en-CA" sz="1000" b="0" baseline="0">
+                        <a:rPr lang="en-CA" sz="1000" b="0" baseline="0" dirty="0">
                           <a:solidFill>
                             <a:schemeClr val="tx1">
                               <a:lumMod val="75000"/>
@@ -7076,7 +9704,7 @@
                         <a:t> </a:t>
                       </a:r>
                       <a:r>
-                        <a:rPr lang="en-CA" sz="1000" b="0">
+                        <a:rPr lang="en-CA" sz="1000" b="0" dirty="0">
                           <a:solidFill>
                             <a:schemeClr val="tx1">
                               <a:lumMod val="75000"/>
@@ -7087,7 +9715,7 @@
                         <a:t>Present next steps</a:t>
                       </a:r>
                       <a:r>
-                        <a:rPr lang="en-CA" sz="1000" b="0" baseline="0">
+                        <a:rPr lang="en-CA" sz="1000" b="0" baseline="0" dirty="0">
                           <a:solidFill>
                             <a:schemeClr val="tx1">
                               <a:lumMod val="75000"/>
@@ -7097,7 +9725,7 @@
                         </a:rPr>
                         <a:t>.</a:t>
                       </a:r>
-                      <a:endParaRPr lang="en-CA" sz="1000" b="0">
+                      <a:endParaRPr lang="en-CA" sz="1000" b="0" dirty="0">
                         <a:solidFill>
                           <a:schemeClr val="tx1">
                             <a:lumMod val="75000"/>
@@ -7239,7 +9867,7 @@
                         <a:buFont typeface="+mj-lt"/>
                         <a:buAutoNum type="arabicPeriod"/>
                       </a:pPr>
-                      <a:endParaRPr lang="en-US" sz="1000">
+                      <a:endParaRPr lang="en-US" sz="1000" dirty="0">
                         <a:solidFill>
                           <a:schemeClr val="tx1">
                             <a:lumMod val="75000"/>
@@ -7254,68 +9882,7 @@
                         <a:buAutoNum type="arabicPeriod"/>
                       </a:pPr>
                       <a:r>
-                        <a:rPr lang="en-US" sz="1000">
-                          <a:solidFill>
-                            <a:schemeClr val="tx1">
-                              <a:lumMod val="75000"/>
-                              <a:lumOff val="25000"/>
-                            </a:schemeClr>
-                          </a:solidFill>
-                        </a:rPr>
-                        <a:t>Multidisciplinary team</a:t>
-                      </a:r>
-                      <a:r>
-                        <a:rPr lang="en-US" sz="1000" baseline="0">
-                          <a:solidFill>
-                            <a:schemeClr val="tx1">
-                              <a:lumMod val="75000"/>
-                              <a:lumOff val="25000"/>
-                            </a:schemeClr>
-                          </a:solidFill>
-                        </a:rPr>
-                        <a:t> </a:t>
-                      </a:r>
-                      <a:r>
-                        <a:rPr lang="en-US" sz="1000">
-                          <a:solidFill>
-                            <a:schemeClr val="tx1">
-                              <a:lumMod val="75000"/>
-                              <a:lumOff val="25000"/>
-                            </a:schemeClr>
-                          </a:solidFill>
-                        </a:rPr>
-                        <a:t>structure</a:t>
-                      </a:r>
-                      <a:r>
-                        <a:rPr lang="en-US" sz="1000" baseline="0">
-                          <a:solidFill>
-                            <a:schemeClr val="tx1">
-                              <a:lumMod val="75000"/>
-                              <a:lumOff val="25000"/>
-                            </a:schemeClr>
-                          </a:solidFill>
-                        </a:rPr>
-                        <a:t> and </a:t>
-                      </a:r>
-                      <a:r>
-                        <a:rPr lang="en-US" sz="1000">
-                          <a:solidFill>
-                            <a:schemeClr val="tx1">
-                              <a:lumMod val="75000"/>
-                              <a:lumOff val="25000"/>
-                            </a:schemeClr>
-                          </a:solidFill>
-                        </a:rPr>
-                        <a:t>roles and responsibilities.</a:t>
-                      </a:r>
-                    </a:p>
-                    <a:p>
-                      <a:pPr marL="228600" indent="-228600">
-                        <a:buFont typeface="+mj-lt"/>
-                        <a:buAutoNum type="arabicPeriod"/>
-                      </a:pPr>
-                      <a:r>
-                        <a:rPr lang="en-US" sz="1000">
+                        <a:rPr lang="en-US" sz="1000" dirty="0">
                           <a:solidFill>
                             <a:schemeClr val="tx1">
                               <a:lumMod val="75000"/>
@@ -7332,7 +9899,7 @@
                         <a:buAutoNum type="arabicPeriod"/>
                       </a:pPr>
                       <a:r>
-                        <a:rPr lang="en-US" sz="1000">
+                        <a:rPr lang="en-US" sz="1000" dirty="0">
                           <a:solidFill>
                             <a:schemeClr val="tx1">
                               <a:lumMod val="75000"/>
@@ -7395,7 +9962,7 @@
                         <a:buFont typeface="+mj-lt"/>
                         <a:buAutoNum type="arabicPeriod"/>
                       </a:pPr>
-                      <a:endParaRPr lang="en-US" sz="1000">
+                      <a:endParaRPr lang="en-US" sz="1000" dirty="0">
                         <a:solidFill>
                           <a:schemeClr val="tx1">
                             <a:lumMod val="75000"/>
@@ -7460,7 +10027,7 @@
                         <a:buFont typeface="+mj-lt"/>
                         <a:buAutoNum type="arabicPeriod"/>
                       </a:pPr>
-                      <a:endParaRPr lang="en-CA" sz="1000">
+                      <a:endParaRPr lang="en-CA" sz="1000" dirty="0">
                         <a:solidFill>
                           <a:schemeClr val="tx1">
                             <a:lumMod val="75000"/>
@@ -7475,7 +10042,7 @@
                         <a:buAutoNum type="arabicPeriod"/>
                       </a:pPr>
                       <a:r>
-                        <a:rPr lang="en-CA" sz="1000">
+                        <a:rPr lang="en-CA" sz="1000" dirty="0">
                           <a:solidFill>
                             <a:schemeClr val="tx1">
                               <a:lumMod val="75000"/>
@@ -7492,7 +10059,7 @@
                         <a:buAutoNum type="arabicPeriod"/>
                       </a:pPr>
                       <a:r>
-                        <a:rPr lang="en-CA" sz="1000">
+                        <a:rPr lang="en-CA" sz="1000" dirty="0">
                           <a:solidFill>
                             <a:schemeClr val="tx1">
                               <a:lumMod val="75000"/>
@@ -7509,7 +10076,7 @@
                         <a:buAutoNum type="arabicPeriod"/>
                       </a:pPr>
                       <a:r>
-                        <a:rPr lang="en-CA" sz="1000">
+                        <a:rPr lang="en-CA" sz="1000" dirty="0">
                           <a:solidFill>
                             <a:schemeClr val="tx1">
                               <a:lumMod val="75000"/>
@@ -7576,7 +10143,7 @@
                         <a:buFont typeface="+mj-lt"/>
                         <a:buAutoNum type="arabicPeriod"/>
                       </a:pPr>
-                      <a:endParaRPr lang="en-US" sz="1000" b="0" i="0" kern="1200" baseline="0">
+                      <a:endParaRPr lang="en-US" sz="1000" b="0" i="0" kern="1200" baseline="0" dirty="0">
                         <a:solidFill>
                           <a:schemeClr val="tx1">
                             <a:lumMod val="75000"/>
@@ -7597,7 +10164,7 @@
                         <a:buAutoNum type="arabicPeriod"/>
                       </a:pPr>
                       <a:r>
-                        <a:rPr lang="en-US" sz="1000" b="0" i="0" kern="1200" baseline="0">
+                        <a:rPr lang="en-US" sz="1000" b="0" i="0" kern="1200" baseline="0" dirty="0">
                           <a:solidFill>
                             <a:schemeClr val="tx1">
                               <a:lumMod val="75000"/>
@@ -7621,7 +10188,7 @@
                         <a:buAutoNum type="arabicPeriod"/>
                       </a:pPr>
                       <a:r>
-                        <a:rPr lang="en-US" sz="1000" b="0" i="0" kern="1200" baseline="0">
+                        <a:rPr lang="en-US" sz="1000" b="0" i="0" kern="1200" baseline="0" dirty="0">
                           <a:solidFill>
                             <a:schemeClr val="tx1">
                               <a:lumMod val="75000"/>
@@ -7645,7 +10212,7 @@
                         <a:buAutoNum type="arabicPeriod"/>
                       </a:pPr>
                       <a:r>
-                        <a:rPr lang="en-US" sz="1000" b="0" i="0" kern="1200" baseline="0">
+                        <a:rPr lang="en-US" sz="1000" b="0" i="0" kern="1200" baseline="0" dirty="0">
                           <a:solidFill>
                             <a:schemeClr val="tx1">
                               <a:lumMod val="75000"/>
@@ -7668,7 +10235,7 @@
                         <a:buFont typeface="+mj-lt"/>
                         <a:buNone/>
                       </a:pPr>
-                      <a:endParaRPr lang="en-US" sz="1000" b="0" baseline="0">
+                      <a:endParaRPr lang="en-US" sz="1000" b="0" baseline="0" dirty="0">
                         <a:solidFill>
                           <a:schemeClr val="tx1">
                             <a:lumMod val="75000"/>
@@ -7864,8 +10431,8 @@
         </p:nvSpPr>
         <p:spPr>
           <a:xfrm rot="16200000">
-            <a:off x="3538297" y="3333714"/>
-            <a:ext cx="2543165" cy="400110"/>
+            <a:off x="3538297" y="3410658"/>
+            <a:ext cx="2543165" cy="246221"/>
           </a:xfrm>
           <a:prstGeom prst="rect">
             <a:avLst/>
@@ -7880,7 +10447,7 @@
           <a:p>
             <a:pPr algn="ctr"/>
             <a:r>
-              <a:rPr lang="sv-SE" sz="1000">
+              <a:rPr lang="sv-SE" sz="1000" dirty="0">
                 <a:solidFill>
                   <a:schemeClr val="tx1">
                     <a:lumMod val="65000"/>
@@ -7891,7 +10458,7 @@
               <a:t>Setup </a:t>
             </a:r>
             <a:r>
-              <a:rPr lang="sv-SE" sz="1000" err="1">
+              <a:rPr lang="sv-SE" sz="1000" dirty="0" err="1">
                 <a:solidFill>
                   <a:schemeClr val="tx1">
                     <a:lumMod val="65000"/>
@@ -7902,7 +10469,7 @@
               <a:t>environment</a:t>
             </a:r>
             <a:r>
-              <a:rPr lang="sv-SE" sz="1000">
+              <a:rPr lang="sv-SE" sz="1000" dirty="0">
                 <a:solidFill>
                   <a:schemeClr val="tx1">
                     <a:lumMod val="65000"/>
@@ -7912,39 +10479,6 @@
               </a:rPr>
               <a:t> for MVP</a:t>
             </a:r>
-          </a:p>
-          <a:p>
-            <a:pPr algn="ctr"/>
-            <a:r>
-              <a:rPr lang="sv-SE" sz="1000" err="1">
-                <a:solidFill>
-                  <a:schemeClr val="tx1">
-                    <a:lumMod val="65000"/>
-                    <a:lumOff val="35000"/>
-                  </a:schemeClr>
-                </a:solidFill>
-              </a:rPr>
-              <a:t>Wait</a:t>
-            </a:r>
-            <a:r>
-              <a:rPr lang="sv-SE" sz="1000">
-                <a:solidFill>
-                  <a:schemeClr val="tx1">
-                    <a:lumMod val="65000"/>
-                    <a:lumOff val="35000"/>
-                  </a:schemeClr>
-                </a:solidFill>
-              </a:rPr>
-              <a:t> for data</a:t>
-            </a:r>
-            <a:endParaRPr lang="en-US" sz="1000">
-              <a:solidFill>
-                <a:schemeClr val="tx1">
-                  <a:lumMod val="65000"/>
-                  <a:lumOff val="35000"/>
-                </a:schemeClr>
-              </a:solidFill>
-            </a:endParaRPr>
           </a:p>
         </p:txBody>
       </p:sp>
@@ -8144,7 +10678,7 @@
 </p:sld>
 </file>
 
-<file path=ppt/slides/slide6.xml><?xml version="1.0" encoding="utf-8"?>
+<file path=ppt/slides/slide8.xml><?xml version="1.0" encoding="utf-8"?>
 <p:sld xmlns:a="http://schemas.openxmlformats.org/drawingml/2006/main" xmlns:r="http://schemas.openxmlformats.org/officeDocument/2006/relationships" xmlns:p="http://schemas.openxmlformats.org/presentationml/2006/main">
   <p:cSld>
     <p:spTree>
@@ -8166,7 +10700,7 @@
           <p:cNvPr id="2" name="Title 1">
             <a:extLst>
               <a:ext uri="{FF2B5EF4-FFF2-40B4-BE49-F238E27FC236}">
-                <a16:creationId xmlns:a16="http://schemas.microsoft.com/office/drawing/2014/main" id="{6635291D-12A8-B759-3728-4198F9880E14}"/>
+                <a16:creationId xmlns:a16="http://schemas.microsoft.com/office/drawing/2014/main" id="{382C94C0-E5CD-05CA-19DE-2F727653AB93}"/>
               </a:ext>
             </a:extLst>
           </p:cNvPr>
@@ -8183,9 +10717,10 @@
           <a:lstStyle/>
           <a:p>
             <a:r>
-              <a:rPr lang="en-US"/>
-              <a:t>We have these capabilities</a:t>
-            </a:r>
+              <a:rPr lang="sv-SE" dirty="0" err="1"/>
+              <a:t>Timeline</a:t>
+            </a:r>
+            <a:endParaRPr lang="sv-SE" dirty="0"/>
           </a:p>
         </p:txBody>
       </p:sp>
@@ -8194,7 +10729,7 @@
           <p:cNvPr id="3" name="Content Placeholder 2">
             <a:extLst>
               <a:ext uri="{FF2B5EF4-FFF2-40B4-BE49-F238E27FC236}">
-                <a16:creationId xmlns:a16="http://schemas.microsoft.com/office/drawing/2014/main" id="{ED65D0AC-5AB4-D3A1-ECD7-D99AF7C497D1}"/>
+                <a16:creationId xmlns:a16="http://schemas.microsoft.com/office/drawing/2014/main" id="{0809725B-B8AF-8A3E-B098-A0C3B843B6BE}"/>
               </a:ext>
             </a:extLst>
           </p:cNvPr>
@@ -8210,7 +10745,7 @@
           <a:bodyPr/>
           <a:lstStyle/>
           <a:p>
-            <a:endParaRPr lang="en-US"/>
+            <a:endParaRPr lang="sv-SE"/>
           </a:p>
         </p:txBody>
       </p:sp>
@@ -8219,7 +10754,7 @@
           <p:cNvPr id="4" name="Footer Placeholder 3">
             <a:extLst>
               <a:ext uri="{FF2B5EF4-FFF2-40B4-BE49-F238E27FC236}">
-                <a16:creationId xmlns:a16="http://schemas.microsoft.com/office/drawing/2014/main" id="{87B5812A-E39B-2FC7-9C53-F2474D050B78}"/>
+                <a16:creationId xmlns:a16="http://schemas.microsoft.com/office/drawing/2014/main" id="{8DD5557F-10A2-DA50-8464-8F9E018C4D2E}"/>
               </a:ext>
             </a:extLst>
           </p:cNvPr>
@@ -8247,7 +10782,7 @@
           <p:cNvPr id="5" name="Slide Number Placeholder 4">
             <a:extLst>
               <a:ext uri="{FF2B5EF4-FFF2-40B4-BE49-F238E27FC236}">
-                <a16:creationId xmlns:a16="http://schemas.microsoft.com/office/drawing/2014/main" id="{805BFFCE-A89E-58AD-ACE6-2B9356BA694F}"/>
+                <a16:creationId xmlns:a16="http://schemas.microsoft.com/office/drawing/2014/main" id="{0CF55A76-7847-E45E-7D05-984E6F0C69FF}"/>
               </a:ext>
             </a:extLst>
           </p:cNvPr>
@@ -8265,7 +10800,7 @@
           <a:p>
             <a:fld id="{A2DCBA88-1671-42D3-9686-8895CAE7DED7}" type="slidenum">
               <a:rPr lang="en-US" smtClean="0"/>
-              <a:t>6</a:t>
+              <a:t>8</a:t>
             </a:fld>
             <a:endParaRPr lang="en-US"/>
           </a:p>
@@ -8274,7 +10809,7 @@
     </p:spTree>
     <p:extLst>
       <p:ext uri="{BB962C8B-B14F-4D97-AF65-F5344CB8AC3E}">
-        <p14:creationId xmlns:p14="http://schemas.microsoft.com/office/powerpoint/2010/main" val="3552366256"/>
+        <p14:creationId xmlns:p14="http://schemas.microsoft.com/office/powerpoint/2010/main" val="1408099738"/>
       </p:ext>
     </p:extLst>
   </p:cSld>
@@ -8284,282 +10819,7 @@
 </p:sld>
 </file>
 
-<file path=ppt/slides/slide7.xml><?xml version="1.0" encoding="utf-8"?>
-<p:sld xmlns:a="http://schemas.openxmlformats.org/drawingml/2006/main" xmlns:r="http://schemas.openxmlformats.org/officeDocument/2006/relationships" xmlns:p="http://schemas.openxmlformats.org/presentationml/2006/main">
-  <p:cSld>
-    <p:spTree>
-      <p:nvGrpSpPr>
-        <p:cNvPr id="1" name=""/>
-        <p:cNvGrpSpPr/>
-        <p:nvPr/>
-      </p:nvGrpSpPr>
-      <p:grpSpPr>
-        <a:xfrm>
-          <a:off x="0" y="0"/>
-          <a:ext cx="0" cy="0"/>
-          <a:chOff x="0" y="0"/>
-          <a:chExt cx="0" cy="0"/>
-        </a:xfrm>
-      </p:grpSpPr>
-      <p:sp>
-        <p:nvSpPr>
-          <p:cNvPr id="2" name="Title 1">
-            <a:extLst>
-              <a:ext uri="{FF2B5EF4-FFF2-40B4-BE49-F238E27FC236}">
-                <a16:creationId xmlns:a16="http://schemas.microsoft.com/office/drawing/2014/main" id="{1BDCDB4C-E8E2-C69D-F6BA-101484162D44}"/>
-              </a:ext>
-            </a:extLst>
-          </p:cNvPr>
-          <p:cNvSpPr>
-            <a:spLocks noGrp="1"/>
-          </p:cNvSpPr>
-          <p:nvPr>
-            <p:ph type="title"/>
-          </p:nvPr>
-        </p:nvSpPr>
-        <p:spPr/>
-        <p:txBody>
-          <a:bodyPr/>
-          <a:lstStyle/>
-          <a:p>
-            <a:r>
-              <a:rPr lang="sv-SE" dirty="0" err="1"/>
-              <a:t>This</a:t>
-            </a:r>
-            <a:r>
-              <a:rPr lang="sv-SE" dirty="0"/>
-              <a:t> is </a:t>
-            </a:r>
-            <a:r>
-              <a:rPr lang="sv-SE" dirty="0" err="1"/>
-              <a:t>what</a:t>
-            </a:r>
-            <a:r>
-              <a:rPr lang="sv-SE" dirty="0"/>
-              <a:t> </a:t>
-            </a:r>
-            <a:r>
-              <a:rPr lang="sv-SE" dirty="0" err="1"/>
-              <a:t>we</a:t>
-            </a:r>
-            <a:r>
-              <a:rPr lang="sv-SE" dirty="0"/>
-              <a:t> </a:t>
-            </a:r>
-            <a:r>
-              <a:rPr lang="sv-SE" dirty="0" err="1"/>
-              <a:t>can</a:t>
-            </a:r>
-            <a:r>
-              <a:rPr lang="sv-SE" dirty="0"/>
-              <a:t> do for </a:t>
-            </a:r>
-            <a:r>
-              <a:rPr lang="sv-SE" dirty="0" err="1"/>
-              <a:t>them</a:t>
-            </a:r>
-            <a:r>
-              <a:rPr lang="sv-SE" dirty="0"/>
-              <a:t> </a:t>
-            </a:r>
-            <a:r>
-              <a:rPr lang="sv-SE" dirty="0" err="1"/>
-              <a:t>starting</a:t>
-            </a:r>
-            <a:r>
-              <a:rPr lang="sv-SE" dirty="0"/>
-              <a:t> </a:t>
-            </a:r>
-            <a:r>
-              <a:rPr lang="sv-SE" dirty="0" err="1"/>
-              <a:t>with</a:t>
-            </a:r>
-            <a:r>
-              <a:rPr lang="sv-SE" dirty="0"/>
-              <a:t> </a:t>
-            </a:r>
-            <a:r>
-              <a:rPr lang="sv-SE" dirty="0" err="1"/>
-              <a:t>this</a:t>
-            </a:r>
-            <a:r>
-              <a:rPr lang="sv-SE" dirty="0"/>
-              <a:t> </a:t>
-            </a:r>
-            <a:r>
-              <a:rPr lang="sv-SE" dirty="0" err="1"/>
-              <a:t>case</a:t>
-            </a:r>
-            <a:endParaRPr lang="sv-SE" dirty="0"/>
-          </a:p>
-        </p:txBody>
-      </p:sp>
-      <p:sp>
-        <p:nvSpPr>
-          <p:cNvPr id="3" name="Content Placeholder 2">
-            <a:extLst>
-              <a:ext uri="{FF2B5EF4-FFF2-40B4-BE49-F238E27FC236}">
-                <a16:creationId xmlns:a16="http://schemas.microsoft.com/office/drawing/2014/main" id="{7A7795BA-A12B-5548-2BF5-F2D12968C219}"/>
-              </a:ext>
-            </a:extLst>
-          </p:cNvPr>
-          <p:cNvSpPr>
-            <a:spLocks noGrp="1"/>
-          </p:cNvSpPr>
-          <p:nvPr>
-            <p:ph idx="1"/>
-          </p:nvPr>
-        </p:nvSpPr>
-        <p:spPr/>
-        <p:txBody>
-          <a:bodyPr/>
-          <a:lstStyle/>
-          <a:p>
-            <a:r>
-              <a:rPr lang="sv-SE" dirty="0" err="1"/>
-              <a:t>Create</a:t>
-            </a:r>
-            <a:r>
-              <a:rPr lang="sv-SE" dirty="0"/>
-              <a:t> a </a:t>
-            </a:r>
-            <a:r>
-              <a:rPr lang="sv-SE" dirty="0" err="1"/>
-              <a:t>Next</a:t>
-            </a:r>
-            <a:r>
-              <a:rPr lang="sv-SE" dirty="0"/>
-              <a:t> Best Offer solution for all marketing </a:t>
-            </a:r>
-            <a:r>
-              <a:rPr lang="sv-SE" dirty="0" err="1"/>
-              <a:t>campaigns</a:t>
-            </a:r>
-            <a:r>
-              <a:rPr lang="sv-SE" dirty="0"/>
-              <a:t> going forward</a:t>
-            </a:r>
-          </a:p>
-          <a:p>
-            <a:pPr lvl="1"/>
-            <a:r>
-              <a:rPr lang="sv-SE" dirty="0"/>
-              <a:t>Case: </a:t>
-            </a:r>
-            <a:r>
-              <a:rPr lang="sv-SE" dirty="0" err="1"/>
-              <a:t>use</a:t>
-            </a:r>
-            <a:r>
-              <a:rPr lang="sv-SE" dirty="0"/>
-              <a:t> the </a:t>
-            </a:r>
-            <a:r>
-              <a:rPr lang="sv-SE" dirty="0" err="1"/>
-              <a:t>currect</a:t>
-            </a:r>
-            <a:r>
-              <a:rPr lang="sv-SE" dirty="0"/>
-              <a:t> </a:t>
-            </a:r>
-            <a:r>
-              <a:rPr lang="sv-SE" dirty="0" err="1"/>
-              <a:t>campaign</a:t>
-            </a:r>
-            <a:r>
-              <a:rPr lang="sv-SE" dirty="0"/>
-              <a:t> to </a:t>
-            </a:r>
-            <a:r>
-              <a:rPr lang="sv-SE" dirty="0" err="1"/>
-              <a:t>produce</a:t>
-            </a:r>
-            <a:r>
-              <a:rPr lang="sv-SE" dirty="0"/>
-              <a:t> the </a:t>
-            </a:r>
-            <a:r>
-              <a:rPr lang="sv-SE" dirty="0" err="1"/>
-              <a:t>model</a:t>
-            </a:r>
-            <a:r>
-              <a:rPr lang="sv-SE" dirty="0"/>
-              <a:t>.</a:t>
-            </a:r>
-          </a:p>
-        </p:txBody>
-      </p:sp>
-      <p:sp>
-        <p:nvSpPr>
-          <p:cNvPr id="4" name="Footer Placeholder 3">
-            <a:extLst>
-              <a:ext uri="{FF2B5EF4-FFF2-40B4-BE49-F238E27FC236}">
-                <a16:creationId xmlns:a16="http://schemas.microsoft.com/office/drawing/2014/main" id="{186CB45C-6C39-6058-8110-ED0F2B78EB13}"/>
-              </a:ext>
-            </a:extLst>
-          </p:cNvPr>
-          <p:cNvSpPr>
-            <a:spLocks noGrp="1"/>
-          </p:cNvSpPr>
-          <p:nvPr>
-            <p:ph type="ftr" sz="quarter" idx="11"/>
-          </p:nvPr>
-        </p:nvSpPr>
-        <p:spPr/>
-        <p:txBody>
-          <a:bodyPr/>
-          <a:lstStyle/>
-          <a:p>
-            <a:r>
-              <a:rPr lang="en-US"/>
-              <a:t>Adage</a:t>
-            </a:r>
-          </a:p>
-        </p:txBody>
-      </p:sp>
-      <p:sp>
-        <p:nvSpPr>
-          <p:cNvPr id="5" name="Slide Number Placeholder 4">
-            <a:extLst>
-              <a:ext uri="{FF2B5EF4-FFF2-40B4-BE49-F238E27FC236}">
-                <a16:creationId xmlns:a16="http://schemas.microsoft.com/office/drawing/2014/main" id="{A643240A-730F-99D1-2BDF-E5123DD247E1}"/>
-              </a:ext>
-            </a:extLst>
-          </p:cNvPr>
-          <p:cNvSpPr>
-            <a:spLocks noGrp="1"/>
-          </p:cNvSpPr>
-          <p:nvPr>
-            <p:ph type="sldNum" sz="quarter" idx="12"/>
-          </p:nvPr>
-        </p:nvSpPr>
-        <p:spPr/>
-        <p:txBody>
-          <a:bodyPr/>
-          <a:lstStyle/>
-          <a:p>
-            <a:fld id="{A2DCBA88-1671-42D3-9686-8895CAE7DED7}" type="slidenum">
-              <a:rPr lang="en-US" smtClean="0"/>
-              <a:t>7</a:t>
-            </a:fld>
-            <a:endParaRPr lang="en-US"/>
-          </a:p>
-        </p:txBody>
-      </p:sp>
-    </p:spTree>
-    <p:extLst>
-      <p:ext uri="{BB962C8B-B14F-4D97-AF65-F5344CB8AC3E}">
-        <p14:creationId xmlns:p14="http://schemas.microsoft.com/office/powerpoint/2010/main" val="2712573431"/>
-      </p:ext>
-    </p:extLst>
-  </p:cSld>
-  <p:clrMapOvr>
-    <a:masterClrMapping/>
-  </p:clrMapOvr>
-</p:sld>
-</file>
-
-<file path=ppt/slides/slide8.xml><?xml version="1.0" encoding="utf-8"?>
+<file path=ppt/slides/slide9.xml><?xml version="1.0" encoding="utf-8"?>
 <p:sld xmlns:a="http://schemas.openxmlformats.org/drawingml/2006/main" xmlns:r="http://schemas.openxmlformats.org/officeDocument/2006/relationships" xmlns:p="http://schemas.openxmlformats.org/presentationml/2006/main">
   <p:cSld>
     <p:spTree>
@@ -8640,7 +10900,7 @@
           <a:p>
             <a:fld id="{A2DCBA88-1671-42D3-9686-8895CAE7DED7}" type="slidenum">
               <a:rPr lang="en-US" smtClean="0"/>
-              <a:t>8</a:t>
+              <a:t>9</a:t>
             </a:fld>
             <a:endParaRPr lang="en-US"/>
           </a:p>
